--- a/20200823.Study4Dev/Study4-後端工程師的修練之路-AndrewWu.pptx
+++ b/20200823.Study4Dev/Study4-後端工程師的修練之路-AndrewWu.pptx
@@ -1,56 +1,35 @@
 
 <file path=ppt/presentation.xml><?xml version="1.0" encoding="utf-8"?>
-<p:presentation xmlns:a="http://schemas.openxmlformats.org/drawingml/2006/main" xmlns:r="http://schemas.openxmlformats.org/officeDocument/2006/relationships" xmlns:p="http://schemas.openxmlformats.org/presentationml/2006/main" strictFirstAndLastChars="0" embedTrueTypeFonts="1" saveSubsetFonts="1" autoCompressPictures="0">
+<p:presentation xmlns:a="http://schemas.openxmlformats.org/drawingml/2006/main" xmlns:r="http://schemas.openxmlformats.org/officeDocument/2006/relationships" xmlns:p="http://schemas.openxmlformats.org/presentationml/2006/main" strictFirstAndLastChars="0" saveSubsetFonts="1" autoCompressPictures="0">
   <p:sldMasterIdLst>
     <p:sldMasterId id="2147483648" r:id="rId1"/>
   </p:sldMasterIdLst>
   <p:notesMasterIdLst>
-    <p:notesMasterId r:id="rId19"/>
+    <p:notesMasterId r:id="rId21"/>
   </p:notesMasterIdLst>
   <p:sldIdLst>
     <p:sldId id="259" r:id="rId2"/>
     <p:sldId id="256" r:id="rId3"/>
-    <p:sldId id="258" r:id="rId4"/>
-    <p:sldId id="257" r:id="rId5"/>
-    <p:sldId id="264" r:id="rId6"/>
-    <p:sldId id="261" r:id="rId7"/>
-    <p:sldId id="260" r:id="rId8"/>
-    <p:sldId id="265" r:id="rId9"/>
-    <p:sldId id="262" r:id="rId10"/>
-    <p:sldId id="266" r:id="rId11"/>
-    <p:sldId id="267" r:id="rId12"/>
-    <p:sldId id="268" r:id="rId13"/>
-    <p:sldId id="263" r:id="rId14"/>
-    <p:sldId id="270" r:id="rId15"/>
-    <p:sldId id="272" r:id="rId16"/>
-    <p:sldId id="269" r:id="rId17"/>
-    <p:sldId id="271" r:id="rId18"/>
+    <p:sldId id="257" r:id="rId4"/>
+    <p:sldId id="264" r:id="rId5"/>
+    <p:sldId id="261" r:id="rId6"/>
+    <p:sldId id="260" r:id="rId7"/>
+    <p:sldId id="273" r:id="rId8"/>
+    <p:sldId id="274" r:id="rId9"/>
+    <p:sldId id="265" r:id="rId10"/>
+    <p:sldId id="258" r:id="rId11"/>
+    <p:sldId id="275" r:id="rId12"/>
+    <p:sldId id="276" r:id="rId13"/>
+    <p:sldId id="277" r:id="rId14"/>
+    <p:sldId id="278" r:id="rId15"/>
+    <p:sldId id="270" r:id="rId16"/>
+    <p:sldId id="279" r:id="rId17"/>
+    <p:sldId id="282" r:id="rId18"/>
+    <p:sldId id="280" r:id="rId19"/>
+    <p:sldId id="271" r:id="rId20"/>
   </p:sldIdLst>
   <p:sldSz cx="9144000" cy="5143500" type="screen16x9"/>
   <p:notesSz cx="6858000" cy="9144000"/>
-  <p:embeddedFontLst>
-    <p:embeddedFont>
-      <p:font typeface="Microsoft JhengHei" panose="020B0604030504040204" pitchFamily="34" charset="-120"/>
-      <p:regular r:id="rId20"/>
-      <p:bold r:id="rId21"/>
-    </p:embeddedFont>
-    <p:embeddedFont>
-      <p:font typeface="Microsoft JhengHei" panose="020B0604030504040204" pitchFamily="34" charset="-120"/>
-      <p:regular r:id="rId20"/>
-      <p:bold r:id="rId21"/>
-    </p:embeddedFont>
-    <p:embeddedFont>
-      <p:font typeface="Oswald" panose="02000503000000000000" pitchFamily="2" charset="0"/>
-      <p:regular r:id="rId22"/>
-    </p:embeddedFont>
-    <p:embeddedFont>
-      <p:font typeface="Roboto" panose="02020500000000000000" charset="0"/>
-      <p:regular r:id="rId23"/>
-      <p:bold r:id="rId24"/>
-      <p:italic r:id="rId25"/>
-      <p:boldItalic r:id="rId26"/>
-    </p:embeddedFont>
-  </p:embeddedFontLst>
   <p:defaultTextStyle>
     <a:defPPr marR="0" lvl="0" algn="l" rtl="0">
       <a:lnSpc>
@@ -296,7 +275,7 @@
       </p15:sldGuideLst>
     </p:ext>
     <p:ext uri="http://customooxmlschemas.google.com/">
-      <go:slidesCustomData xmlns:go="http://customooxmlschemas.google.com/" xmlns:p15="http://schemas.microsoft.com/office/powerpoint/2012/main" xmlns:p14="http://schemas.microsoft.com/office/powerpoint/2010/main" xmlns:com="http://schemas.openxmlformats.org/drawingml/2006/compatibility" xmlns:pvml="urn:schemas-microsoft-com:office:powerpoint" xmlns:v="urn:schemas-microsoft-com:vml" xmlns:o="urn:schemas-microsoft-com:office:office" xmlns:dgm="http://schemas.openxmlformats.org/drawingml/2006/diagram" xmlns:c="http://schemas.openxmlformats.org/drawingml/2006/chart" xmlns:mv="urn:schemas-microsoft-com:mac:vml" xmlns:mc="http://schemas.openxmlformats.org/markup-compatibility/2006" xmlns="" r:id="rId27" roundtripDataSignature="AMtx7mg9fB49yeLzXXT0PjwcV7TfrGKkbw=="/>
+      <go:slidesCustomData xmlns="" xmlns:mc="http://schemas.openxmlformats.org/markup-compatibility/2006" xmlns:mv="urn:schemas-microsoft-com:mac:vml" xmlns:c="http://schemas.openxmlformats.org/drawingml/2006/chart" xmlns:dgm="http://schemas.openxmlformats.org/drawingml/2006/diagram" xmlns:o="urn:schemas-microsoft-com:office:office" xmlns:v="urn:schemas-microsoft-com:vml" xmlns:pvml="urn:schemas-microsoft-com:office:powerpoint" xmlns:com="http://schemas.openxmlformats.org/drawingml/2006/compatibility" xmlns:p14="http://schemas.microsoft.com/office/powerpoint/2010/main" xmlns:p15="http://schemas.microsoft.com/office/powerpoint/2012/main" xmlns:go="http://customooxmlschemas.google.com/" r:id="rId27" roundtripDataSignature="AMtx7mg9fB49yeLzXXT0PjwcV7TfrGKkbw=="/>
     </p:ext>
   </p:extLst>
 </p:presentation>
@@ -1008,7 +987,7 @@
   <p:cSld>
     <p:spTree>
       <p:nvGrpSpPr>
-        <p:cNvPr id="1" name="Shape 56"/>
+        <p:cNvPr id="1" name="Shape 51"/>
         <p:cNvGrpSpPr/>
         <p:nvPr/>
       </p:nvGrpSpPr>
@@ -1022,7 +1001,7 @@
       </p:grpSpPr>
       <p:sp>
         <p:nvSpPr>
-          <p:cNvPr id="57" name="Google Shape;57;p3:notes"/>
+          <p:cNvPr id="52" name="Google Shape;52;p2:notes"/>
           <p:cNvSpPr>
             <a:spLocks noGrp="1" noRot="1" noChangeAspect="1"/>
           </p:cNvSpPr>
@@ -1073,7 +1052,7 @@
       </p:sp>
       <p:sp>
         <p:nvSpPr>
-          <p:cNvPr id="58" name="Google Shape;58;p3:notes"/>
+          <p:cNvPr id="53" name="Google Shape;53;p2:notes"/>
           <p:cNvSpPr txBox="1">
             <a:spLocks noGrp="1"/>
           </p:cNvSpPr>
@@ -1240,6 +1219,11 @@
         </p:txBody>
       </p:sp>
     </p:spTree>
+    <p:extLst>
+      <p:ext uri="{BB962C8B-B14F-4D97-AF65-F5344CB8AC3E}">
+        <p14:creationId xmlns:p14="http://schemas.microsoft.com/office/powerpoint/2010/main" val="3152669802"/>
+      </p:ext>
+    </p:extLst>
   </p:cSld>
   <p:clrMapOvr>
     <a:masterClrMapping/>
@@ -1252,7 +1236,7 @@
   <p:cSld>
     <p:spTree>
       <p:nvGrpSpPr>
-        <p:cNvPr id="1" name="Shape 51"/>
+        <p:cNvPr id="1" name="Shape 56"/>
         <p:cNvGrpSpPr/>
         <p:nvPr/>
       </p:nvGrpSpPr>
@@ -1266,7 +1250,7 @@
       </p:grpSpPr>
       <p:sp>
         <p:nvSpPr>
-          <p:cNvPr id="52" name="Google Shape;52;p2:notes"/>
+          <p:cNvPr id="57" name="Google Shape;57;p3:notes"/>
           <p:cNvSpPr>
             <a:spLocks noGrp="1" noRot="1" noChangeAspect="1"/>
           </p:cNvSpPr>
@@ -1317,7 +1301,7 @@
       </p:sp>
       <p:sp>
         <p:nvSpPr>
-          <p:cNvPr id="53" name="Google Shape;53;p2:notes"/>
+          <p:cNvPr id="58" name="Google Shape;58;p3:notes"/>
           <p:cNvSpPr txBox="1">
             <a:spLocks noGrp="1"/>
           </p:cNvSpPr>
@@ -1364,7 +1348,283 @@
     </p:spTree>
     <p:extLst>
       <p:ext uri="{BB962C8B-B14F-4D97-AF65-F5344CB8AC3E}">
-        <p14:creationId xmlns:p14="http://schemas.microsoft.com/office/powerpoint/2010/main" val="3152669802"/>
+        <p14:creationId xmlns:p14="http://schemas.microsoft.com/office/powerpoint/2010/main" val="2192173364"/>
+      </p:ext>
+    </p:extLst>
+  </p:cSld>
+  <p:clrMapOvr>
+    <a:masterClrMapping/>
+  </p:clrMapOvr>
+</p:notes>
+</file>
+
+<file path=ppt/notesSlides/notesSlide5.xml><?xml version="1.0" encoding="utf-8"?>
+<p:notes xmlns:a="http://schemas.openxmlformats.org/drawingml/2006/main" xmlns:r="http://schemas.openxmlformats.org/officeDocument/2006/relationships" xmlns:p="http://schemas.openxmlformats.org/presentationml/2006/main">
+  <p:cSld>
+    <p:spTree>
+      <p:nvGrpSpPr>
+        <p:cNvPr id="1" name=""/>
+        <p:cNvGrpSpPr/>
+        <p:nvPr/>
+      </p:nvGrpSpPr>
+      <p:grpSpPr>
+        <a:xfrm>
+          <a:off x="0" y="0"/>
+          <a:ext cx="0" cy="0"/>
+          <a:chOff x="0" y="0"/>
+          <a:chExt cx="0" cy="0"/>
+        </a:xfrm>
+      </p:grpSpPr>
+      <p:sp>
+        <p:nvSpPr>
+          <p:cNvPr id="2" name="投影片影像版面配置區 1"/>
+          <p:cNvSpPr>
+            <a:spLocks noGrp="1" noRot="1" noChangeAspect="1"/>
+          </p:cNvSpPr>
+          <p:nvPr>
+            <p:ph type="sldImg"/>
+          </p:nvPr>
+        </p:nvSpPr>
+        <p:spPr>
+          <a:xfrm>
+            <a:off x="381000" y="685800"/>
+            <a:ext cx="6096000" cy="3429000"/>
+          </a:xfrm>
+        </p:spPr>
+      </p:sp>
+      <p:sp>
+        <p:nvSpPr>
+          <p:cNvPr id="3" name="備忘稿版面配置區 2"/>
+          <p:cNvSpPr>
+            <a:spLocks noGrp="1"/>
+          </p:cNvSpPr>
+          <p:nvPr>
+            <p:ph type="body" idx="1"/>
+          </p:nvPr>
+        </p:nvSpPr>
+        <p:spPr/>
+        <p:txBody>
+          <a:bodyPr/>
+          <a:lstStyle/>
+          <a:p>
+            <a:pPr marL="158750" indent="0">
+              <a:buNone/>
+            </a:pPr>
+            <a:r>
+              <a:rPr lang="zh-TW" altLang="en-US" sz="1800" b="1" i="0" u="none" strike="noStrike" dirty="0">
+                <a:solidFill>
+                  <a:srgbClr val="000000"/>
+                </a:solidFill>
+                <a:effectLst/>
+                <a:latin typeface="細明體" panose="02020509000000000000" pitchFamily="49" charset="-120"/>
+                <a:ea typeface="細明體" panose="02020509000000000000" pitchFamily="49" charset="-120"/>
+              </a:rPr>
+              <a:t>程度</a:t>
+            </a:r>
+            <a:br>
+              <a:rPr lang="zh-TW" altLang="en-US" sz="1800" b="1" i="0" u="none" strike="noStrike" dirty="0">
+                <a:solidFill>
+                  <a:srgbClr val="000000"/>
+                </a:solidFill>
+                <a:effectLst/>
+                <a:latin typeface="細明體" panose="02020509000000000000" pitchFamily="49" charset="-120"/>
+                <a:ea typeface="細明體" panose="02020509000000000000" pitchFamily="49" charset="-120"/>
+              </a:rPr>
+            </a:br>
+            <a:r>
+              <a:rPr lang="en-US" altLang="zh-TW" sz="1800" b="1" i="0" u="none" strike="noStrike" dirty="0">
+                <a:solidFill>
+                  <a:srgbClr val="000000"/>
+                </a:solidFill>
+                <a:effectLst/>
+                <a:latin typeface="細明體" panose="02020509000000000000" pitchFamily="49" charset="-120"/>
+                <a:ea typeface="細明體" panose="02020509000000000000" pitchFamily="49" charset="-120"/>
+              </a:rPr>
+              <a:t>0 </a:t>
+            </a:r>
+            <a:r>
+              <a:rPr lang="zh-TW" altLang="en-US" sz="1800" b="1" i="0" u="none" strike="noStrike" dirty="0">
+                <a:solidFill>
+                  <a:srgbClr val="000000"/>
+                </a:solidFill>
+                <a:effectLst/>
+                <a:latin typeface="細明體" panose="02020509000000000000" pitchFamily="49" charset="-120"/>
+                <a:ea typeface="細明體" panose="02020509000000000000" pitchFamily="49" charset="-120"/>
+              </a:rPr>
+              <a:t>代表 不具備該項能力</a:t>
+            </a:r>
+            <a:br>
+              <a:rPr lang="zh-TW" altLang="en-US" sz="1800" b="1" i="0" u="none" strike="noStrike" dirty="0">
+                <a:solidFill>
+                  <a:srgbClr val="000000"/>
+                </a:solidFill>
+                <a:effectLst/>
+                <a:latin typeface="細明體" panose="02020509000000000000" pitchFamily="49" charset="-120"/>
+                <a:ea typeface="細明體" panose="02020509000000000000" pitchFamily="49" charset="-120"/>
+              </a:rPr>
+            </a:br>
+            <a:r>
+              <a:rPr lang="en-US" altLang="zh-TW" sz="1800" b="1" i="0" u="none" strike="noStrike" dirty="0">
+                <a:solidFill>
+                  <a:srgbClr val="000000"/>
+                </a:solidFill>
+                <a:effectLst/>
+                <a:latin typeface="細明體" panose="02020509000000000000" pitchFamily="49" charset="-120"/>
+                <a:ea typeface="細明體" panose="02020509000000000000" pitchFamily="49" charset="-120"/>
+              </a:rPr>
+              <a:t>1 </a:t>
+            </a:r>
+            <a:r>
+              <a:rPr lang="zh-TW" altLang="en-US" sz="1800" b="1" i="0" u="none" strike="noStrike" dirty="0">
+                <a:solidFill>
+                  <a:srgbClr val="000000"/>
+                </a:solidFill>
+                <a:effectLst/>
+                <a:latin typeface="細明體" panose="02020509000000000000" pitchFamily="49" charset="-120"/>
+                <a:ea typeface="細明體" panose="02020509000000000000" pitchFamily="49" charset="-120"/>
+              </a:rPr>
+              <a:t>代表 我知道該領域的知識</a:t>
+            </a:r>
+            <a:br>
+              <a:rPr lang="zh-TW" altLang="en-US" sz="1800" b="1" i="0" u="none" strike="noStrike" dirty="0">
+                <a:solidFill>
+                  <a:srgbClr val="000000"/>
+                </a:solidFill>
+                <a:effectLst/>
+                <a:latin typeface="細明體" panose="02020509000000000000" pitchFamily="49" charset="-120"/>
+                <a:ea typeface="細明體" panose="02020509000000000000" pitchFamily="49" charset="-120"/>
+              </a:rPr>
+            </a:br>
+            <a:r>
+              <a:rPr lang="en-US" altLang="zh-TW" sz="1800" b="1" i="0" u="none" strike="noStrike" dirty="0">
+                <a:solidFill>
+                  <a:srgbClr val="000000"/>
+                </a:solidFill>
+                <a:effectLst/>
+                <a:latin typeface="細明體" panose="02020509000000000000" pitchFamily="49" charset="-120"/>
+                <a:ea typeface="細明體" panose="02020509000000000000" pitchFamily="49" charset="-120"/>
+              </a:rPr>
+              <a:t>2 </a:t>
+            </a:r>
+            <a:r>
+              <a:rPr lang="zh-TW" altLang="en-US" sz="1800" b="1" i="0" u="none" strike="noStrike" dirty="0">
+                <a:solidFill>
+                  <a:srgbClr val="000000"/>
+                </a:solidFill>
+                <a:effectLst/>
+                <a:latin typeface="細明體" panose="02020509000000000000" pitchFamily="49" charset="-120"/>
+                <a:ea typeface="細明體" panose="02020509000000000000" pitchFamily="49" charset="-120"/>
+              </a:rPr>
+              <a:t>代表 我知道該領域的知識並可以獨立操作</a:t>
+            </a:r>
+            <a:br>
+              <a:rPr lang="zh-TW" altLang="en-US" sz="1800" b="1" i="0" u="none" strike="noStrike" dirty="0">
+                <a:solidFill>
+                  <a:srgbClr val="000000"/>
+                </a:solidFill>
+                <a:effectLst/>
+                <a:latin typeface="細明體" panose="02020509000000000000" pitchFamily="49" charset="-120"/>
+                <a:ea typeface="細明體" panose="02020509000000000000" pitchFamily="49" charset="-120"/>
+              </a:rPr>
+            </a:br>
+            <a:r>
+              <a:rPr lang="en-US" altLang="zh-TW" sz="1800" b="1" i="0" u="none" strike="noStrike" dirty="0">
+                <a:solidFill>
+                  <a:srgbClr val="000000"/>
+                </a:solidFill>
+                <a:effectLst/>
+                <a:latin typeface="細明體" panose="02020509000000000000" pitchFamily="49" charset="-120"/>
+                <a:ea typeface="細明體" panose="02020509000000000000" pitchFamily="49" charset="-120"/>
+              </a:rPr>
+              <a:t>3 </a:t>
+            </a:r>
+            <a:r>
+              <a:rPr lang="zh-TW" altLang="en-US" sz="1800" b="1" i="0" u="none" strike="noStrike" dirty="0">
+                <a:solidFill>
+                  <a:srgbClr val="000000"/>
+                </a:solidFill>
+                <a:effectLst/>
+                <a:latin typeface="細明體" panose="02020509000000000000" pitchFamily="49" charset="-120"/>
+                <a:ea typeface="細明體" panose="02020509000000000000" pitchFamily="49" charset="-120"/>
+              </a:rPr>
+              <a:t>代表 我可以擔任講師並教授他人</a:t>
+            </a:r>
+            <a:br>
+              <a:rPr lang="zh-TW" altLang="en-US" sz="1800" b="1" i="0" u="none" strike="noStrike" dirty="0">
+                <a:solidFill>
+                  <a:srgbClr val="000000"/>
+                </a:solidFill>
+                <a:effectLst/>
+                <a:latin typeface="細明體" panose="02020509000000000000" pitchFamily="49" charset="-120"/>
+                <a:ea typeface="細明體" panose="02020509000000000000" pitchFamily="49" charset="-120"/>
+              </a:rPr>
+            </a:br>
+            <a:r>
+              <a:rPr lang="en-US" altLang="zh-TW" sz="1800" b="1" i="0" u="none" strike="noStrike" dirty="0">
+                <a:solidFill>
+                  <a:srgbClr val="000000"/>
+                </a:solidFill>
+                <a:effectLst/>
+                <a:latin typeface="細明體" panose="02020509000000000000" pitchFamily="49" charset="-120"/>
+                <a:ea typeface="細明體" panose="02020509000000000000" pitchFamily="49" charset="-120"/>
+              </a:rPr>
+              <a:t>4 </a:t>
+            </a:r>
+            <a:r>
+              <a:rPr lang="zh-TW" altLang="en-US" sz="1800" b="1" i="0" u="none" strike="noStrike" dirty="0">
+                <a:solidFill>
+                  <a:srgbClr val="000000"/>
+                </a:solidFill>
+                <a:effectLst/>
+                <a:latin typeface="細明體" panose="02020509000000000000" pitchFamily="49" charset="-120"/>
+                <a:ea typeface="細明體" panose="02020509000000000000" pitchFamily="49" charset="-120"/>
+              </a:rPr>
+              <a:t>代表 我可以獨立解決和改善問題</a:t>
+            </a:r>
+            <a:br>
+              <a:rPr lang="zh-TW" altLang="en-US" sz="1800" b="1" i="0" u="none" strike="noStrike" dirty="0">
+                <a:solidFill>
+                  <a:srgbClr val="000000"/>
+                </a:solidFill>
+                <a:effectLst/>
+                <a:latin typeface="細明體" panose="02020509000000000000" pitchFamily="49" charset="-120"/>
+                <a:ea typeface="細明體" panose="02020509000000000000" pitchFamily="49" charset="-120"/>
+              </a:rPr>
+            </a:br>
+            <a:r>
+              <a:rPr lang="en-US" altLang="zh-TW" sz="1800" b="1" i="0" u="none" strike="noStrike" dirty="0">
+                <a:solidFill>
+                  <a:srgbClr val="000000"/>
+                </a:solidFill>
+                <a:effectLst/>
+                <a:latin typeface="細明體" panose="02020509000000000000" pitchFamily="49" charset="-120"/>
+                <a:ea typeface="細明體" panose="02020509000000000000" pitchFamily="49" charset="-120"/>
+              </a:rPr>
+              <a:t>N </a:t>
+            </a:r>
+            <a:r>
+              <a:rPr lang="zh-TW" altLang="en-US" sz="1800" b="1" i="0" u="none" strike="noStrike" dirty="0">
+                <a:solidFill>
+                  <a:srgbClr val="000000"/>
+                </a:solidFill>
+                <a:effectLst/>
+                <a:latin typeface="細明體" panose="02020509000000000000" pitchFamily="49" charset="-120"/>
+                <a:ea typeface="細明體" panose="02020509000000000000" pitchFamily="49" charset="-120"/>
+              </a:rPr>
+              <a:t>代表 不需具備該項能力</a:t>
+            </a:r>
+            <a:r>
+              <a:rPr lang="zh-TW" altLang="en-US" dirty="0"/>
+              <a:t> </a:t>
+            </a:r>
+            <a:endParaRPr lang="en-US" dirty="0"/>
+          </a:p>
+        </p:txBody>
+      </p:sp>
+    </p:spTree>
+    <p:extLst>
+      <p:ext uri="{BB962C8B-B14F-4D97-AF65-F5344CB8AC3E}">
+        <p14:creationId xmlns:p14="http://schemas.microsoft.com/office/powerpoint/2010/main" val="71020739"/>
       </p:ext>
     </p:extLst>
   </p:cSld>
@@ -2759,7 +3019,33 @@
               <a:buSzPts val="2000"/>
               <a:buFont typeface="Roboto"/>
               <a:buNone/>
-              <a:defRPr sz="2000" b="0" i="0" u="none" strike="noStrike" cap="none">
+              <a:defRPr sz="2400" b="0" i="0" u="none" strike="noStrike" cap="none">
+                <a:solidFill>
+                  <a:srgbClr val="000000"/>
+                </a:solidFill>
+                <a:latin typeface="微軟正黑體" panose="020B0604030504040204" pitchFamily="34" charset="-120"/>
+                <a:ea typeface="微軟正黑體" panose="020B0604030504040204" pitchFamily="34" charset="-120"/>
+                <a:cs typeface="微軟正黑體" panose="020B0604030504040204" pitchFamily="34" charset="-120"/>
+                <a:sym typeface="Roboto"/>
+              </a:defRPr>
+            </a:lvl1pPr>
+            <a:lvl2pPr marR="0" lvl="1" algn="l" rtl="0">
+              <a:lnSpc>
+                <a:spcPct val="100000"/>
+              </a:lnSpc>
+              <a:spcBef>
+                <a:spcPts val="0"/>
+              </a:spcBef>
+              <a:spcAft>
+                <a:spcPts val="0"/>
+              </a:spcAft>
+              <a:buClr>
+                <a:srgbClr val="000000"/>
+              </a:buClr>
+              <a:buSzPts val="1800"/>
+              <a:buFont typeface="Roboto"/>
+              <a:buNone/>
+              <a:defRPr sz="1800" b="0" i="0" u="none" strike="noStrike" cap="none">
                 <a:solidFill>
                   <a:srgbClr val="000000"/>
                 </a:solidFill>
@@ -2768,8 +3054,8 @@
                 <a:cs typeface="Roboto"/>
                 <a:sym typeface="Roboto"/>
               </a:defRPr>
-            </a:lvl1pPr>
-            <a:lvl2pPr marR="0" lvl="1" algn="l" rtl="0">
+            </a:lvl2pPr>
+            <a:lvl3pPr marR="0" lvl="2" algn="l" rtl="0">
               <a:lnSpc>
                 <a:spcPct val="100000"/>
               </a:lnSpc>
@@ -2794,8 +3080,8 @@
                 <a:cs typeface="Roboto"/>
                 <a:sym typeface="Roboto"/>
               </a:defRPr>
-            </a:lvl2pPr>
-            <a:lvl3pPr marR="0" lvl="2" algn="l" rtl="0">
+            </a:lvl3pPr>
+            <a:lvl4pPr marR="0" lvl="3" algn="l" rtl="0">
               <a:lnSpc>
                 <a:spcPct val="100000"/>
               </a:lnSpc>
@@ -2820,8 +3106,8 @@
                 <a:cs typeface="Roboto"/>
                 <a:sym typeface="Roboto"/>
               </a:defRPr>
-            </a:lvl3pPr>
-            <a:lvl4pPr marR="0" lvl="3" algn="l" rtl="0">
+            </a:lvl4pPr>
+            <a:lvl5pPr marR="0" lvl="4" algn="l" rtl="0">
               <a:lnSpc>
                 <a:spcPct val="100000"/>
               </a:lnSpc>
@@ -2846,8 +3132,8 @@
                 <a:cs typeface="Roboto"/>
                 <a:sym typeface="Roboto"/>
               </a:defRPr>
-            </a:lvl4pPr>
-            <a:lvl5pPr marR="0" lvl="4" algn="l" rtl="0">
+            </a:lvl5pPr>
+            <a:lvl6pPr marR="0" lvl="5" algn="l" rtl="0">
               <a:lnSpc>
                 <a:spcPct val="100000"/>
               </a:lnSpc>
@@ -2872,8 +3158,8 @@
                 <a:cs typeface="Roboto"/>
                 <a:sym typeface="Roboto"/>
               </a:defRPr>
-            </a:lvl5pPr>
-            <a:lvl6pPr marR="0" lvl="5" algn="l" rtl="0">
+            </a:lvl6pPr>
+            <a:lvl7pPr marR="0" lvl="6" algn="l" rtl="0">
               <a:lnSpc>
                 <a:spcPct val="100000"/>
               </a:lnSpc>
@@ -2898,8 +3184,8 @@
                 <a:cs typeface="Roboto"/>
                 <a:sym typeface="Roboto"/>
               </a:defRPr>
-            </a:lvl6pPr>
-            <a:lvl7pPr marR="0" lvl="6" algn="l" rtl="0">
+            </a:lvl7pPr>
+            <a:lvl8pPr marR="0" lvl="7" algn="l" rtl="0">
               <a:lnSpc>
                 <a:spcPct val="100000"/>
               </a:lnSpc>
@@ -2924,8 +3210,8 @@
                 <a:cs typeface="Roboto"/>
                 <a:sym typeface="Roboto"/>
               </a:defRPr>
-            </a:lvl7pPr>
-            <a:lvl8pPr marR="0" lvl="7" algn="l" rtl="0">
+            </a:lvl8pPr>
+            <a:lvl9pPr marR="0" lvl="8" algn="l" rtl="0">
               <a:lnSpc>
                 <a:spcPct val="100000"/>
               </a:lnSpc>
@@ -2950,36 +3236,10 @@
                 <a:cs typeface="Roboto"/>
                 <a:sym typeface="Roboto"/>
               </a:defRPr>
-            </a:lvl8pPr>
-            <a:lvl9pPr marR="0" lvl="8" algn="l" rtl="0">
-              <a:lnSpc>
-                <a:spcPct val="100000"/>
-              </a:lnSpc>
-              <a:spcBef>
-                <a:spcPts val="0"/>
-              </a:spcBef>
-              <a:spcAft>
-                <a:spcPts val="0"/>
-              </a:spcAft>
-              <a:buClr>
-                <a:srgbClr val="000000"/>
-              </a:buClr>
-              <a:buSzPts val="1800"/>
-              <a:buFont typeface="Roboto"/>
-              <a:buNone/>
-              <a:defRPr sz="1800" b="0" i="0" u="none" strike="noStrike" cap="none">
-                <a:solidFill>
-                  <a:srgbClr val="000000"/>
-                </a:solidFill>
-                <a:latin typeface="Roboto"/>
-                <a:ea typeface="Roboto"/>
-                <a:cs typeface="Roboto"/>
-                <a:sym typeface="Roboto"/>
-              </a:defRPr>
             </a:lvl9pPr>
           </a:lstStyle>
           <a:p>
-            <a:endParaRPr/>
+            <a:endParaRPr dirty="0"/>
           </a:p>
         </p:txBody>
       </p:sp>
@@ -3027,6 +3287,32 @@
               <a:buSzPts val="1000"/>
               <a:buFont typeface="Roboto"/>
               <a:buNone/>
+              <a:defRPr sz="1400" b="0" i="0" u="none" strike="noStrike" cap="none">
+                <a:solidFill>
+                  <a:srgbClr val="000000"/>
+                </a:solidFill>
+                <a:latin typeface="微軟正黑體" panose="020B0604030504040204" pitchFamily="34" charset="-120"/>
+                <a:ea typeface="微軟正黑體" panose="020B0604030504040204" pitchFamily="34" charset="-120"/>
+                <a:cs typeface="微軟正黑體" panose="020B0604030504040204" pitchFamily="34" charset="-120"/>
+                <a:sym typeface="Roboto"/>
+              </a:defRPr>
+            </a:lvl1pPr>
+            <a:lvl2pPr marR="0" lvl="1" algn="l" rtl="0">
+              <a:lnSpc>
+                <a:spcPct val="100000"/>
+              </a:lnSpc>
+              <a:spcBef>
+                <a:spcPts val="0"/>
+              </a:spcBef>
+              <a:spcAft>
+                <a:spcPts val="0"/>
+              </a:spcAft>
+              <a:buClr>
+                <a:srgbClr val="000000"/>
+              </a:buClr>
+              <a:buSzPts val="1000"/>
+              <a:buFont typeface="Roboto"/>
+              <a:buNone/>
               <a:defRPr sz="1000" b="0" i="0" u="none" strike="noStrike" cap="none">
                 <a:solidFill>
                   <a:srgbClr val="000000"/>
@@ -3036,8 +3322,8 @@
                 <a:cs typeface="Roboto"/>
                 <a:sym typeface="Roboto"/>
               </a:defRPr>
-            </a:lvl1pPr>
-            <a:lvl2pPr marR="0" lvl="1" algn="l" rtl="0">
+            </a:lvl2pPr>
+            <a:lvl3pPr marR="0" lvl="2" algn="l" rtl="0">
               <a:lnSpc>
                 <a:spcPct val="100000"/>
               </a:lnSpc>
@@ -3062,8 +3348,8 @@
                 <a:cs typeface="Roboto"/>
                 <a:sym typeface="Roboto"/>
               </a:defRPr>
-            </a:lvl2pPr>
-            <a:lvl3pPr marR="0" lvl="2" algn="l" rtl="0">
+            </a:lvl3pPr>
+            <a:lvl4pPr marR="0" lvl="3" algn="l" rtl="0">
               <a:lnSpc>
                 <a:spcPct val="100000"/>
               </a:lnSpc>
@@ -3088,8 +3374,8 @@
                 <a:cs typeface="Roboto"/>
                 <a:sym typeface="Roboto"/>
               </a:defRPr>
-            </a:lvl3pPr>
-            <a:lvl4pPr marR="0" lvl="3" algn="l" rtl="0">
+            </a:lvl4pPr>
+            <a:lvl5pPr marR="0" lvl="4" algn="l" rtl="0">
               <a:lnSpc>
                 <a:spcPct val="100000"/>
               </a:lnSpc>
@@ -3114,8 +3400,8 @@
                 <a:cs typeface="Roboto"/>
                 <a:sym typeface="Roboto"/>
               </a:defRPr>
-            </a:lvl4pPr>
-            <a:lvl5pPr marR="0" lvl="4" algn="l" rtl="0">
+            </a:lvl5pPr>
+            <a:lvl6pPr marR="0" lvl="5" algn="l" rtl="0">
               <a:lnSpc>
                 <a:spcPct val="100000"/>
               </a:lnSpc>
@@ -3140,8 +3426,8 @@
                 <a:cs typeface="Roboto"/>
                 <a:sym typeface="Roboto"/>
               </a:defRPr>
-            </a:lvl5pPr>
-            <a:lvl6pPr marR="0" lvl="5" algn="l" rtl="0">
+            </a:lvl6pPr>
+            <a:lvl7pPr marR="0" lvl="6" algn="l" rtl="0">
               <a:lnSpc>
                 <a:spcPct val="100000"/>
               </a:lnSpc>
@@ -3166,8 +3452,8 @@
                 <a:cs typeface="Roboto"/>
                 <a:sym typeface="Roboto"/>
               </a:defRPr>
-            </a:lvl6pPr>
-            <a:lvl7pPr marR="0" lvl="6" algn="l" rtl="0">
+            </a:lvl7pPr>
+            <a:lvl8pPr marR="0" lvl="7" algn="l" rtl="0">
               <a:lnSpc>
                 <a:spcPct val="100000"/>
               </a:lnSpc>
@@ -3192,8 +3478,8 @@
                 <a:cs typeface="Roboto"/>
                 <a:sym typeface="Roboto"/>
               </a:defRPr>
-            </a:lvl7pPr>
-            <a:lvl8pPr marR="0" lvl="7" algn="l" rtl="0">
+            </a:lvl8pPr>
+            <a:lvl9pPr marR="0" lvl="8" algn="l" rtl="0">
               <a:lnSpc>
                 <a:spcPct val="100000"/>
               </a:lnSpc>
@@ -3218,36 +3504,10 @@
                 <a:cs typeface="Roboto"/>
                 <a:sym typeface="Roboto"/>
               </a:defRPr>
-            </a:lvl8pPr>
-            <a:lvl9pPr marR="0" lvl="8" algn="l" rtl="0">
-              <a:lnSpc>
-                <a:spcPct val="100000"/>
-              </a:lnSpc>
-              <a:spcBef>
-                <a:spcPts val="0"/>
-              </a:spcBef>
-              <a:spcAft>
-                <a:spcPts val="0"/>
-              </a:spcAft>
-              <a:buClr>
-                <a:srgbClr val="000000"/>
-              </a:buClr>
-              <a:buSzPts val="1000"/>
-              <a:buFont typeface="Roboto"/>
-              <a:buNone/>
-              <a:defRPr sz="1000" b="0" i="0" u="none" strike="noStrike" cap="none">
-                <a:solidFill>
-                  <a:srgbClr val="000000"/>
-                </a:solidFill>
-                <a:latin typeface="Roboto"/>
-                <a:ea typeface="Roboto"/>
-                <a:cs typeface="Roboto"/>
-                <a:sym typeface="Roboto"/>
-              </a:defRPr>
             </a:lvl9pPr>
           </a:lstStyle>
           <a:p>
-            <a:endParaRPr/>
+            <a:endParaRPr dirty="0"/>
           </a:p>
         </p:txBody>
       </p:sp>
@@ -6767,7 +7027,7 @@
   <p:cSld>
     <p:spTree>
       <p:nvGrpSpPr>
-        <p:cNvPr id="1" name=""/>
+        <p:cNvPr id="1" name="Shape 59"/>
         <p:cNvGrpSpPr/>
         <p:nvPr/>
       </p:nvGrpSpPr>
@@ -6781,78 +7041,758 @@
       </p:grpSpPr>
       <p:sp>
         <p:nvSpPr>
-          <p:cNvPr id="4" name="標題 3">
-            <a:extLst>
-              <a:ext uri="{FF2B5EF4-FFF2-40B4-BE49-F238E27FC236}">
-                <a16:creationId xmlns:a16="http://schemas.microsoft.com/office/drawing/2014/main" id="{73E8C956-6FC2-4BEE-BDA6-DCA35C04F957}"/>
-              </a:ext>
-            </a:extLst>
-          </p:cNvPr>
-          <p:cNvSpPr>
+          <p:cNvPr id="60" name="Google Shape;60;p3"/>
+          <p:cNvSpPr txBox="1">
             <a:spLocks noGrp="1"/>
           </p:cNvSpPr>
           <p:nvPr>
             <p:ph type="title"/>
           </p:nvPr>
         </p:nvSpPr>
-        <p:spPr/>
+        <p:spPr>
+          <a:xfrm>
+            <a:off x="120125" y="109875"/>
+            <a:ext cx="7747800" cy="518400"/>
+          </a:xfrm>
+          <a:prstGeom prst="rect">
+            <a:avLst/>
+          </a:prstGeom>
+          <a:noFill/>
+          <a:ln>
+            <a:noFill/>
+          </a:ln>
+        </p:spPr>
         <p:txBody>
-          <a:bodyPr/>
+          <a:bodyPr spcFirstLastPara="1" wrap="square" lIns="91425" tIns="91425" rIns="91425" bIns="91425" anchor="t" anchorCtr="0">
+            <a:noAutofit/>
+          </a:bodyPr>
           <a:lstStyle/>
           <a:p>
-            <a:r>
-              <a:rPr lang="zh-TW" altLang="en-US" dirty="0"/>
-              <a:t>累積必要的 </a:t>
-            </a:r>
-            <a:r>
-              <a:rPr lang="en-US" altLang="zh-TW" dirty="0"/>
-              <a:t>“</a:t>
-            </a:r>
-            <a:r>
-              <a:rPr lang="zh-TW" altLang="en-US" dirty="0"/>
-              <a:t>基礎</a:t>
-            </a:r>
-            <a:r>
-              <a:rPr lang="en-US" altLang="zh-TW" dirty="0"/>
-              <a:t>” </a:t>
-            </a:r>
-            <a:r>
-              <a:rPr lang="zh-TW" altLang="en-US" dirty="0"/>
-              <a:t>能力</a:t>
-            </a:r>
-            <a:endParaRPr lang="en-US" dirty="0"/>
+            <a:pPr marL="0" lvl="0" indent="0" algn="l" rtl="0">
+              <a:lnSpc>
+                <a:spcPct val="100000"/>
+              </a:lnSpc>
+              <a:spcBef>
+                <a:spcPts val="0"/>
+              </a:spcBef>
+              <a:spcAft>
+                <a:spcPts val="0"/>
+              </a:spcAft>
+              <a:buSzPts val="2000"/>
+              <a:buNone/>
+            </a:pPr>
+            <a:r>
+              <a:rPr lang="zh-TW" altLang="en-US" dirty="0">
+                <a:latin typeface="微軟正黑體" panose="020B0604030504040204" pitchFamily="34" charset="-120"/>
+                <a:ea typeface="微軟正黑體" panose="020B0604030504040204" pitchFamily="34" charset="-120"/>
+              </a:rPr>
+              <a:t>安德魯是誰</a:t>
+            </a:r>
+            <a:r>
+              <a:rPr lang="en-US" altLang="zh-TW" dirty="0">
+                <a:latin typeface="微軟正黑體" panose="020B0604030504040204" pitchFamily="34" charset="-120"/>
+                <a:ea typeface="微軟正黑體" panose="020B0604030504040204" pitchFamily="34" charset="-120"/>
+              </a:rPr>
+              <a:t>?</a:t>
+            </a:r>
+            <a:endParaRPr dirty="0">
+              <a:latin typeface="微軟正黑體" panose="020B0604030504040204" pitchFamily="34" charset="-120"/>
+              <a:ea typeface="微軟正黑體" panose="020B0604030504040204" pitchFamily="34" charset="-120"/>
+            </a:endParaRPr>
           </a:p>
         </p:txBody>
       </p:sp>
       <p:sp>
         <p:nvSpPr>
-          <p:cNvPr id="5" name="副標題 4">
-            <a:extLst>
-              <a:ext uri="{FF2B5EF4-FFF2-40B4-BE49-F238E27FC236}">
-                <a16:creationId xmlns:a16="http://schemas.microsoft.com/office/drawing/2014/main" id="{FE138A2A-6508-4582-AB49-7E7C1824ED0C}"/>
-              </a:ext>
-            </a:extLst>
-          </p:cNvPr>
-          <p:cNvSpPr>
+          <p:cNvPr id="61" name="Google Shape;61;p3"/>
+          <p:cNvSpPr txBox="1">
             <a:spLocks noGrp="1"/>
           </p:cNvSpPr>
           <p:nvPr>
             <p:ph type="subTitle" idx="1"/>
           </p:nvPr>
         </p:nvSpPr>
-        <p:spPr/>
+        <p:spPr>
+          <a:xfrm>
+            <a:off x="120125" y="631699"/>
+            <a:ext cx="8864400" cy="4204023"/>
+          </a:xfrm>
+          <a:prstGeom prst="rect">
+            <a:avLst/>
+          </a:prstGeom>
+          <a:noFill/>
+          <a:ln>
+            <a:noFill/>
+          </a:ln>
+        </p:spPr>
         <p:txBody>
-          <a:bodyPr/>
+          <a:bodyPr spcFirstLastPara="1" wrap="square" lIns="91425" tIns="91425" rIns="91425" bIns="91425" anchor="t" anchorCtr="0">
+            <a:noAutofit/>
+          </a:bodyPr>
           <a:lstStyle/>
           <a:p>
-            <a:endParaRPr lang="en-US" dirty="0"/>
+            <a:pPr marL="0" lvl="0" indent="0" algn="l" rtl="0">
+              <a:lnSpc>
+                <a:spcPct val="100000"/>
+              </a:lnSpc>
+              <a:spcBef>
+                <a:spcPts val="0"/>
+              </a:spcBef>
+              <a:spcAft>
+                <a:spcPts val="0"/>
+              </a:spcAft>
+              <a:buSzPts val="1000"/>
+              <a:buNone/>
+            </a:pPr>
+            <a:endParaRPr lang="en-US" altLang="zh-TW" sz="1600" dirty="0">
+              <a:latin typeface="Microsoft JhengHei"/>
+              <a:ea typeface="Microsoft JhengHei"/>
+              <a:cs typeface="Microsoft JhengHei"/>
+              <a:sym typeface="Microsoft JhengHei"/>
+            </a:endParaRPr>
+          </a:p>
+          <a:p>
+            <a:pPr marL="0" lvl="0" indent="0" algn="l" rtl="0">
+              <a:lnSpc>
+                <a:spcPct val="100000"/>
+              </a:lnSpc>
+              <a:spcBef>
+                <a:spcPts val="0"/>
+              </a:spcBef>
+              <a:spcAft>
+                <a:spcPts val="0"/>
+              </a:spcAft>
+              <a:buSzPts val="1000"/>
+              <a:buNone/>
+            </a:pPr>
+            <a:r>
+              <a:rPr lang="zh-TW" altLang="en-US" sz="1600" dirty="0">
+                <a:latin typeface="Microsoft JhengHei"/>
+                <a:ea typeface="Microsoft JhengHei"/>
+                <a:cs typeface="Microsoft JhengHei"/>
+                <a:sym typeface="Microsoft JhengHei"/>
+              </a:rPr>
+              <a:t>架構師</a:t>
+            </a:r>
+            <a:r>
+              <a:rPr lang="en-US" altLang="zh-TW" sz="1600" dirty="0">
+                <a:latin typeface="Microsoft JhengHei"/>
+                <a:ea typeface="Microsoft JhengHei"/>
+                <a:cs typeface="Microsoft JhengHei"/>
+                <a:sym typeface="Microsoft JhengHei"/>
+              </a:rPr>
+              <a:t>		Microservices, Cloud Native, </a:t>
+            </a:r>
+          </a:p>
+          <a:p>
+            <a:pPr marL="0" lvl="0" indent="0" algn="l" rtl="0">
+              <a:lnSpc>
+                <a:spcPct val="100000"/>
+              </a:lnSpc>
+              <a:spcBef>
+                <a:spcPts val="0"/>
+              </a:spcBef>
+              <a:spcAft>
+                <a:spcPts val="0"/>
+              </a:spcAft>
+              <a:buSzPts val="1000"/>
+              <a:buNone/>
+            </a:pPr>
+            <a:r>
+              <a:rPr lang="en-US" sz="1600" dirty="0">
+                <a:latin typeface="Microsoft JhengHei"/>
+                <a:ea typeface="Microsoft JhengHei"/>
+                <a:cs typeface="Microsoft JhengHei"/>
+                <a:sym typeface="Microsoft JhengHei"/>
+              </a:rPr>
+              <a:t>		Application Infrastructure (</a:t>
+            </a:r>
+            <a:r>
+              <a:rPr lang="en-US" altLang="zh-TW" sz="1600" dirty="0">
+                <a:latin typeface="Microsoft JhengHei"/>
+                <a:ea typeface="Microsoft JhengHei"/>
+                <a:cs typeface="Microsoft JhengHei"/>
+                <a:sym typeface="Microsoft JhengHei"/>
+              </a:rPr>
+              <a:t>91APP PaaS / Framework design)</a:t>
+            </a:r>
+            <a:endParaRPr lang="en-US" sz="1600" dirty="0">
+              <a:latin typeface="Microsoft JhengHei"/>
+              <a:ea typeface="Microsoft JhengHei"/>
+              <a:cs typeface="Microsoft JhengHei"/>
+              <a:sym typeface="Microsoft JhengHei"/>
+            </a:endParaRPr>
+          </a:p>
+          <a:p>
+            <a:pPr marL="0" lvl="0" indent="0" algn="l" rtl="0">
+              <a:lnSpc>
+                <a:spcPct val="100000"/>
+              </a:lnSpc>
+              <a:spcBef>
+                <a:spcPts val="0"/>
+              </a:spcBef>
+              <a:spcAft>
+                <a:spcPts val="0"/>
+              </a:spcAft>
+              <a:buSzPts val="1000"/>
+              <a:buNone/>
+            </a:pPr>
+            <a:endParaRPr lang="en-US" sz="1600" dirty="0">
+              <a:latin typeface="Microsoft JhengHei"/>
+              <a:ea typeface="Microsoft JhengHei"/>
+              <a:cs typeface="Microsoft JhengHei"/>
+              <a:sym typeface="Microsoft JhengHei"/>
+            </a:endParaRPr>
+          </a:p>
+          <a:p>
+            <a:pPr marL="0" lvl="0" indent="0" algn="l" rtl="0">
+              <a:lnSpc>
+                <a:spcPct val="100000"/>
+              </a:lnSpc>
+              <a:spcBef>
+                <a:spcPts val="0"/>
+              </a:spcBef>
+              <a:spcAft>
+                <a:spcPts val="0"/>
+              </a:spcAft>
+              <a:buSzPts val="1000"/>
+              <a:buNone/>
+            </a:pPr>
+            <a:r>
+              <a:rPr lang="zh-TW" altLang="en-US" sz="1600" dirty="0">
+                <a:latin typeface="Microsoft JhengHei"/>
+                <a:ea typeface="Microsoft JhengHei"/>
+                <a:cs typeface="Microsoft JhengHei"/>
+                <a:sym typeface="Microsoft JhengHei"/>
+              </a:rPr>
+              <a:t>技術長</a:t>
+            </a:r>
+            <a:r>
+              <a:rPr lang="en-US" altLang="zh-TW" sz="1600" dirty="0">
+                <a:latin typeface="Microsoft JhengHei"/>
+                <a:ea typeface="Microsoft JhengHei"/>
+                <a:cs typeface="Microsoft JhengHei"/>
+                <a:sym typeface="Microsoft JhengHei"/>
+              </a:rPr>
+              <a:t>		Cloud, Multiple Tenancy Application Design, SOA</a:t>
+            </a:r>
+          </a:p>
+          <a:p>
+            <a:pPr marL="0" lvl="0" indent="0" algn="l" rtl="0">
+              <a:lnSpc>
+                <a:spcPct val="100000"/>
+              </a:lnSpc>
+              <a:spcBef>
+                <a:spcPts val="0"/>
+              </a:spcBef>
+              <a:spcAft>
+                <a:spcPts val="0"/>
+              </a:spcAft>
+              <a:buSzPts val="1000"/>
+              <a:buNone/>
+            </a:pPr>
+            <a:r>
+              <a:rPr lang="en-US" altLang="zh-TW" sz="1600" dirty="0">
+                <a:latin typeface="Microsoft JhengHei"/>
+                <a:ea typeface="Microsoft JhengHei"/>
+                <a:cs typeface="Microsoft JhengHei"/>
+                <a:sym typeface="Microsoft JhengHei"/>
+              </a:rPr>
+              <a:t>		</a:t>
+            </a:r>
+            <a:r>
+              <a:rPr lang="zh-TW" altLang="en-US" sz="1600" dirty="0">
+                <a:latin typeface="Microsoft JhengHei"/>
+                <a:ea typeface="Microsoft JhengHei"/>
+                <a:cs typeface="Microsoft JhengHei"/>
+                <a:sym typeface="Microsoft JhengHei"/>
+              </a:rPr>
+              <a:t>專案管理；公司經營；管理能力；人資領域 </a:t>
+            </a:r>
+            <a:r>
+              <a:rPr lang="en-US" altLang="zh-TW" sz="1600" dirty="0">
+                <a:latin typeface="Microsoft JhengHei"/>
+                <a:ea typeface="Microsoft JhengHei"/>
+                <a:cs typeface="Microsoft JhengHei"/>
+                <a:sym typeface="Microsoft JhengHei"/>
+              </a:rPr>
+              <a:t>know how</a:t>
+            </a:r>
+          </a:p>
+          <a:p>
+            <a:pPr marL="0" lvl="0" indent="0" algn="l" rtl="0">
+              <a:lnSpc>
+                <a:spcPct val="100000"/>
+              </a:lnSpc>
+              <a:spcBef>
+                <a:spcPts val="0"/>
+              </a:spcBef>
+              <a:spcAft>
+                <a:spcPts val="0"/>
+              </a:spcAft>
+              <a:buSzPts val="1000"/>
+              <a:buNone/>
+            </a:pPr>
+            <a:endParaRPr lang="en-US" altLang="zh-TW" sz="1600" dirty="0">
+              <a:latin typeface="Microsoft JhengHei"/>
+              <a:ea typeface="Microsoft JhengHei"/>
+              <a:cs typeface="Microsoft JhengHei"/>
+              <a:sym typeface="Microsoft JhengHei"/>
+            </a:endParaRPr>
+          </a:p>
+          <a:p>
+            <a:r>
+              <a:rPr lang="zh-TW" altLang="en-US" sz="1600" dirty="0">
+                <a:latin typeface="Microsoft JhengHei"/>
+                <a:ea typeface="Microsoft JhengHei"/>
+                <a:cs typeface="Microsoft JhengHei"/>
+                <a:sym typeface="Microsoft JhengHei"/>
+              </a:rPr>
+              <a:t>技術總監</a:t>
+            </a:r>
+            <a:r>
+              <a:rPr lang="en-US" altLang="zh-TW" sz="1600" dirty="0">
+                <a:latin typeface="Microsoft JhengHei"/>
+                <a:ea typeface="Microsoft JhengHei"/>
+                <a:cs typeface="Microsoft JhengHei"/>
+                <a:sym typeface="Microsoft JhengHei"/>
+              </a:rPr>
+              <a:t>		.NET XML-ORM</a:t>
+            </a:r>
+            <a:endParaRPr lang="en-US" sz="1600" dirty="0">
+              <a:latin typeface="Microsoft JhengHei"/>
+              <a:ea typeface="Microsoft JhengHei"/>
+              <a:cs typeface="Microsoft JhengHei"/>
+              <a:sym typeface="Microsoft JhengHei"/>
+            </a:endParaRPr>
+          </a:p>
+          <a:p>
+            <a:pPr marL="0" lvl="0" indent="0" algn="l" rtl="0">
+              <a:lnSpc>
+                <a:spcPct val="100000"/>
+              </a:lnSpc>
+              <a:spcBef>
+                <a:spcPts val="0"/>
+              </a:spcBef>
+              <a:spcAft>
+                <a:spcPts val="0"/>
+              </a:spcAft>
+              <a:buSzPts val="1000"/>
+              <a:buNone/>
+            </a:pPr>
+            <a:endParaRPr lang="en-US" sz="1600" dirty="0">
+              <a:latin typeface="Microsoft JhengHei"/>
+              <a:ea typeface="Microsoft JhengHei"/>
+              <a:cs typeface="Microsoft JhengHei"/>
+              <a:sym typeface="Microsoft JhengHei"/>
+            </a:endParaRPr>
+          </a:p>
+          <a:p>
+            <a:pPr marL="0" lvl="0" indent="0" algn="l" rtl="0">
+              <a:lnSpc>
+                <a:spcPct val="100000"/>
+              </a:lnSpc>
+              <a:spcBef>
+                <a:spcPts val="0"/>
+              </a:spcBef>
+              <a:spcAft>
+                <a:spcPts val="0"/>
+              </a:spcAft>
+              <a:buSzPts val="1000"/>
+              <a:buNone/>
+            </a:pPr>
+            <a:r>
+              <a:rPr lang="zh-TW" altLang="en-US" sz="1600" dirty="0">
+                <a:latin typeface="Microsoft JhengHei"/>
+                <a:ea typeface="Microsoft JhengHei"/>
+                <a:cs typeface="Microsoft JhengHei"/>
+                <a:sym typeface="Microsoft JhengHei"/>
+              </a:rPr>
+              <a:t>工程師</a:t>
+            </a:r>
+            <a:r>
+              <a:rPr lang="en-US" altLang="zh-TW" sz="1600" dirty="0">
+                <a:latin typeface="Microsoft JhengHei"/>
+                <a:ea typeface="Microsoft JhengHei"/>
+                <a:cs typeface="Microsoft JhengHei"/>
+                <a:sym typeface="Microsoft JhengHei"/>
+              </a:rPr>
+              <a:t>		C#, XML, </a:t>
+            </a:r>
+            <a:r>
+              <a:rPr lang="en-US" altLang="zh-TW" sz="1600" dirty="0" err="1">
+                <a:latin typeface="Microsoft JhengHei"/>
+                <a:ea typeface="Microsoft JhengHei"/>
+                <a:cs typeface="Microsoft JhengHei"/>
+                <a:sym typeface="Microsoft JhengHei"/>
+              </a:rPr>
+              <a:t>Tamino</a:t>
+            </a:r>
+            <a:r>
+              <a:rPr lang="en-US" altLang="zh-TW" sz="1600" dirty="0">
+                <a:latin typeface="Microsoft JhengHei"/>
+                <a:ea typeface="Microsoft JhengHei"/>
+                <a:cs typeface="Microsoft JhengHei"/>
+                <a:sym typeface="Microsoft JhengHei"/>
+              </a:rPr>
+              <a:t> (XMLDB)</a:t>
+            </a:r>
+          </a:p>
+          <a:p>
+            <a:pPr marL="0" lvl="0" indent="0" algn="l" rtl="0">
+              <a:lnSpc>
+                <a:spcPct val="100000"/>
+              </a:lnSpc>
+              <a:spcBef>
+                <a:spcPts val="0"/>
+              </a:spcBef>
+              <a:spcAft>
+                <a:spcPts val="0"/>
+              </a:spcAft>
+              <a:buSzPts val="1000"/>
+              <a:buNone/>
+            </a:pPr>
+            <a:endParaRPr lang="en-US" sz="1600" dirty="0">
+              <a:latin typeface="Microsoft JhengHei"/>
+              <a:ea typeface="Microsoft JhengHei"/>
+              <a:cs typeface="Microsoft JhengHei"/>
+              <a:sym typeface="Microsoft JhengHei"/>
+            </a:endParaRPr>
+          </a:p>
+          <a:p>
+            <a:pPr marL="0" lvl="0" indent="0" algn="l" rtl="0">
+              <a:lnSpc>
+                <a:spcPct val="100000"/>
+              </a:lnSpc>
+              <a:spcBef>
+                <a:spcPts val="0"/>
+              </a:spcBef>
+              <a:spcAft>
+                <a:spcPts val="0"/>
+              </a:spcAft>
+              <a:buSzPts val="1000"/>
+              <a:buNone/>
+            </a:pPr>
+            <a:endParaRPr lang="en-US" sz="1600" dirty="0">
+              <a:latin typeface="Microsoft JhengHei"/>
+              <a:ea typeface="Microsoft JhengHei"/>
+              <a:cs typeface="Microsoft JhengHei"/>
+              <a:sym typeface="Microsoft JhengHei"/>
+            </a:endParaRPr>
+          </a:p>
+          <a:p>
+            <a:pPr marL="0" lvl="0" indent="0" algn="l" rtl="0">
+              <a:lnSpc>
+                <a:spcPct val="100000"/>
+              </a:lnSpc>
+              <a:spcBef>
+                <a:spcPts val="0"/>
+              </a:spcBef>
+              <a:spcAft>
+                <a:spcPts val="0"/>
+              </a:spcAft>
+              <a:buSzPts val="1000"/>
+              <a:buNone/>
+            </a:pPr>
+            <a:endParaRPr lang="en-US" sz="1600" dirty="0">
+              <a:latin typeface="Microsoft JhengHei"/>
+              <a:ea typeface="Microsoft JhengHei"/>
+              <a:cs typeface="Microsoft JhengHei"/>
+              <a:sym typeface="Microsoft JhengHei"/>
+            </a:endParaRPr>
+          </a:p>
+          <a:p>
+            <a:pPr marL="0" lvl="0" indent="0" algn="l" rtl="0">
+              <a:lnSpc>
+                <a:spcPct val="100000"/>
+              </a:lnSpc>
+              <a:spcBef>
+                <a:spcPts val="0"/>
+              </a:spcBef>
+              <a:spcAft>
+                <a:spcPts val="0"/>
+              </a:spcAft>
+              <a:buSzPts val="1000"/>
+              <a:buNone/>
+            </a:pPr>
+            <a:r>
+              <a:rPr lang="zh-TW" altLang="en-US" sz="1600" dirty="0">
+                <a:latin typeface="Microsoft JhengHei"/>
+                <a:ea typeface="Microsoft JhengHei"/>
+                <a:cs typeface="Microsoft JhengHei"/>
+                <a:sym typeface="Microsoft JhengHei"/>
+              </a:rPr>
+              <a:t>研究所</a:t>
+            </a:r>
+            <a:r>
+              <a:rPr lang="en-US" altLang="zh-TW" sz="1600" dirty="0">
+                <a:latin typeface="Microsoft JhengHei"/>
+                <a:ea typeface="Microsoft JhengHei"/>
+                <a:cs typeface="Microsoft JhengHei"/>
+                <a:sym typeface="Microsoft JhengHei"/>
+              </a:rPr>
+              <a:t>		</a:t>
+            </a:r>
+            <a:r>
+              <a:rPr lang="zh-TW" altLang="en-US" sz="1600" dirty="0">
+                <a:latin typeface="Microsoft JhengHei"/>
+                <a:ea typeface="Microsoft JhengHei"/>
+                <a:cs typeface="Microsoft JhengHei"/>
+                <a:sym typeface="Microsoft JhengHei"/>
+              </a:rPr>
+              <a:t>資工所；</a:t>
+            </a:r>
+            <a:r>
+              <a:rPr lang="en-US" altLang="zh-TW" sz="1600" dirty="0">
+                <a:latin typeface="Microsoft JhengHei"/>
+                <a:ea typeface="Microsoft JhengHei"/>
+                <a:cs typeface="Microsoft JhengHei"/>
+                <a:sym typeface="Microsoft JhengHei"/>
+              </a:rPr>
+              <a:t>OOP, DBMS, OODB, C++, Java, SQL</a:t>
+            </a:r>
+          </a:p>
+          <a:p>
+            <a:pPr marL="0" lvl="0" indent="0" algn="l" rtl="0">
+              <a:lnSpc>
+                <a:spcPct val="100000"/>
+              </a:lnSpc>
+              <a:spcBef>
+                <a:spcPts val="0"/>
+              </a:spcBef>
+              <a:spcAft>
+                <a:spcPts val="0"/>
+              </a:spcAft>
+              <a:buSzPts val="1000"/>
+              <a:buNone/>
+            </a:pPr>
+            <a:endParaRPr lang="en-US" sz="1600" dirty="0">
+              <a:latin typeface="Microsoft JhengHei"/>
+              <a:ea typeface="Microsoft JhengHei"/>
+              <a:cs typeface="Microsoft JhengHei"/>
+              <a:sym typeface="Microsoft JhengHei"/>
+            </a:endParaRPr>
+          </a:p>
+          <a:p>
+            <a:pPr marL="0" lvl="0" indent="0" algn="l" rtl="0">
+              <a:lnSpc>
+                <a:spcPct val="100000"/>
+              </a:lnSpc>
+              <a:spcBef>
+                <a:spcPts val="0"/>
+              </a:spcBef>
+              <a:spcAft>
+                <a:spcPts val="0"/>
+              </a:spcAft>
+              <a:buSzPts val="1000"/>
+              <a:buNone/>
+            </a:pPr>
+            <a:r>
+              <a:rPr lang="zh-TW" altLang="en-US" sz="1600" dirty="0">
+                <a:latin typeface="Microsoft JhengHei"/>
+                <a:ea typeface="Microsoft JhengHei"/>
+                <a:cs typeface="Microsoft JhengHei"/>
+                <a:sym typeface="Microsoft JhengHei"/>
+              </a:rPr>
+              <a:t>大學</a:t>
+            </a:r>
+            <a:r>
+              <a:rPr lang="en-US" altLang="zh-TW" sz="1600" dirty="0">
+                <a:latin typeface="Microsoft JhengHei"/>
+                <a:ea typeface="Microsoft JhengHei"/>
+                <a:cs typeface="Microsoft JhengHei"/>
+                <a:sym typeface="Microsoft JhengHei"/>
+              </a:rPr>
+              <a:t>		</a:t>
+            </a:r>
+            <a:r>
+              <a:rPr lang="zh-TW" altLang="en-US" sz="1600" dirty="0">
+                <a:latin typeface="Microsoft JhengHei"/>
+                <a:ea typeface="Microsoft JhengHei"/>
+                <a:cs typeface="Microsoft JhengHei"/>
+                <a:sym typeface="Microsoft JhengHei"/>
+              </a:rPr>
+              <a:t>電機系；</a:t>
+            </a:r>
+            <a:r>
+              <a:rPr lang="en-US" altLang="zh-TW" sz="1600" dirty="0">
+                <a:latin typeface="Microsoft JhengHei"/>
+                <a:ea typeface="Microsoft JhengHei"/>
+                <a:cs typeface="Microsoft JhengHei"/>
+                <a:sym typeface="Microsoft JhengHei"/>
+              </a:rPr>
+              <a:t>C, ASM, Micro processor, (</a:t>
+            </a:r>
+            <a:r>
+              <a:rPr lang="zh-TW" altLang="en-US" sz="1600" dirty="0">
+                <a:latin typeface="Microsoft JhengHei"/>
+                <a:ea typeface="Microsoft JhengHei"/>
+                <a:cs typeface="Microsoft JhengHei"/>
+                <a:sym typeface="Microsoft JhengHei"/>
+              </a:rPr>
+              <a:t>作業系統</a:t>
+            </a:r>
+            <a:r>
+              <a:rPr lang="en-US" altLang="zh-TW" sz="1600" dirty="0">
+                <a:latin typeface="Microsoft JhengHei"/>
+                <a:ea typeface="Microsoft JhengHei"/>
+                <a:cs typeface="Microsoft JhengHei"/>
+                <a:sym typeface="Microsoft JhengHei"/>
+              </a:rPr>
+              <a:t>, </a:t>
+            </a:r>
+            <a:r>
+              <a:rPr lang="zh-TW" altLang="en-US" sz="1600" dirty="0">
+                <a:latin typeface="Microsoft JhengHei"/>
+                <a:ea typeface="Microsoft JhengHei"/>
+                <a:cs typeface="Microsoft JhengHei"/>
+                <a:sym typeface="Microsoft JhengHei"/>
+              </a:rPr>
+              <a:t>系統程師</a:t>
+            </a:r>
+            <a:r>
+              <a:rPr lang="en-US" altLang="zh-TW" sz="1600" dirty="0">
+                <a:latin typeface="Microsoft JhengHei"/>
+                <a:ea typeface="Microsoft JhengHei"/>
+                <a:cs typeface="Microsoft JhengHei"/>
+                <a:sym typeface="Microsoft JhengHei"/>
+              </a:rPr>
+              <a:t>, </a:t>
+            </a:r>
+            <a:r>
+              <a:rPr lang="zh-TW" altLang="en-US" sz="1600" dirty="0">
+                <a:latin typeface="Microsoft JhengHei"/>
+                <a:ea typeface="Microsoft JhengHei"/>
+                <a:cs typeface="Microsoft JhengHei"/>
+                <a:sym typeface="Microsoft JhengHei"/>
+              </a:rPr>
+              <a:t>資料結構</a:t>
+            </a:r>
+            <a:r>
+              <a:rPr lang="en-US" altLang="zh-TW" sz="1600" dirty="0">
+                <a:latin typeface="Microsoft JhengHei"/>
+                <a:ea typeface="Microsoft JhengHei"/>
+                <a:cs typeface="Microsoft JhengHei"/>
+                <a:sym typeface="Microsoft JhengHei"/>
+              </a:rPr>
+              <a:t>)</a:t>
+            </a:r>
+            <a:endParaRPr sz="1600" dirty="0">
+              <a:latin typeface="Microsoft JhengHei"/>
+              <a:ea typeface="Microsoft JhengHei"/>
+              <a:cs typeface="Microsoft JhengHei"/>
+              <a:sym typeface="Microsoft JhengHei"/>
+            </a:endParaRPr>
           </a:p>
         </p:txBody>
       </p:sp>
+      <p:sp>
+        <p:nvSpPr>
+          <p:cNvPr id="2" name="文字方塊 1">
+            <a:extLst>
+              <a:ext uri="{FF2B5EF4-FFF2-40B4-BE49-F238E27FC236}">
+                <a16:creationId xmlns:a16="http://schemas.microsoft.com/office/drawing/2014/main" id="{1BC84B3C-4521-495D-B053-605816663F5E}"/>
+              </a:ext>
+            </a:extLst>
+          </p:cNvPr>
+          <p:cNvSpPr txBox="1"/>
+          <p:nvPr/>
+        </p:nvSpPr>
+        <p:spPr>
+          <a:xfrm>
+            <a:off x="5706841" y="4835723"/>
+            <a:ext cx="3437159" cy="307777"/>
+          </a:xfrm>
+          <a:prstGeom prst="rect">
+            <a:avLst/>
+          </a:prstGeom>
+          <a:noFill/>
+        </p:spPr>
+        <p:txBody>
+          <a:bodyPr wrap="none" rtlCol="0">
+            <a:spAutoFit/>
+          </a:bodyPr>
+          <a:lstStyle/>
+          <a:p>
+            <a:r>
+              <a:rPr lang="en-US" dirty="0">
+                <a:solidFill>
+                  <a:schemeClr val="tx2">
+                    <a:lumMod val="50000"/>
+                  </a:schemeClr>
+                </a:solidFill>
+                <a:latin typeface="Arial" panose="020B0604020202020204" pitchFamily="34" charset="0"/>
+                <a:cs typeface="Arial" panose="020B0604020202020204" pitchFamily="34" charset="0"/>
+                <a:hlinkClick r:id="rId3">
+                  <a:extLst>
+                    <a:ext uri="{A12FA001-AC4F-418D-AE19-62706E023703}">
+                      <ahyp:hlinkClr xmlns:ahyp="http://schemas.microsoft.com/office/drawing/2018/hyperlinkcolor" val="tx"/>
+                    </a:ext>
+                  </a:extLst>
+                </a:hlinkClick>
+              </a:rPr>
+              <a:t>https://columns.chicken-house.net/about/</a:t>
+            </a:r>
+            <a:endParaRPr lang="en-US" dirty="0">
+              <a:solidFill>
+                <a:schemeClr val="tx2">
+                  <a:lumMod val="50000"/>
+                </a:schemeClr>
+              </a:solidFill>
+              <a:latin typeface="Arial" panose="020B0604020202020204" pitchFamily="34" charset="0"/>
+              <a:cs typeface="Arial" panose="020B0604020202020204" pitchFamily="34" charset="0"/>
+            </a:endParaRPr>
+          </a:p>
+        </p:txBody>
+      </p:sp>
+      <p:cxnSp>
+        <p:nvCxnSpPr>
+          <p:cNvPr id="4" name="直線接點 3">
+            <a:extLst>
+              <a:ext uri="{FF2B5EF4-FFF2-40B4-BE49-F238E27FC236}">
+                <a16:creationId xmlns:a16="http://schemas.microsoft.com/office/drawing/2014/main" id="{6ABD0378-C9A7-4142-8CBF-B21CCC355DDD}"/>
+              </a:ext>
+            </a:extLst>
+          </p:cNvPr>
+          <p:cNvCxnSpPr/>
+          <p:nvPr/>
+        </p:nvCxnSpPr>
+        <p:spPr>
+          <a:xfrm>
+            <a:off x="120125" y="3846576"/>
+            <a:ext cx="8877571" cy="0"/>
+          </a:xfrm>
+          <a:prstGeom prst="line">
+            <a:avLst/>
+          </a:prstGeom>
+          <a:ln>
+            <a:solidFill>
+              <a:schemeClr val="accent6">
+                <a:lumMod val="75000"/>
+              </a:schemeClr>
+            </a:solidFill>
+            <a:prstDash val="dash"/>
+          </a:ln>
+        </p:spPr>
+        <p:style>
+          <a:lnRef idx="1">
+            <a:schemeClr val="accent1"/>
+          </a:lnRef>
+          <a:fillRef idx="0">
+            <a:schemeClr val="accent1"/>
+          </a:fillRef>
+          <a:effectRef idx="0">
+            <a:schemeClr val="accent1"/>
+          </a:effectRef>
+          <a:fontRef idx="minor">
+            <a:schemeClr val="tx1"/>
+          </a:fontRef>
+        </p:style>
+      </p:cxnSp>
     </p:spTree>
     <p:extLst>
       <p:ext uri="{BB962C8B-B14F-4D97-AF65-F5344CB8AC3E}">
-        <p14:creationId xmlns:p14="http://schemas.microsoft.com/office/powerpoint/2010/main" val="1604522565"/>
+        <p14:creationId xmlns:p14="http://schemas.microsoft.com/office/powerpoint/2010/main" val="1025160933"/>
       </p:ext>
     </p:extLst>
   </p:cSld>
@@ -6884,7 +7824,7 @@
           <p:cNvPr id="2" name="標題 1">
             <a:extLst>
               <a:ext uri="{FF2B5EF4-FFF2-40B4-BE49-F238E27FC236}">
-                <a16:creationId xmlns:a16="http://schemas.microsoft.com/office/drawing/2014/main" id="{CB27906B-CA0E-470C-99E6-0C9E4C9781FD}"/>
+                <a16:creationId xmlns:a16="http://schemas.microsoft.com/office/drawing/2014/main" id="{42BCF2DD-3065-469C-B2F0-61A4C23FA215}"/>
               </a:ext>
             </a:extLst>
           </p:cNvPr>
@@ -6902,35 +7842,11 @@
           <a:p>
             <a:r>
               <a:rPr lang="zh-TW" altLang="en-US" dirty="0"/>
-              <a:t>如果 </a:t>
+              <a:t>市場上的後端工程師需要具備什麼能力</a:t>
             </a:r>
             <a:r>
               <a:rPr lang="en-US" altLang="zh-TW" dirty="0"/>
-              <a:t>Server Side </a:t>
-            </a:r>
-            <a:r>
-              <a:rPr lang="zh-TW" altLang="en-US" dirty="0"/>
-              <a:t>碰到 </a:t>
-            </a:r>
-            <a:r>
-              <a:rPr lang="en-US" altLang="zh-TW" dirty="0"/>
-              <a:t>“</a:t>
-            </a:r>
-            <a:r>
-              <a:rPr lang="zh-TW" altLang="en-US" dirty="0"/>
-              <a:t>量</a:t>
-            </a:r>
-            <a:r>
-              <a:rPr lang="en-US" altLang="zh-TW" dirty="0"/>
-              <a:t>” </a:t>
-            </a:r>
-            <a:r>
-              <a:rPr lang="zh-TW" altLang="en-US" dirty="0"/>
-              <a:t>的問題</a:t>
-            </a:r>
-            <a:r>
-              <a:rPr lang="en-US" altLang="zh-TW" dirty="0"/>
-              <a:t>…</a:t>
+              <a:t>?</a:t>
             </a:r>
             <a:endParaRPr lang="en-US" dirty="0"/>
           </a:p>
@@ -6941,7 +7857,7 @@
           <p:cNvPr id="3" name="副標題 2">
             <a:extLst>
               <a:ext uri="{FF2B5EF4-FFF2-40B4-BE49-F238E27FC236}">
-                <a16:creationId xmlns:a16="http://schemas.microsoft.com/office/drawing/2014/main" id="{F1F574F5-FC7B-4314-956D-4B6462C4FBA0}"/>
+                <a16:creationId xmlns:a16="http://schemas.microsoft.com/office/drawing/2014/main" id="{C5529FCD-E708-40FC-85D1-6A39FF8EC78C}"/>
               </a:ext>
             </a:extLst>
           </p:cNvPr>
@@ -6961,10 +7877,40 @@
           </a:p>
         </p:txBody>
       </p:sp>
+      <p:pic>
+        <p:nvPicPr>
+          <p:cNvPr id="4" name="圖片 3">
+            <a:extLst>
+              <a:ext uri="{FF2B5EF4-FFF2-40B4-BE49-F238E27FC236}">
+                <a16:creationId xmlns:a16="http://schemas.microsoft.com/office/drawing/2014/main" id="{54C418A1-A1B3-4F2E-870B-186221029381}"/>
+              </a:ext>
+            </a:extLst>
+          </p:cNvPr>
+          <p:cNvPicPr>
+            <a:picLocks noChangeAspect="1"/>
+          </p:cNvPicPr>
+          <p:nvPr/>
+        </p:nvPicPr>
+        <p:blipFill>
+          <a:blip r:embed="rId2"/>
+          <a:stretch>
+            <a:fillRect/>
+          </a:stretch>
+        </p:blipFill>
+        <p:spPr>
+          <a:xfrm>
+            <a:off x="617122" y="802388"/>
+            <a:ext cx="7909756" cy="3880100"/>
+          </a:xfrm>
+          <a:prstGeom prst="rect">
+            <a:avLst/>
+          </a:prstGeom>
+        </p:spPr>
+      </p:pic>
     </p:spTree>
     <p:extLst>
       <p:ext uri="{BB962C8B-B14F-4D97-AF65-F5344CB8AC3E}">
-        <p14:creationId xmlns:p14="http://schemas.microsoft.com/office/powerpoint/2010/main" val="3007213240"/>
+        <p14:creationId xmlns:p14="http://schemas.microsoft.com/office/powerpoint/2010/main" val="2525015504"/>
       </p:ext>
     </p:extLst>
   </p:cSld>
@@ -6996,7 +7942,7 @@
           <p:cNvPr id="2" name="標題 1">
             <a:extLst>
               <a:ext uri="{FF2B5EF4-FFF2-40B4-BE49-F238E27FC236}">
-                <a16:creationId xmlns:a16="http://schemas.microsoft.com/office/drawing/2014/main" id="{8EB089E9-CBD6-4BAC-BB30-3645427D4B7A}"/>
+                <a16:creationId xmlns:a16="http://schemas.microsoft.com/office/drawing/2014/main" id="{33F8B751-303D-4064-9542-C38600ED7F06}"/>
               </a:ext>
             </a:extLst>
           </p:cNvPr>
@@ -7013,28 +7959,16 @@
           <a:lstStyle/>
           <a:p>
             <a:r>
+              <a:rPr lang="en-US" altLang="zh-TW" dirty="0"/>
+              <a:t>Think:</a:t>
+            </a:r>
+            <a:r>
               <a:rPr lang="zh-TW" altLang="en-US" dirty="0"/>
-              <a:t>如果碰到 </a:t>
+              <a:t> 我該開始學習每一項技術嗎</a:t>
             </a:r>
             <a:r>
               <a:rPr lang="en-US" altLang="zh-TW" dirty="0"/>
-              <a:t>“</a:t>
-            </a:r>
-            <a:r>
-              <a:rPr lang="zh-TW" altLang="en-US" dirty="0"/>
-              <a:t>規模</a:t>
-            </a:r>
-            <a:r>
-              <a:rPr lang="en-US" altLang="zh-TW" dirty="0"/>
-              <a:t>” </a:t>
-            </a:r>
-            <a:r>
-              <a:rPr lang="zh-TW" altLang="en-US" dirty="0"/>
-              <a:t>的問題</a:t>
-            </a:r>
-            <a:r>
-              <a:rPr lang="en-US" altLang="zh-TW" dirty="0"/>
-              <a:t>…</a:t>
+              <a:t>?</a:t>
             </a:r>
             <a:endParaRPr lang="en-US" dirty="0"/>
           </a:p>
@@ -7045,7 +7979,7 @@
           <p:cNvPr id="3" name="副標題 2">
             <a:extLst>
               <a:ext uri="{FF2B5EF4-FFF2-40B4-BE49-F238E27FC236}">
-                <a16:creationId xmlns:a16="http://schemas.microsoft.com/office/drawing/2014/main" id="{FF948B25-139F-4260-9BDB-7944F4EDB30E}"/>
+                <a16:creationId xmlns:a16="http://schemas.microsoft.com/office/drawing/2014/main" id="{CFF4820E-1F9B-4FD7-9083-B99C72BE91A6}"/>
               </a:ext>
             </a:extLst>
           </p:cNvPr>
@@ -7056,19 +7990,420 @@
             <p:ph type="subTitle" idx="1"/>
           </p:nvPr>
         </p:nvSpPr>
-        <p:spPr/>
+        <p:spPr>
+          <a:xfrm>
+            <a:off x="120130" y="631700"/>
+            <a:ext cx="8864400" cy="2125568"/>
+          </a:xfrm>
+        </p:spPr>
         <p:txBody>
           <a:bodyPr/>
           <a:lstStyle/>
           <a:p>
-            <a:endParaRPr lang="en-US"/>
+            <a:endParaRPr lang="en-US" dirty="0"/>
+          </a:p>
+          <a:p>
+            <a:pPr marL="342900" indent="-342900">
+              <a:buFont typeface="Courier New" panose="02070309020205020404" pitchFamily="49" charset="0"/>
+              <a:buChar char="o"/>
+            </a:pPr>
+            <a:r>
+              <a:rPr lang="zh-TW" altLang="en-US" dirty="0"/>
+              <a:t>我需要現在就會每一項技術嗎</a:t>
+            </a:r>
+            <a:r>
+              <a:rPr lang="en-US" altLang="zh-TW" dirty="0"/>
+              <a:t>?</a:t>
+            </a:r>
+            <a:r>
+              <a:rPr lang="zh-TW" altLang="en-US" dirty="0"/>
+              <a:t> 我有可能每一項都學會嗎</a:t>
+            </a:r>
+            <a:r>
+              <a:rPr lang="en-US" altLang="zh-TW" dirty="0"/>
+              <a:t>?</a:t>
+            </a:r>
+            <a:br>
+              <a:rPr lang="en-US" altLang="zh-TW" dirty="0"/>
+            </a:br>
+            <a:endParaRPr lang="en-US" altLang="zh-TW" dirty="0"/>
+          </a:p>
+          <a:p>
+            <a:pPr marL="342900" indent="-342900">
+              <a:buFont typeface="Courier New" panose="02070309020205020404" pitchFamily="49" charset="0"/>
+              <a:buChar char="o"/>
+            </a:pPr>
+            <a:r>
+              <a:rPr lang="zh-TW" altLang="en-US" dirty="0"/>
+              <a:t>如果不會的話，我多快能學起來</a:t>
+            </a:r>
+            <a:r>
+              <a:rPr lang="en-US" altLang="zh-TW" dirty="0"/>
+              <a:t>?</a:t>
+            </a:r>
+            <a:br>
+              <a:rPr lang="en-US" altLang="zh-TW" dirty="0"/>
+            </a:br>
+            <a:endParaRPr lang="en-US" altLang="zh-TW" dirty="0"/>
+          </a:p>
+          <a:p>
+            <a:pPr marL="342900" indent="-342900">
+              <a:buFont typeface="Courier New" panose="02070309020205020404" pitchFamily="49" charset="0"/>
+              <a:buChar char="o"/>
+            </a:pPr>
+            <a:r>
+              <a:rPr lang="zh-TW" altLang="en-US" dirty="0"/>
+              <a:t>比起學會這些技術，更重要的是什麼</a:t>
+            </a:r>
+            <a:r>
+              <a:rPr lang="en-US" altLang="zh-TW" dirty="0"/>
+              <a:t>?</a:t>
+            </a:r>
+            <a:r>
+              <a:rPr lang="zh-TW" altLang="en-US" dirty="0"/>
+              <a:t>   </a:t>
+            </a:r>
+            <a:r>
+              <a:rPr lang="en-US" altLang="zh-TW" dirty="0"/>
+              <a:t>(</a:t>
+            </a:r>
+            <a:r>
+              <a:rPr lang="zh-TW" altLang="en-US" dirty="0"/>
+              <a:t> 我應該怎麼運用這些技術 </a:t>
+            </a:r>
+            <a:r>
+              <a:rPr lang="en-US" altLang="zh-TW" dirty="0"/>
+              <a:t>)</a:t>
+            </a:r>
+            <a:br>
+              <a:rPr lang="en-US" altLang="zh-TW" dirty="0"/>
+            </a:br>
+            <a:endParaRPr lang="en-US" altLang="zh-TW" dirty="0"/>
+          </a:p>
+          <a:p>
+            <a:pPr marL="342900" indent="-342900">
+              <a:buFont typeface="Courier New" panose="02070309020205020404" pitchFamily="49" charset="0"/>
+              <a:buChar char="o"/>
+            </a:pPr>
+            <a:r>
+              <a:rPr lang="zh-TW" altLang="en-US" dirty="0"/>
+              <a:t>怎樣才能算是 </a:t>
+            </a:r>
+            <a:r>
+              <a:rPr lang="en-US" altLang="zh-TW" dirty="0"/>
+              <a:t>“</a:t>
+            </a:r>
+            <a:r>
+              <a:rPr lang="zh-TW" altLang="en-US" dirty="0"/>
+              <a:t>熟悉</a:t>
+            </a:r>
+            <a:r>
+              <a:rPr lang="en-US" altLang="zh-TW" dirty="0"/>
+              <a:t>”</a:t>
+            </a:r>
+            <a:r>
+              <a:rPr lang="zh-TW" altLang="en-US" dirty="0"/>
+              <a:t>這項技術</a:t>
+            </a:r>
+            <a:r>
+              <a:rPr lang="en-US" altLang="zh-TW" dirty="0"/>
+              <a:t>?</a:t>
+            </a:r>
+            <a:r>
+              <a:rPr lang="zh-TW" altLang="en-US" dirty="0"/>
+              <a:t>  怎樣才能算是 </a:t>
+            </a:r>
+            <a:r>
+              <a:rPr lang="en-US" altLang="zh-TW" dirty="0"/>
+              <a:t>“</a:t>
+            </a:r>
+            <a:r>
+              <a:rPr lang="zh-TW" altLang="en-US" dirty="0"/>
+              <a:t>精通</a:t>
+            </a:r>
+            <a:r>
+              <a:rPr lang="en-US" altLang="zh-TW" dirty="0"/>
+              <a:t>”?</a:t>
+            </a:r>
+          </a:p>
+          <a:p>
+            <a:br>
+              <a:rPr lang="en-US" altLang="zh-TW" dirty="0"/>
+            </a:br>
+            <a:endParaRPr lang="en-US" altLang="zh-TW" dirty="0"/>
+          </a:p>
+        </p:txBody>
+      </p:sp>
+      <p:sp>
+        <p:nvSpPr>
+          <p:cNvPr id="4" name="文字方塊 3">
+            <a:extLst>
+              <a:ext uri="{FF2B5EF4-FFF2-40B4-BE49-F238E27FC236}">
+                <a16:creationId xmlns:a16="http://schemas.microsoft.com/office/drawing/2014/main" id="{4F2B134A-DC64-4994-9535-C08FAF65F3D8}"/>
+              </a:ext>
+            </a:extLst>
+          </p:cNvPr>
+          <p:cNvSpPr txBox="1"/>
+          <p:nvPr/>
+        </p:nvSpPr>
+        <p:spPr>
+          <a:xfrm>
+            <a:off x="808891" y="2883877"/>
+            <a:ext cx="2848857" cy="1569660"/>
+          </a:xfrm>
+          <a:prstGeom prst="rect">
+            <a:avLst/>
+          </a:prstGeom>
+          <a:noFill/>
+        </p:spPr>
+        <p:txBody>
+          <a:bodyPr wrap="none" rtlCol="0">
+            <a:spAutoFit/>
+          </a:bodyPr>
+          <a:lstStyle/>
+          <a:p>
+            <a:r>
+              <a:rPr lang="en-US" altLang="zh-TW" sz="1200" i="0" u="none" strike="noStrike" dirty="0">
+                <a:solidFill>
+                  <a:srgbClr val="000000"/>
+                </a:solidFill>
+                <a:effectLst/>
+                <a:latin typeface="微軟正黑體" panose="020B0604030504040204" pitchFamily="34" charset="-120"/>
+                <a:ea typeface="微軟正黑體" panose="020B0604030504040204" pitchFamily="34" charset="-120"/>
+              </a:rPr>
+              <a:t>HR</a:t>
+            </a:r>
+            <a:r>
+              <a:rPr lang="zh-TW" altLang="en-US" sz="1200" i="0" u="none" strike="noStrike" dirty="0">
+                <a:solidFill>
+                  <a:srgbClr val="000000"/>
+                </a:solidFill>
+                <a:effectLst/>
+                <a:latin typeface="微軟正黑體" panose="020B0604030504040204" pitchFamily="34" charset="-120"/>
+                <a:ea typeface="微軟正黑體" panose="020B0604030504040204" pitchFamily="34" charset="-120"/>
+              </a:rPr>
+              <a:t>觀點 </a:t>
+            </a:r>
+            <a:r>
+              <a:rPr lang="en-US" altLang="zh-TW" sz="1200" i="0" u="none" strike="noStrike" dirty="0">
+                <a:solidFill>
+                  <a:srgbClr val="000000"/>
+                </a:solidFill>
+                <a:effectLst/>
+                <a:latin typeface="微軟正黑體" panose="020B0604030504040204" pitchFamily="34" charset="-120"/>
+                <a:ea typeface="微軟正黑體" panose="020B0604030504040204" pitchFamily="34" charset="-120"/>
+              </a:rPr>
+              <a:t>(</a:t>
+            </a:r>
+            <a:r>
+              <a:rPr lang="zh-TW" altLang="en-US" sz="1200" i="0" u="none" strike="noStrike" dirty="0">
+                <a:solidFill>
+                  <a:srgbClr val="000000"/>
+                </a:solidFill>
+                <a:effectLst/>
+                <a:latin typeface="微軟正黑體" panose="020B0604030504040204" pitchFamily="34" charset="-120"/>
+                <a:ea typeface="微軟正黑體" panose="020B0604030504040204" pitchFamily="34" charset="-120"/>
+              </a:rPr>
+              <a:t>專業職能評量</a:t>
+            </a:r>
+            <a:r>
+              <a:rPr lang="en-US" altLang="zh-TW" sz="1200" i="0" u="none" strike="noStrike" dirty="0">
+                <a:solidFill>
+                  <a:srgbClr val="000000"/>
+                </a:solidFill>
+                <a:effectLst/>
+                <a:latin typeface="微軟正黑體" panose="020B0604030504040204" pitchFamily="34" charset="-120"/>
+                <a:ea typeface="微軟正黑體" panose="020B0604030504040204" pitchFamily="34" charset="-120"/>
+              </a:rPr>
+              <a:t>):</a:t>
+            </a:r>
+            <a:endParaRPr lang="en-US" altLang="zh-TW" sz="1200" dirty="0">
+              <a:latin typeface="微軟正黑體" panose="020B0604030504040204" pitchFamily="34" charset="-120"/>
+              <a:ea typeface="微軟正黑體" panose="020B0604030504040204" pitchFamily="34" charset="-120"/>
+            </a:endParaRPr>
+          </a:p>
+          <a:p>
+            <a:endParaRPr lang="en-US" altLang="zh-TW" sz="1200" i="0" u="none" strike="noStrike" dirty="0">
+              <a:solidFill>
+                <a:srgbClr val="000000"/>
+              </a:solidFill>
+              <a:effectLst/>
+              <a:latin typeface="微軟正黑體" panose="020B0604030504040204" pitchFamily="34" charset="-120"/>
+              <a:ea typeface="微軟正黑體" panose="020B0604030504040204" pitchFamily="34" charset="-120"/>
+            </a:endParaRPr>
+          </a:p>
+          <a:p>
+            <a:r>
+              <a:rPr lang="en-US" altLang="zh-TW" sz="1200" i="0" u="none" strike="noStrike" dirty="0">
+                <a:solidFill>
+                  <a:srgbClr val="000000"/>
+                </a:solidFill>
+                <a:effectLst/>
+                <a:latin typeface="微軟正黑體" panose="020B0604030504040204" pitchFamily="34" charset="-120"/>
+                <a:ea typeface="微軟正黑體" panose="020B0604030504040204" pitchFamily="34" charset="-120"/>
+              </a:rPr>
+              <a:t>0. </a:t>
+            </a:r>
+            <a:r>
+              <a:rPr lang="zh-TW" altLang="en-US" sz="1200" i="0" u="none" strike="noStrike" dirty="0">
+                <a:solidFill>
+                  <a:srgbClr val="000000"/>
+                </a:solidFill>
+                <a:effectLst/>
+                <a:latin typeface="微軟正黑體" panose="020B0604030504040204" pitchFamily="34" charset="-120"/>
+                <a:ea typeface="微軟正黑體" panose="020B0604030504040204" pitchFamily="34" charset="-120"/>
+              </a:rPr>
+              <a:t> 不具備該項能力</a:t>
+            </a:r>
+            <a:br>
+              <a:rPr lang="zh-TW" altLang="en-US" sz="1200" i="0" u="none" strike="noStrike" dirty="0">
+                <a:solidFill>
+                  <a:srgbClr val="000000"/>
+                </a:solidFill>
+                <a:effectLst/>
+                <a:latin typeface="微軟正黑體" panose="020B0604030504040204" pitchFamily="34" charset="-120"/>
+                <a:ea typeface="微軟正黑體" panose="020B0604030504040204" pitchFamily="34" charset="-120"/>
+              </a:rPr>
+            </a:br>
+            <a:r>
+              <a:rPr lang="en-US" altLang="zh-TW" sz="1200" i="0" u="none" strike="noStrike" dirty="0">
+                <a:solidFill>
+                  <a:srgbClr val="000000"/>
+                </a:solidFill>
+                <a:effectLst/>
+                <a:latin typeface="微軟正黑體" panose="020B0604030504040204" pitchFamily="34" charset="-120"/>
+                <a:ea typeface="微軟正黑體" panose="020B0604030504040204" pitchFamily="34" charset="-120"/>
+              </a:rPr>
+              <a:t>1. </a:t>
+            </a:r>
+            <a:r>
+              <a:rPr lang="zh-TW" altLang="en-US" sz="1200" i="0" u="none" strike="noStrike" dirty="0">
+                <a:solidFill>
+                  <a:srgbClr val="000000"/>
+                </a:solidFill>
+                <a:effectLst/>
+                <a:latin typeface="微軟正黑體" panose="020B0604030504040204" pitchFamily="34" charset="-120"/>
+                <a:ea typeface="微軟正黑體" panose="020B0604030504040204" pitchFamily="34" charset="-120"/>
+              </a:rPr>
+              <a:t> 我知道該領域的知識</a:t>
+            </a:r>
+            <a:br>
+              <a:rPr lang="zh-TW" altLang="en-US" sz="1200" i="0" u="none" strike="noStrike" dirty="0">
+                <a:solidFill>
+                  <a:srgbClr val="000000"/>
+                </a:solidFill>
+                <a:effectLst/>
+                <a:latin typeface="微軟正黑體" panose="020B0604030504040204" pitchFamily="34" charset="-120"/>
+                <a:ea typeface="微軟正黑體" panose="020B0604030504040204" pitchFamily="34" charset="-120"/>
+              </a:rPr>
+            </a:br>
+            <a:r>
+              <a:rPr lang="en-US" altLang="zh-TW" sz="1200" i="0" u="none" strike="noStrike" dirty="0">
+                <a:solidFill>
+                  <a:srgbClr val="000000"/>
+                </a:solidFill>
+                <a:effectLst/>
+                <a:latin typeface="微軟正黑體" panose="020B0604030504040204" pitchFamily="34" charset="-120"/>
+                <a:ea typeface="微軟正黑體" panose="020B0604030504040204" pitchFamily="34" charset="-120"/>
+              </a:rPr>
+              <a:t>2. </a:t>
+            </a:r>
+            <a:r>
+              <a:rPr lang="zh-TW" altLang="en-US" sz="1200" i="0" u="none" strike="noStrike" dirty="0">
+                <a:solidFill>
+                  <a:srgbClr val="000000"/>
+                </a:solidFill>
+                <a:effectLst/>
+                <a:latin typeface="微軟正黑體" panose="020B0604030504040204" pitchFamily="34" charset="-120"/>
+                <a:ea typeface="微軟正黑體" panose="020B0604030504040204" pitchFamily="34" charset="-120"/>
+              </a:rPr>
+              <a:t> 我知道該領域的知識並可以獨立操作</a:t>
+            </a:r>
+            <a:br>
+              <a:rPr lang="zh-TW" altLang="en-US" sz="1200" i="0" u="none" strike="noStrike" dirty="0">
+                <a:solidFill>
+                  <a:srgbClr val="000000"/>
+                </a:solidFill>
+                <a:effectLst/>
+                <a:latin typeface="微軟正黑體" panose="020B0604030504040204" pitchFamily="34" charset="-120"/>
+                <a:ea typeface="微軟正黑體" panose="020B0604030504040204" pitchFamily="34" charset="-120"/>
+              </a:rPr>
+            </a:br>
+            <a:r>
+              <a:rPr lang="en-US" altLang="zh-TW" sz="1200" i="0" u="none" strike="noStrike" dirty="0">
+                <a:solidFill>
+                  <a:srgbClr val="000000"/>
+                </a:solidFill>
+                <a:effectLst/>
+                <a:latin typeface="微軟正黑體" panose="020B0604030504040204" pitchFamily="34" charset="-120"/>
+                <a:ea typeface="微軟正黑體" panose="020B0604030504040204" pitchFamily="34" charset="-120"/>
+              </a:rPr>
+              <a:t>3. </a:t>
+            </a:r>
+            <a:r>
+              <a:rPr lang="zh-TW" altLang="en-US" sz="1200" i="0" u="none" strike="noStrike" dirty="0">
+                <a:solidFill>
+                  <a:srgbClr val="000000"/>
+                </a:solidFill>
+                <a:effectLst/>
+                <a:latin typeface="微軟正黑體" panose="020B0604030504040204" pitchFamily="34" charset="-120"/>
+                <a:ea typeface="微軟正黑體" panose="020B0604030504040204" pitchFamily="34" charset="-120"/>
+              </a:rPr>
+              <a:t> 我可以擔任講師並教授他人</a:t>
+            </a:r>
+            <a:br>
+              <a:rPr lang="en-US" altLang="zh-TW" sz="1200" i="0" u="none" strike="noStrike" dirty="0">
+                <a:solidFill>
+                  <a:srgbClr val="000000"/>
+                </a:solidFill>
+                <a:effectLst/>
+                <a:latin typeface="微軟正黑體" panose="020B0604030504040204" pitchFamily="34" charset="-120"/>
+                <a:ea typeface="微軟正黑體" panose="020B0604030504040204" pitchFamily="34" charset="-120"/>
+              </a:rPr>
+            </a:br>
+            <a:br>
+              <a:rPr lang="zh-TW" altLang="en-US" sz="1200" i="0" u="none" strike="noStrike" dirty="0">
+                <a:solidFill>
+                  <a:srgbClr val="000000"/>
+                </a:solidFill>
+                <a:effectLst/>
+                <a:latin typeface="微軟正黑體" panose="020B0604030504040204" pitchFamily="34" charset="-120"/>
+                <a:ea typeface="微軟正黑體" panose="020B0604030504040204" pitchFamily="34" charset="-120"/>
+              </a:rPr>
+            </a:br>
+            <a:r>
+              <a:rPr lang="en-US" altLang="zh-TW" sz="1200" b="1" i="0" u="none" strike="noStrike" dirty="0">
+                <a:solidFill>
+                  <a:srgbClr val="000000"/>
+                </a:solidFill>
+                <a:effectLst/>
+                <a:latin typeface="微軟正黑體" panose="020B0604030504040204" pitchFamily="34" charset="-120"/>
+                <a:ea typeface="微軟正黑體" panose="020B0604030504040204" pitchFamily="34" charset="-120"/>
+              </a:rPr>
+              <a:t>4. </a:t>
+            </a:r>
+            <a:r>
+              <a:rPr lang="zh-TW" altLang="en-US" sz="1200" b="1" i="0" u="none" strike="noStrike" dirty="0">
+                <a:solidFill>
+                  <a:srgbClr val="000000"/>
+                </a:solidFill>
+                <a:effectLst/>
+                <a:latin typeface="微軟正黑體" panose="020B0604030504040204" pitchFamily="34" charset="-120"/>
+                <a:ea typeface="微軟正黑體" panose="020B0604030504040204" pitchFamily="34" charset="-120"/>
+              </a:rPr>
+              <a:t> 我可以獨立解決和改善問題</a:t>
+            </a:r>
+            <a:endParaRPr lang="en-US" sz="1200" b="1" dirty="0">
+              <a:latin typeface="微軟正黑體" panose="020B0604030504040204" pitchFamily="34" charset="-120"/>
+              <a:ea typeface="微軟正黑體" panose="020B0604030504040204" pitchFamily="34" charset="-120"/>
+            </a:endParaRPr>
           </a:p>
         </p:txBody>
       </p:sp>
     </p:spTree>
     <p:extLst>
       <p:ext uri="{BB962C8B-B14F-4D97-AF65-F5344CB8AC3E}">
-        <p14:creationId xmlns:p14="http://schemas.microsoft.com/office/powerpoint/2010/main" val="2384821832"/>
+        <p14:creationId xmlns:p14="http://schemas.microsoft.com/office/powerpoint/2010/main" val="3412639963"/>
       </p:ext>
     </p:extLst>
   </p:cSld>
@@ -7100,7 +8435,7 @@
           <p:cNvPr id="2" name="標題 1">
             <a:extLst>
               <a:ext uri="{FF2B5EF4-FFF2-40B4-BE49-F238E27FC236}">
-                <a16:creationId xmlns:a16="http://schemas.microsoft.com/office/drawing/2014/main" id="{E5BEBE4C-B6C9-4E49-B5D7-1B4293EA32EA}"/>
+                <a16:creationId xmlns:a16="http://schemas.microsoft.com/office/drawing/2014/main" id="{E5AF2422-6E94-465F-A8DC-E23F336C2F09}"/>
               </a:ext>
             </a:extLst>
           </p:cNvPr>
@@ -7117,16 +8452,32 @@
           <a:lstStyle/>
           <a:p>
             <a:r>
+              <a:rPr lang="en-US" altLang="zh-TW" dirty="0"/>
+              <a:t>Think: </a:t>
+            </a:r>
+            <a:r>
               <a:rPr lang="zh-TW" altLang="en-US" dirty="0"/>
-              <a:t>架構優化 </a:t>
+              <a:t>怎樣才算是 </a:t>
             </a:r>
             <a:r>
               <a:rPr lang="en-US" altLang="zh-TW" dirty="0"/>
-              <a:t>vs </a:t>
+              <a:t>“</a:t>
             </a:r>
             <a:r>
               <a:rPr lang="zh-TW" altLang="en-US" dirty="0"/>
-              <a:t>局部優化的差別</a:t>
+              <a:t>解決 </a:t>
+            </a:r>
+            <a:r>
+              <a:rPr lang="en-US" altLang="zh-TW" dirty="0"/>
+              <a:t>&amp; </a:t>
+            </a:r>
+            <a:r>
+              <a:rPr lang="zh-TW" altLang="en-US" dirty="0"/>
+              <a:t>改善問題</a:t>
+            </a:r>
+            <a:r>
+              <a:rPr lang="en-US" altLang="zh-TW" dirty="0"/>
+              <a:t>”?</a:t>
             </a:r>
             <a:endParaRPr lang="en-US" dirty="0"/>
           </a:p>
@@ -7137,7 +8488,325 @@
           <p:cNvPr id="3" name="副標題 2">
             <a:extLst>
               <a:ext uri="{FF2B5EF4-FFF2-40B4-BE49-F238E27FC236}">
-                <a16:creationId xmlns:a16="http://schemas.microsoft.com/office/drawing/2014/main" id="{E3C3541A-F32C-440A-9C54-2AE730B38ED8}"/>
+                <a16:creationId xmlns:a16="http://schemas.microsoft.com/office/drawing/2014/main" id="{B187BFF0-7DE5-4CD7-B473-A51504F586BD}"/>
+              </a:ext>
+            </a:extLst>
+          </p:cNvPr>
+          <p:cNvSpPr>
+            <a:spLocks noGrp="1"/>
+          </p:cNvSpPr>
+          <p:nvPr>
+            <p:ph type="subTitle" idx="1"/>
+          </p:nvPr>
+        </p:nvSpPr>
+        <p:spPr/>
+        <p:txBody>
+          <a:bodyPr/>
+          <a:lstStyle/>
+          <a:p>
+            <a:endParaRPr lang="en-US" dirty="0"/>
+          </a:p>
+          <a:p>
+            <a:r>
+              <a:rPr lang="zh-TW" altLang="en-US" dirty="0"/>
+              <a:t>舉例</a:t>
+            </a:r>
+            <a:r>
+              <a:rPr lang="en-US" altLang="zh-TW" dirty="0"/>
+              <a:t>:</a:t>
+            </a:r>
+            <a:r>
+              <a:rPr lang="zh-TW" altLang="en-US" dirty="0"/>
+              <a:t>  </a:t>
+            </a:r>
+            <a:r>
+              <a:rPr lang="en-US" altLang="zh-TW" dirty="0"/>
+              <a:t>Rabbit MQ</a:t>
+            </a:r>
+          </a:p>
+          <a:p>
+            <a:endParaRPr lang="en-US" dirty="0"/>
+          </a:p>
+          <a:p>
+            <a:endParaRPr lang="en-US" altLang="zh-TW" dirty="0"/>
+          </a:p>
+          <a:p>
+            <a:r>
+              <a:rPr lang="en-US" altLang="zh-TW" dirty="0"/>
+              <a:t>LV2: </a:t>
+            </a:r>
+            <a:br>
+              <a:rPr lang="en-US" altLang="zh-TW" dirty="0"/>
+            </a:br>
+            <a:r>
+              <a:rPr lang="zh-TW" altLang="en-US" dirty="0"/>
+              <a:t>我會 </a:t>
+            </a:r>
+            <a:r>
+              <a:rPr lang="en-US" altLang="zh-TW" dirty="0"/>
+              <a:t>Rabbit MQ, </a:t>
+            </a:r>
+            <a:r>
+              <a:rPr lang="zh-TW" altLang="en-US" dirty="0"/>
+              <a:t>代表我知道如何安裝、設定、管理 </a:t>
+            </a:r>
+            <a:r>
+              <a:rPr lang="en-US" altLang="zh-TW" dirty="0"/>
+              <a:t>Rabbit MQ </a:t>
+            </a:r>
+            <a:r>
+              <a:rPr lang="zh-TW" altLang="en-US" dirty="0"/>
+              <a:t>服務；我也知道如何透過 </a:t>
+            </a:r>
+            <a:r>
+              <a:rPr lang="en-US" altLang="zh-TW" dirty="0"/>
+              <a:t>C#</a:t>
+            </a:r>
+            <a:r>
+              <a:rPr lang="zh-TW" altLang="en-US" dirty="0"/>
+              <a:t> 將 </a:t>
+            </a:r>
+            <a:r>
+              <a:rPr lang="en-US" altLang="zh-TW" dirty="0"/>
+              <a:t>Message </a:t>
+            </a:r>
+            <a:r>
+              <a:rPr lang="zh-TW" altLang="en-US" dirty="0"/>
+              <a:t>送入 </a:t>
+            </a:r>
+            <a:r>
+              <a:rPr lang="en-US" altLang="zh-TW" dirty="0"/>
+              <a:t>MQ, </a:t>
+            </a:r>
+            <a:r>
+              <a:rPr lang="zh-TW" altLang="en-US" dirty="0"/>
+              <a:t>也知道如何將 </a:t>
+            </a:r>
+            <a:r>
+              <a:rPr lang="en-US" altLang="zh-TW" dirty="0"/>
+              <a:t>Message </a:t>
+            </a:r>
+            <a:r>
+              <a:rPr lang="zh-TW" altLang="en-US" dirty="0"/>
+              <a:t>取出處理。</a:t>
+            </a:r>
+            <a:endParaRPr lang="en-US" altLang="zh-TW" dirty="0"/>
+          </a:p>
+          <a:p>
+            <a:endParaRPr lang="en-US" dirty="0"/>
+          </a:p>
+          <a:p>
+            <a:r>
+              <a:rPr lang="en-US" dirty="0"/>
+              <a:t>LV3:</a:t>
+            </a:r>
+          </a:p>
+          <a:p>
+            <a:r>
+              <a:rPr lang="zh-TW" altLang="en-US" dirty="0"/>
+              <a:t>我了解什麼情況下需要用 </a:t>
+            </a:r>
+            <a:r>
+              <a:rPr lang="en-US" altLang="zh-TW" dirty="0"/>
+              <a:t>Message Queue </a:t>
+            </a:r>
+            <a:r>
+              <a:rPr lang="zh-TW" altLang="en-US" dirty="0"/>
+              <a:t>來解決非同步任務執行的問題；我知道 </a:t>
+            </a:r>
+            <a:r>
+              <a:rPr lang="en-US" altLang="zh-TW" dirty="0"/>
+              <a:t>Rabbit MQ </a:t>
+            </a:r>
+            <a:r>
+              <a:rPr lang="zh-TW" altLang="en-US" dirty="0"/>
+              <a:t>的特色</a:t>
+            </a:r>
+            <a:r>
+              <a:rPr lang="en-US" altLang="zh-TW" dirty="0"/>
+              <a:t>: Exchange / Queue </a:t>
+            </a:r>
+            <a:r>
+              <a:rPr lang="zh-TW" altLang="en-US" dirty="0"/>
+              <a:t>的組合與應用，何時該用 </a:t>
+            </a:r>
+            <a:r>
+              <a:rPr lang="en-US" altLang="zh-TW" dirty="0"/>
+              <a:t>Fanout, </a:t>
+            </a:r>
+            <a:r>
+              <a:rPr lang="zh-TW" altLang="en-US" dirty="0"/>
+              <a:t>何時該用 </a:t>
+            </a:r>
+            <a:r>
+              <a:rPr lang="en-US" altLang="zh-TW" dirty="0"/>
+              <a:t>Topic</a:t>
+            </a:r>
+            <a:r>
+              <a:rPr lang="zh-TW" altLang="en-US" dirty="0"/>
+              <a:t>。</a:t>
+            </a:r>
+            <a:br>
+              <a:rPr lang="en-US" altLang="zh-TW" dirty="0"/>
+            </a:br>
+            <a:endParaRPr lang="en-US" altLang="zh-TW" dirty="0"/>
+          </a:p>
+          <a:p>
+            <a:r>
+              <a:rPr lang="en-US" altLang="zh-TW" dirty="0"/>
+              <a:t>LV4:</a:t>
+            </a:r>
+          </a:p>
+          <a:p>
+            <a:r>
+              <a:rPr lang="en-US" altLang="zh-TW" dirty="0"/>
+              <a:t>Rabbit MQ </a:t>
+            </a:r>
+            <a:r>
+              <a:rPr lang="zh-TW" altLang="en-US" dirty="0"/>
+              <a:t>適合用來處理 </a:t>
+            </a:r>
+            <a:r>
+              <a:rPr lang="en-US" altLang="zh-TW" dirty="0"/>
+              <a:t>“</a:t>
+            </a:r>
+            <a:r>
+              <a:rPr lang="zh-TW" altLang="en-US" dirty="0"/>
+              <a:t>生產者與消費者</a:t>
+            </a:r>
+            <a:r>
+              <a:rPr lang="en-US" altLang="zh-TW" dirty="0"/>
+              <a:t>”</a:t>
+            </a:r>
+            <a:r>
+              <a:rPr lang="zh-TW" altLang="en-US" dirty="0"/>
+              <a:t>問題，非同步任務產生後可以交給 </a:t>
+            </a:r>
+            <a:r>
+              <a:rPr lang="en-US" altLang="zh-TW" dirty="0"/>
+              <a:t>MQ </a:t>
+            </a:r>
+            <a:r>
+              <a:rPr lang="zh-TW" altLang="en-US" dirty="0"/>
+              <a:t>處理，不需等待回應可以繼續後面的動作，而另一端可由 </a:t>
+            </a:r>
+            <a:r>
+              <a:rPr lang="en-US" altLang="zh-TW" dirty="0"/>
+              <a:t>Worker </a:t>
+            </a:r>
+            <a:r>
+              <a:rPr lang="zh-TW" altLang="en-US" dirty="0"/>
+              <a:t>負責消化任務。</a:t>
+            </a:r>
+            <a:r>
+              <a:rPr lang="en-US" altLang="zh-TW" dirty="0"/>
+              <a:t>MQ</a:t>
+            </a:r>
+            <a:r>
+              <a:rPr lang="zh-TW" altLang="en-US" dirty="0"/>
+              <a:t> 後端可以善用平行處理的技巧，提高整體的處理能力，也能同時用多個 </a:t>
+            </a:r>
+            <a:r>
+              <a:rPr lang="en-US" altLang="zh-TW" dirty="0"/>
+              <a:t>Worker </a:t>
+            </a:r>
+            <a:r>
+              <a:rPr lang="zh-TW" altLang="en-US" dirty="0"/>
+              <a:t>分攤處理的任務。每個 </a:t>
+            </a:r>
+            <a:r>
+              <a:rPr lang="en-US" altLang="zh-TW" dirty="0"/>
+              <a:t>Worker </a:t>
+            </a:r>
+            <a:r>
+              <a:rPr lang="zh-TW" altLang="en-US" dirty="0"/>
+              <a:t>都能夠以最佳效能運作，處理完畢後才領取下一個任務，輸出穩定，不會受到瞬間大量所影響，這種情況下能達到最佳的處理效能。</a:t>
+            </a:r>
+            <a:endParaRPr lang="en-US" altLang="zh-TW" dirty="0"/>
+          </a:p>
+          <a:p>
+            <a:endParaRPr lang="en-US" dirty="0"/>
+          </a:p>
+        </p:txBody>
+      </p:sp>
+    </p:spTree>
+    <p:extLst>
+      <p:ext uri="{BB962C8B-B14F-4D97-AF65-F5344CB8AC3E}">
+        <p14:creationId xmlns:p14="http://schemas.microsoft.com/office/powerpoint/2010/main" val="1463510691"/>
+      </p:ext>
+    </p:extLst>
+  </p:cSld>
+  <p:clrMapOvr>
+    <a:masterClrMapping/>
+  </p:clrMapOvr>
+</p:sld>
+</file>
+
+<file path=ppt/slides/slide14.xml><?xml version="1.0" encoding="utf-8"?>
+<p:sld xmlns:a="http://schemas.openxmlformats.org/drawingml/2006/main" xmlns:r="http://schemas.openxmlformats.org/officeDocument/2006/relationships" xmlns:p="http://schemas.openxmlformats.org/presentationml/2006/main">
+  <p:cSld>
+    <p:spTree>
+      <p:nvGrpSpPr>
+        <p:cNvPr id="1" name=""/>
+        <p:cNvGrpSpPr/>
+        <p:nvPr/>
+      </p:nvGrpSpPr>
+      <p:grpSpPr>
+        <a:xfrm>
+          <a:off x="0" y="0"/>
+          <a:ext cx="0" cy="0"/>
+          <a:chOff x="0" y="0"/>
+          <a:chExt cx="0" cy="0"/>
+        </a:xfrm>
+      </p:grpSpPr>
+      <p:sp>
+        <p:nvSpPr>
+          <p:cNvPr id="2" name="標題 1">
+            <a:extLst>
+              <a:ext uri="{FF2B5EF4-FFF2-40B4-BE49-F238E27FC236}">
+                <a16:creationId xmlns:a16="http://schemas.microsoft.com/office/drawing/2014/main" id="{D0662CD5-1E34-4410-B4E9-1E583C347AA5}"/>
+              </a:ext>
+            </a:extLst>
+          </p:cNvPr>
+          <p:cNvSpPr>
+            <a:spLocks noGrp="1"/>
+          </p:cNvSpPr>
+          <p:nvPr>
+            <p:ph type="title"/>
+          </p:nvPr>
+        </p:nvSpPr>
+        <p:spPr/>
+        <p:txBody>
+          <a:bodyPr/>
+          <a:lstStyle/>
+          <a:p>
+            <a:r>
+              <a:rPr lang="zh-TW" altLang="en-US" dirty="0">
+                <a:latin typeface="微軟正黑體" panose="020B0604030504040204" pitchFamily="34" charset="-120"/>
+                <a:ea typeface="微軟正黑體" panose="020B0604030504040204" pitchFamily="34" charset="-120"/>
+              </a:rPr>
+              <a:t>聽起來好難，我該如何培養這樣的能力</a:t>
+            </a:r>
+            <a:r>
+              <a:rPr lang="en-US" altLang="zh-TW" dirty="0">
+                <a:latin typeface="微軟正黑體" panose="020B0604030504040204" pitchFamily="34" charset="-120"/>
+                <a:ea typeface="微軟正黑體" panose="020B0604030504040204" pitchFamily="34" charset="-120"/>
+              </a:rPr>
+              <a:t>?</a:t>
+            </a:r>
+            <a:endParaRPr lang="en-US" dirty="0">
+              <a:latin typeface="微軟正黑體" panose="020B0604030504040204" pitchFamily="34" charset="-120"/>
+              <a:ea typeface="微軟正黑體" panose="020B0604030504040204" pitchFamily="34" charset="-120"/>
+            </a:endParaRPr>
+          </a:p>
+        </p:txBody>
+      </p:sp>
+      <p:sp>
+        <p:nvSpPr>
+          <p:cNvPr id="4" name="副標題 3">
+            <a:extLst>
+              <a:ext uri="{FF2B5EF4-FFF2-40B4-BE49-F238E27FC236}">
+                <a16:creationId xmlns:a16="http://schemas.microsoft.com/office/drawing/2014/main" id="{47FA1023-50F5-436A-8298-3131C3042EFE}"/>
               </a:ext>
             </a:extLst>
           </p:cNvPr>
@@ -7160,7 +8829,7 @@
     </p:spTree>
     <p:extLst>
       <p:ext uri="{BB962C8B-B14F-4D97-AF65-F5344CB8AC3E}">
-        <p14:creationId xmlns:p14="http://schemas.microsoft.com/office/powerpoint/2010/main" val="1990733496"/>
+        <p14:creationId xmlns:p14="http://schemas.microsoft.com/office/powerpoint/2010/main" val="585493571"/>
       </p:ext>
     </p:extLst>
   </p:cSld>
@@ -7170,7 +8839,7 @@
 </p:sld>
 </file>
 
-<file path=ppt/slides/slide14.xml><?xml version="1.0" encoding="utf-8"?>
+<file path=ppt/slides/slide15.xml><?xml version="1.0" encoding="utf-8"?>
 <p:sld xmlns:a="http://schemas.openxmlformats.org/drawingml/2006/main" xmlns:r="http://schemas.openxmlformats.org/officeDocument/2006/relationships" xmlns:p="http://schemas.openxmlformats.org/presentationml/2006/main">
   <p:cSld>
     <p:spTree>
@@ -7237,94 +8906,94 @@
           </a:p>
         </p:txBody>
       </p:sp>
+      <p:sp>
+        <p:nvSpPr>
+          <p:cNvPr id="4" name="文字方塊 3">
+            <a:extLst>
+              <a:ext uri="{FF2B5EF4-FFF2-40B4-BE49-F238E27FC236}">
+                <a16:creationId xmlns:a16="http://schemas.microsoft.com/office/drawing/2014/main" id="{0037A715-4940-4176-9638-80B1AA3C3236}"/>
+              </a:ext>
+            </a:extLst>
+          </p:cNvPr>
+          <p:cNvSpPr txBox="1"/>
+          <p:nvPr/>
+        </p:nvSpPr>
+        <p:spPr>
+          <a:xfrm>
+            <a:off x="3449812" y="4835723"/>
+            <a:ext cx="5694188" cy="307777"/>
+          </a:xfrm>
+          <a:prstGeom prst="rect">
+            <a:avLst/>
+          </a:prstGeom>
+          <a:noFill/>
+        </p:spPr>
+        <p:txBody>
+          <a:bodyPr wrap="none" rtlCol="0">
+            <a:spAutoFit/>
+          </a:bodyPr>
+          <a:lstStyle/>
+          <a:p>
+            <a:r>
+              <a:rPr lang="en-US" dirty="0">
+                <a:solidFill>
+                  <a:schemeClr val="tx2">
+                    <a:lumMod val="65000"/>
+                  </a:schemeClr>
+                </a:solidFill>
+                <a:hlinkClick r:id="rId2">
+                  <a:extLst>
+                    <a:ext uri="{A12FA001-AC4F-418D-AE19-62706E023703}">
+                      <ahyp:hlinkClr xmlns:ahyp="http://schemas.microsoft.com/office/drawing/2018/hyperlinkcolor" val="tx"/>
+                    </a:ext>
+                  </a:extLst>
+                </a:hlinkClick>
+              </a:rPr>
+              <a:t>https://columns.chicken-house.net/2019/01/01/microservice12-mqrpc/</a:t>
+            </a:r>
+            <a:endParaRPr lang="en-US" dirty="0">
+              <a:solidFill>
+                <a:schemeClr val="tx2">
+                  <a:lumMod val="65000"/>
+                </a:schemeClr>
+              </a:solidFill>
+            </a:endParaRPr>
+          </a:p>
+        </p:txBody>
+      </p:sp>
+      <p:pic>
+        <p:nvPicPr>
+          <p:cNvPr id="5" name="圖片 4">
+            <a:extLst>
+              <a:ext uri="{FF2B5EF4-FFF2-40B4-BE49-F238E27FC236}">
+                <a16:creationId xmlns:a16="http://schemas.microsoft.com/office/drawing/2014/main" id="{5157C08D-F081-41F1-BAF6-BC665F57353A}"/>
+              </a:ext>
+            </a:extLst>
+          </p:cNvPr>
+          <p:cNvPicPr>
+            <a:picLocks noChangeAspect="1"/>
+          </p:cNvPicPr>
+          <p:nvPr/>
+        </p:nvPicPr>
+        <p:blipFill rotWithShape="1">
+          <a:blip r:embed="rId3"/>
+          <a:srcRect t="9027"/>
+          <a:stretch/>
+        </p:blipFill>
+        <p:spPr>
+          <a:xfrm>
+            <a:off x="780757" y="441197"/>
+            <a:ext cx="7582486" cy="4394526"/>
+          </a:xfrm>
+          <a:prstGeom prst="rect">
+            <a:avLst/>
+          </a:prstGeom>
+        </p:spPr>
+      </p:pic>
     </p:spTree>
     <p:extLst>
       <p:ext uri="{BB962C8B-B14F-4D97-AF65-F5344CB8AC3E}">
         <p14:creationId xmlns:p14="http://schemas.microsoft.com/office/powerpoint/2010/main" val="4127596951"/>
-      </p:ext>
-    </p:extLst>
-  </p:cSld>
-  <p:clrMapOvr>
-    <a:masterClrMapping/>
-  </p:clrMapOvr>
-</p:sld>
-</file>
-
-<file path=ppt/slides/slide15.xml><?xml version="1.0" encoding="utf-8"?>
-<p:sld xmlns:a="http://schemas.openxmlformats.org/drawingml/2006/main" xmlns:r="http://schemas.openxmlformats.org/officeDocument/2006/relationships" xmlns:p="http://schemas.openxmlformats.org/presentationml/2006/main">
-  <p:cSld>
-    <p:spTree>
-      <p:nvGrpSpPr>
-        <p:cNvPr id="1" name=""/>
-        <p:cNvGrpSpPr/>
-        <p:nvPr/>
-      </p:nvGrpSpPr>
-      <p:grpSpPr>
-        <a:xfrm>
-          <a:off x="0" y="0"/>
-          <a:ext cx="0" cy="0"/>
-          <a:chOff x="0" y="0"/>
-          <a:chExt cx="0" cy="0"/>
-        </a:xfrm>
-      </p:grpSpPr>
-      <p:sp>
-        <p:nvSpPr>
-          <p:cNvPr id="2" name="標題 1">
-            <a:extLst>
-              <a:ext uri="{FF2B5EF4-FFF2-40B4-BE49-F238E27FC236}">
-                <a16:creationId xmlns:a16="http://schemas.microsoft.com/office/drawing/2014/main" id="{F09846CE-552E-4302-BD76-0CD32572F0D0}"/>
-              </a:ext>
-            </a:extLst>
-          </p:cNvPr>
-          <p:cNvSpPr>
-            <a:spLocks noGrp="1"/>
-          </p:cNvSpPr>
-          <p:nvPr>
-            <p:ph type="title"/>
-          </p:nvPr>
-        </p:nvSpPr>
-        <p:spPr/>
-        <p:txBody>
-          <a:bodyPr/>
-          <a:lstStyle/>
-          <a:p>
-            <a:r>
-              <a:rPr lang="zh-TW" altLang="en-US" dirty="0"/>
-              <a:t>技術職的職涯規劃</a:t>
-            </a:r>
-            <a:endParaRPr lang="en-US" dirty="0"/>
-          </a:p>
-        </p:txBody>
-      </p:sp>
-      <p:sp>
-        <p:nvSpPr>
-          <p:cNvPr id="3" name="副標題 2">
-            <a:extLst>
-              <a:ext uri="{FF2B5EF4-FFF2-40B4-BE49-F238E27FC236}">
-                <a16:creationId xmlns:a16="http://schemas.microsoft.com/office/drawing/2014/main" id="{9CF6A774-0F34-4862-9D7D-E5F4C401BA5E}"/>
-              </a:ext>
-            </a:extLst>
-          </p:cNvPr>
-          <p:cNvSpPr>
-            <a:spLocks noGrp="1"/>
-          </p:cNvSpPr>
-          <p:nvPr>
-            <p:ph type="subTitle" idx="1"/>
-          </p:nvPr>
-        </p:nvSpPr>
-        <p:spPr/>
-        <p:txBody>
-          <a:bodyPr/>
-          <a:lstStyle/>
-          <a:p>
-            <a:endParaRPr lang="en-US"/>
-          </a:p>
-        </p:txBody>
-      </p:sp>
-    </p:spTree>
-    <p:extLst>
-      <p:ext uri="{BB962C8B-B14F-4D97-AF65-F5344CB8AC3E}">
-        <p14:creationId xmlns:p14="http://schemas.microsoft.com/office/powerpoint/2010/main" val="273625097"/>
       </p:ext>
     </p:extLst>
   </p:cSld>
@@ -7356,7 +9025,7 @@
           <p:cNvPr id="2" name="標題 1">
             <a:extLst>
               <a:ext uri="{FF2B5EF4-FFF2-40B4-BE49-F238E27FC236}">
-                <a16:creationId xmlns:a16="http://schemas.microsoft.com/office/drawing/2014/main" id="{7DD11ED8-ED9C-4C9C-9348-0F65C87B82F8}"/>
+                <a16:creationId xmlns:a16="http://schemas.microsoft.com/office/drawing/2014/main" id="{20C3EB19-1287-4029-9A66-E6AFAD6CAB51}"/>
               </a:ext>
             </a:extLst>
           </p:cNvPr>
@@ -7372,9 +9041,1430 @@
           <a:bodyPr/>
           <a:lstStyle/>
           <a:p>
+            <a:endParaRPr lang="en-US"/>
+          </a:p>
+        </p:txBody>
+      </p:sp>
+      <p:sp>
+        <p:nvSpPr>
+          <p:cNvPr id="4" name="矩形: 圓角 3">
+            <a:extLst>
+              <a:ext uri="{FF2B5EF4-FFF2-40B4-BE49-F238E27FC236}">
+                <a16:creationId xmlns:a16="http://schemas.microsoft.com/office/drawing/2014/main" id="{470C5E7C-426B-47B5-93C4-54147659959C}"/>
+              </a:ext>
+            </a:extLst>
+          </p:cNvPr>
+          <p:cNvSpPr/>
+          <p:nvPr/>
+        </p:nvSpPr>
+        <p:spPr>
+          <a:xfrm>
+            <a:off x="3847514" y="1822459"/>
+            <a:ext cx="1448972" cy="518400"/>
+          </a:xfrm>
+          <a:prstGeom prst="roundRect">
+            <a:avLst/>
+          </a:prstGeom>
+        </p:spPr>
+        <p:style>
+          <a:lnRef idx="2">
+            <a:schemeClr val="accent1">
+              <a:shade val="50000"/>
+            </a:schemeClr>
+          </a:lnRef>
+          <a:fillRef idx="1">
+            <a:schemeClr val="accent1"/>
+          </a:fillRef>
+          <a:effectRef idx="0">
+            <a:schemeClr val="accent1"/>
+          </a:effectRef>
+          <a:fontRef idx="minor">
+            <a:schemeClr val="lt1"/>
+          </a:fontRef>
+        </p:style>
+        <p:txBody>
+          <a:bodyPr rtlCol="0" anchor="ctr"/>
+          <a:lstStyle/>
+          <a:p>
+            <a:pPr algn="ctr"/>
+            <a:r>
+              <a:rPr lang="en-US" altLang="zh-TW" dirty="0"/>
+              <a:t>Message Queue</a:t>
+            </a:r>
+            <a:endParaRPr lang="en-US" dirty="0"/>
+          </a:p>
+        </p:txBody>
+      </p:sp>
+      <p:sp>
+        <p:nvSpPr>
+          <p:cNvPr id="5" name="矩形: 圓角 4">
+            <a:extLst>
+              <a:ext uri="{FF2B5EF4-FFF2-40B4-BE49-F238E27FC236}">
+                <a16:creationId xmlns:a16="http://schemas.microsoft.com/office/drawing/2014/main" id="{51FB54DA-EED7-4723-BD5D-4A7965B4292B}"/>
+              </a:ext>
+            </a:extLst>
+          </p:cNvPr>
+          <p:cNvSpPr/>
+          <p:nvPr/>
+        </p:nvSpPr>
+        <p:spPr>
+          <a:xfrm>
+            <a:off x="3847514" y="818189"/>
+            <a:ext cx="1448972" cy="518400"/>
+          </a:xfrm>
+          <a:prstGeom prst="roundRect">
+            <a:avLst/>
+          </a:prstGeom>
+        </p:spPr>
+        <p:style>
+          <a:lnRef idx="2">
+            <a:schemeClr val="accent1">
+              <a:shade val="50000"/>
+            </a:schemeClr>
+          </a:lnRef>
+          <a:fillRef idx="1">
+            <a:schemeClr val="accent1"/>
+          </a:fillRef>
+          <a:effectRef idx="0">
+            <a:schemeClr val="accent1"/>
+          </a:effectRef>
+          <a:fontRef idx="minor">
+            <a:schemeClr val="lt1"/>
+          </a:fontRef>
+        </p:style>
+        <p:txBody>
+          <a:bodyPr rtlCol="0" anchor="ctr"/>
+          <a:lstStyle/>
+          <a:p>
+            <a:pPr algn="ctr"/>
             <a:r>
               <a:rPr lang="zh-TW" altLang="en-US" dirty="0"/>
-              <a:t>技術決策</a:t>
+              <a:t>抽象化</a:t>
+            </a:r>
+            <a:endParaRPr lang="en-US" dirty="0"/>
+          </a:p>
+        </p:txBody>
+      </p:sp>
+      <p:sp>
+        <p:nvSpPr>
+          <p:cNvPr id="6" name="矩形: 圓角 5">
+            <a:extLst>
+              <a:ext uri="{FF2B5EF4-FFF2-40B4-BE49-F238E27FC236}">
+                <a16:creationId xmlns:a16="http://schemas.microsoft.com/office/drawing/2014/main" id="{7C2A225D-05FA-4390-A8AE-15D8DFC1F7A8}"/>
+              </a:ext>
+            </a:extLst>
+          </p:cNvPr>
+          <p:cNvSpPr/>
+          <p:nvPr/>
+        </p:nvSpPr>
+        <p:spPr>
+          <a:xfrm>
+            <a:off x="682283" y="2697215"/>
+            <a:ext cx="1448972" cy="518400"/>
+          </a:xfrm>
+          <a:prstGeom prst="roundRect">
+            <a:avLst/>
+          </a:prstGeom>
+        </p:spPr>
+        <p:style>
+          <a:lnRef idx="2">
+            <a:schemeClr val="accent1">
+              <a:shade val="50000"/>
+            </a:schemeClr>
+          </a:lnRef>
+          <a:fillRef idx="1">
+            <a:schemeClr val="accent1"/>
+          </a:fillRef>
+          <a:effectRef idx="0">
+            <a:schemeClr val="accent1"/>
+          </a:effectRef>
+          <a:fontRef idx="minor">
+            <a:schemeClr val="lt1"/>
+          </a:fontRef>
+        </p:style>
+        <p:txBody>
+          <a:bodyPr rtlCol="0" anchor="ctr"/>
+          <a:lstStyle/>
+          <a:p>
+            <a:pPr algn="ctr"/>
+            <a:r>
+              <a:rPr lang="zh-TW" altLang="en-US" dirty="0"/>
+              <a:t>單向溝通</a:t>
+            </a:r>
+            <a:endParaRPr lang="en-US" dirty="0"/>
+          </a:p>
+        </p:txBody>
+      </p:sp>
+      <p:sp>
+        <p:nvSpPr>
+          <p:cNvPr id="7" name="矩形: 圓角 6">
+            <a:extLst>
+              <a:ext uri="{FF2B5EF4-FFF2-40B4-BE49-F238E27FC236}">
+                <a16:creationId xmlns:a16="http://schemas.microsoft.com/office/drawing/2014/main" id="{C5CFA2BA-B9F6-4011-A431-D5E5A7D9CF14}"/>
+              </a:ext>
+            </a:extLst>
+          </p:cNvPr>
+          <p:cNvSpPr/>
+          <p:nvPr/>
+        </p:nvSpPr>
+        <p:spPr>
+          <a:xfrm>
+            <a:off x="685801" y="3551047"/>
+            <a:ext cx="1448972" cy="518400"/>
+          </a:xfrm>
+          <a:prstGeom prst="roundRect">
+            <a:avLst/>
+          </a:prstGeom>
+        </p:spPr>
+        <p:style>
+          <a:lnRef idx="2">
+            <a:schemeClr val="accent1">
+              <a:shade val="50000"/>
+            </a:schemeClr>
+          </a:lnRef>
+          <a:fillRef idx="1">
+            <a:schemeClr val="accent1"/>
+          </a:fillRef>
+          <a:effectRef idx="0">
+            <a:schemeClr val="accent1"/>
+          </a:effectRef>
+          <a:fontRef idx="minor">
+            <a:schemeClr val="lt1"/>
+          </a:fontRef>
+        </p:style>
+        <p:txBody>
+          <a:bodyPr rtlCol="0" anchor="ctr"/>
+          <a:lstStyle/>
+          <a:p>
+            <a:pPr algn="ctr"/>
+            <a:r>
+              <a:rPr lang="zh-TW" altLang="en-US" dirty="0"/>
+              <a:t>雙向溝通 </a:t>
+            </a:r>
+            <a:r>
+              <a:rPr lang="en-US" altLang="zh-TW" dirty="0"/>
+              <a:t>(RPC)</a:t>
+            </a:r>
+          </a:p>
+        </p:txBody>
+      </p:sp>
+      <p:sp>
+        <p:nvSpPr>
+          <p:cNvPr id="8" name="矩形: 圓角 7">
+            <a:extLst>
+              <a:ext uri="{FF2B5EF4-FFF2-40B4-BE49-F238E27FC236}">
+                <a16:creationId xmlns:a16="http://schemas.microsoft.com/office/drawing/2014/main" id="{45D9CCCB-7157-4FA5-BDF8-25A5F7D25531}"/>
+              </a:ext>
+            </a:extLst>
+          </p:cNvPr>
+          <p:cNvSpPr/>
+          <p:nvPr/>
+        </p:nvSpPr>
+        <p:spPr>
+          <a:xfrm>
+            <a:off x="2064435" y="1839686"/>
+            <a:ext cx="1448972" cy="518400"/>
+          </a:xfrm>
+          <a:prstGeom prst="roundRect">
+            <a:avLst/>
+          </a:prstGeom>
+        </p:spPr>
+        <p:style>
+          <a:lnRef idx="2">
+            <a:schemeClr val="accent1">
+              <a:shade val="50000"/>
+            </a:schemeClr>
+          </a:lnRef>
+          <a:fillRef idx="1">
+            <a:schemeClr val="accent1"/>
+          </a:fillRef>
+          <a:effectRef idx="0">
+            <a:schemeClr val="accent1"/>
+          </a:effectRef>
+          <a:fontRef idx="minor">
+            <a:schemeClr val="lt1"/>
+          </a:fontRef>
+        </p:style>
+        <p:txBody>
+          <a:bodyPr rtlCol="0" anchor="ctr"/>
+          <a:lstStyle/>
+          <a:p>
+            <a:pPr algn="ctr"/>
+            <a:r>
+              <a:rPr lang="en-US" altLang="zh-TW" dirty="0"/>
+              <a:t>Message Client</a:t>
+            </a:r>
+            <a:endParaRPr lang="en-US" dirty="0"/>
+          </a:p>
+        </p:txBody>
+      </p:sp>
+      <p:sp>
+        <p:nvSpPr>
+          <p:cNvPr id="9" name="矩形: 圓角 8">
+            <a:extLst>
+              <a:ext uri="{FF2B5EF4-FFF2-40B4-BE49-F238E27FC236}">
+                <a16:creationId xmlns:a16="http://schemas.microsoft.com/office/drawing/2014/main" id="{674CB188-3128-4CAF-AD84-8FBA3C768385}"/>
+              </a:ext>
+            </a:extLst>
+          </p:cNvPr>
+          <p:cNvSpPr/>
+          <p:nvPr/>
+        </p:nvSpPr>
+        <p:spPr>
+          <a:xfrm>
+            <a:off x="5630593" y="1822459"/>
+            <a:ext cx="1448972" cy="518400"/>
+          </a:xfrm>
+          <a:prstGeom prst="roundRect">
+            <a:avLst/>
+          </a:prstGeom>
+        </p:spPr>
+        <p:style>
+          <a:lnRef idx="2">
+            <a:schemeClr val="accent1">
+              <a:shade val="50000"/>
+            </a:schemeClr>
+          </a:lnRef>
+          <a:fillRef idx="1">
+            <a:schemeClr val="accent1"/>
+          </a:fillRef>
+          <a:effectRef idx="0">
+            <a:schemeClr val="accent1"/>
+          </a:effectRef>
+          <a:fontRef idx="minor">
+            <a:schemeClr val="lt1"/>
+          </a:fontRef>
+        </p:style>
+        <p:txBody>
+          <a:bodyPr rtlCol="0" anchor="ctr"/>
+          <a:lstStyle/>
+          <a:p>
+            <a:pPr algn="ctr"/>
+            <a:r>
+              <a:rPr lang="en-US" altLang="zh-TW" dirty="0"/>
+              <a:t>Message Worker</a:t>
+            </a:r>
+            <a:endParaRPr lang="en-US" dirty="0"/>
+          </a:p>
+        </p:txBody>
+      </p:sp>
+      <p:sp>
+        <p:nvSpPr>
+          <p:cNvPr id="10" name="矩形: 圓角 9">
+            <a:extLst>
+              <a:ext uri="{FF2B5EF4-FFF2-40B4-BE49-F238E27FC236}">
+                <a16:creationId xmlns:a16="http://schemas.microsoft.com/office/drawing/2014/main" id="{B1A78437-68C9-45F4-9197-C9337B592FB8}"/>
+              </a:ext>
+            </a:extLst>
+          </p:cNvPr>
+          <p:cNvSpPr/>
+          <p:nvPr/>
+        </p:nvSpPr>
+        <p:spPr>
+          <a:xfrm>
+            <a:off x="3758712" y="3020506"/>
+            <a:ext cx="1448972" cy="518400"/>
+          </a:xfrm>
+          <a:prstGeom prst="roundRect">
+            <a:avLst/>
+          </a:prstGeom>
+        </p:spPr>
+        <p:style>
+          <a:lnRef idx="2">
+            <a:schemeClr val="accent1">
+              <a:shade val="50000"/>
+            </a:schemeClr>
+          </a:lnRef>
+          <a:fillRef idx="1">
+            <a:schemeClr val="accent1"/>
+          </a:fillRef>
+          <a:effectRef idx="0">
+            <a:schemeClr val="accent1"/>
+          </a:effectRef>
+          <a:fontRef idx="minor">
+            <a:schemeClr val="lt1"/>
+          </a:fontRef>
+        </p:style>
+        <p:txBody>
+          <a:bodyPr rtlCol="0" anchor="ctr"/>
+          <a:lstStyle/>
+          <a:p>
+            <a:pPr algn="ctr"/>
+            <a:r>
+              <a:rPr lang="en-US" altLang="zh-TW" dirty="0"/>
+              <a:t>Multiple Threading</a:t>
+            </a:r>
+            <a:endParaRPr lang="en-US" dirty="0"/>
+          </a:p>
+        </p:txBody>
+      </p:sp>
+      <p:sp>
+        <p:nvSpPr>
+          <p:cNvPr id="11" name="矩形: 圓角 10">
+            <a:extLst>
+              <a:ext uri="{FF2B5EF4-FFF2-40B4-BE49-F238E27FC236}">
+                <a16:creationId xmlns:a16="http://schemas.microsoft.com/office/drawing/2014/main" id="{F29E93AD-F6BD-4A1F-8791-25D27E90507B}"/>
+              </a:ext>
+            </a:extLst>
+          </p:cNvPr>
+          <p:cNvSpPr/>
+          <p:nvPr/>
+        </p:nvSpPr>
+        <p:spPr>
+          <a:xfrm>
+            <a:off x="7430379" y="1995830"/>
+            <a:ext cx="1448972" cy="518400"/>
+          </a:xfrm>
+          <a:prstGeom prst="roundRect">
+            <a:avLst/>
+          </a:prstGeom>
+        </p:spPr>
+        <p:style>
+          <a:lnRef idx="2">
+            <a:schemeClr val="accent1">
+              <a:shade val="50000"/>
+            </a:schemeClr>
+          </a:lnRef>
+          <a:fillRef idx="1">
+            <a:schemeClr val="accent1"/>
+          </a:fillRef>
+          <a:effectRef idx="0">
+            <a:schemeClr val="accent1"/>
+          </a:effectRef>
+          <a:fontRef idx="minor">
+            <a:schemeClr val="lt1"/>
+          </a:fontRef>
+        </p:style>
+        <p:txBody>
+          <a:bodyPr rtlCol="0" anchor="ctr"/>
+          <a:lstStyle/>
+          <a:p>
+            <a:pPr algn="ctr"/>
+            <a:r>
+              <a:rPr lang="en-US" altLang="zh-TW" dirty="0"/>
+              <a:t>Graceful Shutdown</a:t>
+            </a:r>
+            <a:endParaRPr lang="en-US" dirty="0"/>
+          </a:p>
+        </p:txBody>
+      </p:sp>
+      <p:sp>
+        <p:nvSpPr>
+          <p:cNvPr id="12" name="矩形: 圓角 11">
+            <a:extLst>
+              <a:ext uri="{FF2B5EF4-FFF2-40B4-BE49-F238E27FC236}">
+                <a16:creationId xmlns:a16="http://schemas.microsoft.com/office/drawing/2014/main" id="{C9EF28C4-795C-4EE8-BFC9-C77BD1ECD2F3}"/>
+              </a:ext>
+            </a:extLst>
+          </p:cNvPr>
+          <p:cNvSpPr/>
+          <p:nvPr/>
+        </p:nvSpPr>
+        <p:spPr>
+          <a:xfrm>
+            <a:off x="7458514" y="3020506"/>
+            <a:ext cx="1448972" cy="518400"/>
+          </a:xfrm>
+          <a:prstGeom prst="roundRect">
+            <a:avLst/>
+          </a:prstGeom>
+        </p:spPr>
+        <p:style>
+          <a:lnRef idx="2">
+            <a:schemeClr val="accent1">
+              <a:shade val="50000"/>
+            </a:schemeClr>
+          </a:lnRef>
+          <a:fillRef idx="1">
+            <a:schemeClr val="accent1"/>
+          </a:fillRef>
+          <a:effectRef idx="0">
+            <a:schemeClr val="accent1"/>
+          </a:effectRef>
+          <a:fontRef idx="minor">
+            <a:schemeClr val="lt1"/>
+          </a:fontRef>
+        </p:style>
+        <p:txBody>
+          <a:bodyPr rtlCol="0" anchor="ctr"/>
+          <a:lstStyle/>
+          <a:p>
+            <a:pPr algn="ctr"/>
+            <a:r>
+              <a:rPr lang="en-US" altLang="zh-TW" dirty="0"/>
+              <a:t>Container</a:t>
+            </a:r>
+            <a:endParaRPr lang="en-US" dirty="0"/>
+          </a:p>
+        </p:txBody>
+      </p:sp>
+      <p:sp>
+        <p:nvSpPr>
+          <p:cNvPr id="13" name="矩形: 圓角 12">
+            <a:extLst>
+              <a:ext uri="{FF2B5EF4-FFF2-40B4-BE49-F238E27FC236}">
+                <a16:creationId xmlns:a16="http://schemas.microsoft.com/office/drawing/2014/main" id="{BEED7E82-7196-436E-995A-393671D12F06}"/>
+              </a:ext>
+            </a:extLst>
+          </p:cNvPr>
+          <p:cNvSpPr/>
+          <p:nvPr/>
+        </p:nvSpPr>
+        <p:spPr>
+          <a:xfrm>
+            <a:off x="7458514" y="3839441"/>
+            <a:ext cx="1448972" cy="518400"/>
+          </a:xfrm>
+          <a:prstGeom prst="roundRect">
+            <a:avLst/>
+          </a:prstGeom>
+        </p:spPr>
+        <p:style>
+          <a:lnRef idx="2">
+            <a:schemeClr val="accent1">
+              <a:shade val="50000"/>
+            </a:schemeClr>
+          </a:lnRef>
+          <a:fillRef idx="1">
+            <a:schemeClr val="accent1"/>
+          </a:fillRef>
+          <a:effectRef idx="0">
+            <a:schemeClr val="accent1"/>
+          </a:effectRef>
+          <a:fontRef idx="minor">
+            <a:schemeClr val="lt1"/>
+          </a:fontRef>
+        </p:style>
+        <p:txBody>
+          <a:bodyPr rtlCol="0" anchor="ctr"/>
+          <a:lstStyle/>
+          <a:p>
+            <a:pPr algn="ctr"/>
+            <a:r>
+              <a:rPr lang="en-US" altLang="zh-TW" dirty="0"/>
+              <a:t>Docker Compose</a:t>
+            </a:r>
+            <a:endParaRPr lang="en-US" dirty="0"/>
+          </a:p>
+        </p:txBody>
+      </p:sp>
+      <p:sp>
+        <p:nvSpPr>
+          <p:cNvPr id="14" name="矩形: 圓角 13">
+            <a:extLst>
+              <a:ext uri="{FF2B5EF4-FFF2-40B4-BE49-F238E27FC236}">
+                <a16:creationId xmlns:a16="http://schemas.microsoft.com/office/drawing/2014/main" id="{81F5F749-37B7-46BF-826A-56665B929B49}"/>
+              </a:ext>
+            </a:extLst>
+          </p:cNvPr>
+          <p:cNvSpPr/>
+          <p:nvPr/>
+        </p:nvSpPr>
+        <p:spPr>
+          <a:xfrm>
+            <a:off x="5630593" y="2761306"/>
+            <a:ext cx="1448972" cy="518400"/>
+          </a:xfrm>
+          <a:prstGeom prst="roundRect">
+            <a:avLst/>
+          </a:prstGeom>
+        </p:spPr>
+        <p:style>
+          <a:lnRef idx="2">
+            <a:schemeClr val="accent1">
+              <a:shade val="50000"/>
+            </a:schemeClr>
+          </a:lnRef>
+          <a:fillRef idx="1">
+            <a:schemeClr val="accent1"/>
+          </a:fillRef>
+          <a:effectRef idx="0">
+            <a:schemeClr val="accent1"/>
+          </a:effectRef>
+          <a:fontRef idx="minor">
+            <a:schemeClr val="lt1"/>
+          </a:fontRef>
+        </p:style>
+        <p:txBody>
+          <a:bodyPr rtlCol="0" anchor="ctr"/>
+          <a:lstStyle/>
+          <a:p>
+            <a:pPr algn="ctr"/>
+            <a:r>
+              <a:rPr lang="en-US" altLang="zh-TW" dirty="0"/>
+              <a:t>Auto Scaling</a:t>
+            </a:r>
+            <a:endParaRPr lang="en-US" dirty="0"/>
+          </a:p>
+        </p:txBody>
+      </p:sp>
+      <p:sp>
+        <p:nvSpPr>
+          <p:cNvPr id="15" name="矩形: 圓角 14">
+            <a:extLst>
+              <a:ext uri="{FF2B5EF4-FFF2-40B4-BE49-F238E27FC236}">
+                <a16:creationId xmlns:a16="http://schemas.microsoft.com/office/drawing/2014/main" id="{6C65CA2D-661F-4612-866D-7DEFEC461379}"/>
+              </a:ext>
+            </a:extLst>
+          </p:cNvPr>
+          <p:cNvSpPr/>
+          <p:nvPr/>
+        </p:nvSpPr>
+        <p:spPr>
+          <a:xfrm>
+            <a:off x="5655541" y="821824"/>
+            <a:ext cx="1448972" cy="518400"/>
+          </a:xfrm>
+          <a:prstGeom prst="roundRect">
+            <a:avLst/>
+          </a:prstGeom>
+        </p:spPr>
+        <p:style>
+          <a:lnRef idx="2">
+            <a:schemeClr val="accent1">
+              <a:shade val="50000"/>
+            </a:schemeClr>
+          </a:lnRef>
+          <a:fillRef idx="1">
+            <a:schemeClr val="accent1"/>
+          </a:fillRef>
+          <a:effectRef idx="0">
+            <a:schemeClr val="accent1"/>
+          </a:effectRef>
+          <a:fontRef idx="minor">
+            <a:schemeClr val="lt1"/>
+          </a:fontRef>
+        </p:style>
+        <p:txBody>
+          <a:bodyPr rtlCol="0" anchor="ctr"/>
+          <a:lstStyle/>
+          <a:p>
+            <a:pPr algn="ctr"/>
+            <a:r>
+              <a:rPr lang="en-US" altLang="zh-TW" dirty="0"/>
+              <a:t>DevOps Concepts</a:t>
+            </a:r>
+            <a:endParaRPr lang="en-US" dirty="0"/>
+          </a:p>
+        </p:txBody>
+      </p:sp>
+      <p:sp>
+        <p:nvSpPr>
+          <p:cNvPr id="16" name="矩形: 圓角 15">
+            <a:extLst>
+              <a:ext uri="{FF2B5EF4-FFF2-40B4-BE49-F238E27FC236}">
+                <a16:creationId xmlns:a16="http://schemas.microsoft.com/office/drawing/2014/main" id="{CC29DEF2-8A69-4F56-A7E6-E7D4424347C8}"/>
+              </a:ext>
+            </a:extLst>
+          </p:cNvPr>
+          <p:cNvSpPr/>
+          <p:nvPr/>
+        </p:nvSpPr>
+        <p:spPr>
+          <a:xfrm>
+            <a:off x="7458514" y="818189"/>
+            <a:ext cx="1448972" cy="518400"/>
+          </a:xfrm>
+          <a:prstGeom prst="roundRect">
+            <a:avLst/>
+          </a:prstGeom>
+        </p:spPr>
+        <p:style>
+          <a:lnRef idx="2">
+            <a:schemeClr val="accent1">
+              <a:shade val="50000"/>
+            </a:schemeClr>
+          </a:lnRef>
+          <a:fillRef idx="1">
+            <a:schemeClr val="accent1"/>
+          </a:fillRef>
+          <a:effectRef idx="0">
+            <a:schemeClr val="accent1"/>
+          </a:effectRef>
+          <a:fontRef idx="minor">
+            <a:schemeClr val="lt1"/>
+          </a:fontRef>
+        </p:style>
+        <p:txBody>
+          <a:bodyPr rtlCol="0" anchor="ctr"/>
+          <a:lstStyle/>
+          <a:p>
+            <a:pPr algn="ctr"/>
+            <a:r>
+              <a:rPr lang="en-US" altLang="zh-TW" dirty="0"/>
+              <a:t>Design For Operation</a:t>
+            </a:r>
+            <a:endParaRPr lang="en-US" dirty="0"/>
+          </a:p>
+        </p:txBody>
+      </p:sp>
+      <p:cxnSp>
+        <p:nvCxnSpPr>
+          <p:cNvPr id="18" name="直線單箭頭接點 17">
+            <a:extLst>
+              <a:ext uri="{FF2B5EF4-FFF2-40B4-BE49-F238E27FC236}">
+                <a16:creationId xmlns:a16="http://schemas.microsoft.com/office/drawing/2014/main" id="{7F6530AB-8622-46EF-AEC1-8E61A2DCE756}"/>
+              </a:ext>
+            </a:extLst>
+          </p:cNvPr>
+          <p:cNvCxnSpPr>
+            <a:stCxn id="4" idx="0"/>
+            <a:endCxn id="5" idx="2"/>
+          </p:cNvCxnSpPr>
+          <p:nvPr/>
+        </p:nvCxnSpPr>
+        <p:spPr>
+          <a:xfrm flipV="1">
+            <a:off x="4572000" y="1336589"/>
+            <a:ext cx="0" cy="485870"/>
+          </a:xfrm>
+          <a:prstGeom prst="straightConnector1">
+            <a:avLst/>
+          </a:prstGeom>
+          <a:ln>
+            <a:solidFill>
+              <a:schemeClr val="tx1">
+                <a:lumMod val="40000"/>
+                <a:lumOff val="60000"/>
+              </a:schemeClr>
+            </a:solidFill>
+            <a:tailEnd type="triangle"/>
+          </a:ln>
+        </p:spPr>
+        <p:style>
+          <a:lnRef idx="1">
+            <a:schemeClr val="accent1"/>
+          </a:lnRef>
+          <a:fillRef idx="0">
+            <a:schemeClr val="accent1"/>
+          </a:fillRef>
+          <a:effectRef idx="0">
+            <a:schemeClr val="accent1"/>
+          </a:effectRef>
+          <a:fontRef idx="minor">
+            <a:schemeClr val="tx1"/>
+          </a:fontRef>
+        </p:style>
+      </p:cxnSp>
+      <p:cxnSp>
+        <p:nvCxnSpPr>
+          <p:cNvPr id="20" name="直線單箭頭接點 19">
+            <a:extLst>
+              <a:ext uri="{FF2B5EF4-FFF2-40B4-BE49-F238E27FC236}">
+                <a16:creationId xmlns:a16="http://schemas.microsoft.com/office/drawing/2014/main" id="{DBA6C93D-56C9-4D49-867D-DF9F5ECC5C5C}"/>
+              </a:ext>
+            </a:extLst>
+          </p:cNvPr>
+          <p:cNvCxnSpPr>
+            <a:cxnSpLocks/>
+          </p:cNvCxnSpPr>
+          <p:nvPr/>
+        </p:nvCxnSpPr>
+        <p:spPr>
+          <a:xfrm flipH="1">
+            <a:off x="3513407" y="2070494"/>
+            <a:ext cx="334107" cy="17227"/>
+          </a:xfrm>
+          <a:prstGeom prst="straightConnector1">
+            <a:avLst/>
+          </a:prstGeom>
+          <a:ln>
+            <a:solidFill>
+              <a:schemeClr val="tx1">
+                <a:lumMod val="40000"/>
+                <a:lumOff val="60000"/>
+              </a:schemeClr>
+            </a:solidFill>
+            <a:tailEnd type="triangle"/>
+          </a:ln>
+        </p:spPr>
+        <p:style>
+          <a:lnRef idx="1">
+            <a:schemeClr val="accent1"/>
+          </a:lnRef>
+          <a:fillRef idx="0">
+            <a:schemeClr val="accent1"/>
+          </a:fillRef>
+          <a:effectRef idx="0">
+            <a:schemeClr val="accent1"/>
+          </a:effectRef>
+          <a:fontRef idx="minor">
+            <a:schemeClr val="tx1"/>
+          </a:fontRef>
+        </p:style>
+      </p:cxnSp>
+      <p:cxnSp>
+        <p:nvCxnSpPr>
+          <p:cNvPr id="22" name="直線單箭頭接點 21">
+            <a:extLst>
+              <a:ext uri="{FF2B5EF4-FFF2-40B4-BE49-F238E27FC236}">
+                <a16:creationId xmlns:a16="http://schemas.microsoft.com/office/drawing/2014/main" id="{0B11183E-385A-48A5-A949-DA5F28887336}"/>
+              </a:ext>
+            </a:extLst>
+          </p:cNvPr>
+          <p:cNvCxnSpPr>
+            <a:stCxn id="4" idx="3"/>
+            <a:endCxn id="9" idx="1"/>
+          </p:cNvCxnSpPr>
+          <p:nvPr/>
+        </p:nvCxnSpPr>
+        <p:spPr>
+          <a:xfrm>
+            <a:off x="5296486" y="2081659"/>
+            <a:ext cx="334107" cy="0"/>
+          </a:xfrm>
+          <a:prstGeom prst="straightConnector1">
+            <a:avLst/>
+          </a:prstGeom>
+          <a:ln>
+            <a:solidFill>
+              <a:schemeClr val="tx1">
+                <a:lumMod val="40000"/>
+                <a:lumOff val="60000"/>
+              </a:schemeClr>
+            </a:solidFill>
+            <a:tailEnd type="triangle"/>
+          </a:ln>
+        </p:spPr>
+        <p:style>
+          <a:lnRef idx="1">
+            <a:schemeClr val="accent1"/>
+          </a:lnRef>
+          <a:fillRef idx="0">
+            <a:schemeClr val="accent1"/>
+          </a:fillRef>
+          <a:effectRef idx="0">
+            <a:schemeClr val="accent1"/>
+          </a:effectRef>
+          <a:fontRef idx="minor">
+            <a:schemeClr val="tx1"/>
+          </a:fontRef>
+        </p:style>
+      </p:cxnSp>
+      <p:cxnSp>
+        <p:nvCxnSpPr>
+          <p:cNvPr id="26" name="直線單箭頭接點 25">
+            <a:extLst>
+              <a:ext uri="{FF2B5EF4-FFF2-40B4-BE49-F238E27FC236}">
+                <a16:creationId xmlns:a16="http://schemas.microsoft.com/office/drawing/2014/main" id="{0E9A22BF-0D70-4B57-BD27-3045E8E3B46C}"/>
+              </a:ext>
+            </a:extLst>
+          </p:cNvPr>
+          <p:cNvCxnSpPr>
+            <a:cxnSpLocks/>
+            <a:endCxn id="6" idx="3"/>
+          </p:cNvCxnSpPr>
+          <p:nvPr/>
+        </p:nvCxnSpPr>
+        <p:spPr>
+          <a:xfrm flipH="1">
+            <a:off x="2131255" y="2364148"/>
+            <a:ext cx="457202" cy="592267"/>
+          </a:xfrm>
+          <a:prstGeom prst="straightConnector1">
+            <a:avLst/>
+          </a:prstGeom>
+          <a:ln>
+            <a:solidFill>
+              <a:schemeClr val="tx1">
+                <a:lumMod val="40000"/>
+                <a:lumOff val="60000"/>
+              </a:schemeClr>
+            </a:solidFill>
+            <a:tailEnd type="triangle"/>
+          </a:ln>
+        </p:spPr>
+        <p:style>
+          <a:lnRef idx="1">
+            <a:schemeClr val="accent1"/>
+          </a:lnRef>
+          <a:fillRef idx="0">
+            <a:schemeClr val="accent1"/>
+          </a:fillRef>
+          <a:effectRef idx="0">
+            <a:schemeClr val="accent1"/>
+          </a:effectRef>
+          <a:fontRef idx="minor">
+            <a:schemeClr val="tx1"/>
+          </a:fontRef>
+        </p:style>
+      </p:cxnSp>
+      <p:cxnSp>
+        <p:nvCxnSpPr>
+          <p:cNvPr id="28" name="直線單箭頭接點 27">
+            <a:extLst>
+              <a:ext uri="{FF2B5EF4-FFF2-40B4-BE49-F238E27FC236}">
+                <a16:creationId xmlns:a16="http://schemas.microsoft.com/office/drawing/2014/main" id="{AED3077C-40ED-4B4C-9C22-CC7992DEBB0B}"/>
+              </a:ext>
+            </a:extLst>
+          </p:cNvPr>
+          <p:cNvCxnSpPr>
+            <a:cxnSpLocks/>
+            <a:endCxn id="7" idx="3"/>
+          </p:cNvCxnSpPr>
+          <p:nvPr/>
+        </p:nvCxnSpPr>
+        <p:spPr>
+          <a:xfrm flipH="1">
+            <a:off x="2134773" y="2364148"/>
+            <a:ext cx="520504" cy="1446099"/>
+          </a:xfrm>
+          <a:prstGeom prst="straightConnector1">
+            <a:avLst/>
+          </a:prstGeom>
+          <a:ln>
+            <a:solidFill>
+              <a:schemeClr val="tx1">
+                <a:lumMod val="40000"/>
+                <a:lumOff val="60000"/>
+              </a:schemeClr>
+            </a:solidFill>
+            <a:tailEnd type="triangle"/>
+          </a:ln>
+        </p:spPr>
+        <p:style>
+          <a:lnRef idx="1">
+            <a:schemeClr val="accent1"/>
+          </a:lnRef>
+          <a:fillRef idx="0">
+            <a:schemeClr val="accent1"/>
+          </a:fillRef>
+          <a:effectRef idx="0">
+            <a:schemeClr val="accent1"/>
+          </a:effectRef>
+          <a:fontRef idx="minor">
+            <a:schemeClr val="tx1"/>
+          </a:fontRef>
+        </p:style>
+      </p:cxnSp>
+      <p:cxnSp>
+        <p:nvCxnSpPr>
+          <p:cNvPr id="30" name="直線單箭頭接點 29">
+            <a:extLst>
+              <a:ext uri="{FF2B5EF4-FFF2-40B4-BE49-F238E27FC236}">
+                <a16:creationId xmlns:a16="http://schemas.microsoft.com/office/drawing/2014/main" id="{AC125351-49AE-4082-834B-1D51697EBC5A}"/>
+              </a:ext>
+            </a:extLst>
+          </p:cNvPr>
+          <p:cNvCxnSpPr>
+            <a:cxnSpLocks/>
+            <a:endCxn id="14" idx="0"/>
+          </p:cNvCxnSpPr>
+          <p:nvPr/>
+        </p:nvCxnSpPr>
+        <p:spPr>
+          <a:xfrm>
+            <a:off x="6335737" y="2323632"/>
+            <a:ext cx="19342" cy="437674"/>
+          </a:xfrm>
+          <a:prstGeom prst="straightConnector1">
+            <a:avLst/>
+          </a:prstGeom>
+          <a:ln>
+            <a:solidFill>
+              <a:schemeClr val="tx1">
+                <a:lumMod val="40000"/>
+                <a:lumOff val="60000"/>
+              </a:schemeClr>
+            </a:solidFill>
+            <a:tailEnd type="triangle"/>
+          </a:ln>
+        </p:spPr>
+        <p:style>
+          <a:lnRef idx="1">
+            <a:schemeClr val="accent1"/>
+          </a:lnRef>
+          <a:fillRef idx="0">
+            <a:schemeClr val="accent1"/>
+          </a:fillRef>
+          <a:effectRef idx="0">
+            <a:schemeClr val="accent1"/>
+          </a:effectRef>
+          <a:fontRef idx="minor">
+            <a:schemeClr val="tx1"/>
+          </a:fontRef>
+        </p:style>
+      </p:cxnSp>
+      <p:cxnSp>
+        <p:nvCxnSpPr>
+          <p:cNvPr id="32" name="直線單箭頭接點 31">
+            <a:extLst>
+              <a:ext uri="{FF2B5EF4-FFF2-40B4-BE49-F238E27FC236}">
+                <a16:creationId xmlns:a16="http://schemas.microsoft.com/office/drawing/2014/main" id="{76E9E2A1-83D8-4223-A33A-36826FF55E1C}"/>
+              </a:ext>
+            </a:extLst>
+          </p:cNvPr>
+          <p:cNvCxnSpPr>
+            <a:cxnSpLocks/>
+            <a:endCxn id="10" idx="3"/>
+          </p:cNvCxnSpPr>
+          <p:nvPr/>
+        </p:nvCxnSpPr>
+        <p:spPr>
+          <a:xfrm flipH="1">
+            <a:off x="5207684" y="3061841"/>
+            <a:ext cx="418076" cy="217865"/>
+          </a:xfrm>
+          <a:prstGeom prst="straightConnector1">
+            <a:avLst/>
+          </a:prstGeom>
+          <a:ln>
+            <a:solidFill>
+              <a:schemeClr val="tx1">
+                <a:lumMod val="40000"/>
+                <a:lumOff val="60000"/>
+              </a:schemeClr>
+            </a:solidFill>
+            <a:tailEnd type="triangle"/>
+          </a:ln>
+        </p:spPr>
+        <p:style>
+          <a:lnRef idx="1">
+            <a:schemeClr val="accent1"/>
+          </a:lnRef>
+          <a:fillRef idx="0">
+            <a:schemeClr val="accent1"/>
+          </a:fillRef>
+          <a:effectRef idx="0">
+            <a:schemeClr val="accent1"/>
+          </a:effectRef>
+          <a:fontRef idx="minor">
+            <a:schemeClr val="tx1"/>
+          </a:fontRef>
+        </p:style>
+      </p:cxnSp>
+      <p:cxnSp>
+        <p:nvCxnSpPr>
+          <p:cNvPr id="34" name="直線單箭頭接點 33">
+            <a:extLst>
+              <a:ext uri="{FF2B5EF4-FFF2-40B4-BE49-F238E27FC236}">
+                <a16:creationId xmlns:a16="http://schemas.microsoft.com/office/drawing/2014/main" id="{8FE8154B-C686-43E1-B7A6-BD8079D01AF7}"/>
+              </a:ext>
+            </a:extLst>
+          </p:cNvPr>
+          <p:cNvCxnSpPr>
+            <a:cxnSpLocks/>
+            <a:endCxn id="12" idx="1"/>
+          </p:cNvCxnSpPr>
+          <p:nvPr/>
+        </p:nvCxnSpPr>
+        <p:spPr>
+          <a:xfrm>
+            <a:off x="7038902" y="3061841"/>
+            <a:ext cx="419612" cy="217865"/>
+          </a:xfrm>
+          <a:prstGeom prst="straightConnector1">
+            <a:avLst/>
+          </a:prstGeom>
+          <a:ln>
+            <a:solidFill>
+              <a:schemeClr val="tx1">
+                <a:lumMod val="40000"/>
+                <a:lumOff val="60000"/>
+              </a:schemeClr>
+            </a:solidFill>
+            <a:tailEnd type="triangle"/>
+          </a:ln>
+        </p:spPr>
+        <p:style>
+          <a:lnRef idx="1">
+            <a:schemeClr val="accent1"/>
+          </a:lnRef>
+          <a:fillRef idx="0">
+            <a:schemeClr val="accent1"/>
+          </a:fillRef>
+          <a:effectRef idx="0">
+            <a:schemeClr val="accent1"/>
+          </a:effectRef>
+          <a:fontRef idx="minor">
+            <a:schemeClr val="tx1"/>
+          </a:fontRef>
+        </p:style>
+      </p:cxnSp>
+      <p:cxnSp>
+        <p:nvCxnSpPr>
+          <p:cNvPr id="36" name="直線單箭頭接點 35">
+            <a:extLst>
+              <a:ext uri="{FF2B5EF4-FFF2-40B4-BE49-F238E27FC236}">
+                <a16:creationId xmlns:a16="http://schemas.microsoft.com/office/drawing/2014/main" id="{4D748F02-1B5E-4619-AA02-19D0542896AF}"/>
+              </a:ext>
+            </a:extLst>
+          </p:cNvPr>
+          <p:cNvCxnSpPr>
+            <a:cxnSpLocks/>
+            <a:endCxn id="13" idx="0"/>
+          </p:cNvCxnSpPr>
+          <p:nvPr/>
+        </p:nvCxnSpPr>
+        <p:spPr>
+          <a:xfrm>
+            <a:off x="8183000" y="3527222"/>
+            <a:ext cx="0" cy="312219"/>
+          </a:xfrm>
+          <a:prstGeom prst="straightConnector1">
+            <a:avLst/>
+          </a:prstGeom>
+          <a:ln>
+            <a:solidFill>
+              <a:schemeClr val="tx1">
+                <a:lumMod val="40000"/>
+                <a:lumOff val="60000"/>
+              </a:schemeClr>
+            </a:solidFill>
+            <a:tailEnd type="triangle"/>
+          </a:ln>
+        </p:spPr>
+        <p:style>
+          <a:lnRef idx="1">
+            <a:schemeClr val="accent1"/>
+          </a:lnRef>
+          <a:fillRef idx="0">
+            <a:schemeClr val="accent1"/>
+          </a:fillRef>
+          <a:effectRef idx="0">
+            <a:schemeClr val="accent1"/>
+          </a:effectRef>
+          <a:fontRef idx="minor">
+            <a:schemeClr val="tx1"/>
+          </a:fontRef>
+        </p:style>
+      </p:cxnSp>
+      <p:cxnSp>
+        <p:nvCxnSpPr>
+          <p:cNvPr id="38" name="直線單箭頭接點 37">
+            <a:extLst>
+              <a:ext uri="{FF2B5EF4-FFF2-40B4-BE49-F238E27FC236}">
+                <a16:creationId xmlns:a16="http://schemas.microsoft.com/office/drawing/2014/main" id="{E7A304C4-9B37-4488-9B97-2AEB1A63114C}"/>
+              </a:ext>
+            </a:extLst>
+          </p:cNvPr>
+          <p:cNvCxnSpPr/>
+          <p:nvPr/>
+        </p:nvCxnSpPr>
+        <p:spPr>
+          <a:xfrm flipV="1">
+            <a:off x="8154865" y="2518371"/>
+            <a:ext cx="0" cy="485870"/>
+          </a:xfrm>
+          <a:prstGeom prst="straightConnector1">
+            <a:avLst/>
+          </a:prstGeom>
+          <a:ln>
+            <a:solidFill>
+              <a:schemeClr val="tx1">
+                <a:lumMod val="40000"/>
+                <a:lumOff val="60000"/>
+              </a:schemeClr>
+            </a:solidFill>
+            <a:tailEnd type="triangle"/>
+          </a:ln>
+        </p:spPr>
+        <p:style>
+          <a:lnRef idx="1">
+            <a:schemeClr val="accent1"/>
+          </a:lnRef>
+          <a:fillRef idx="0">
+            <a:schemeClr val="accent1"/>
+          </a:fillRef>
+          <a:effectRef idx="0">
+            <a:schemeClr val="accent1"/>
+          </a:effectRef>
+          <a:fontRef idx="minor">
+            <a:schemeClr val="tx1"/>
+          </a:fontRef>
+        </p:style>
+      </p:cxnSp>
+      <p:cxnSp>
+        <p:nvCxnSpPr>
+          <p:cNvPr id="39" name="直線單箭頭接點 38">
+            <a:extLst>
+              <a:ext uri="{FF2B5EF4-FFF2-40B4-BE49-F238E27FC236}">
+                <a16:creationId xmlns:a16="http://schemas.microsoft.com/office/drawing/2014/main" id="{A9DAF7B3-8B19-453B-B6AB-B92BEE08F060}"/>
+              </a:ext>
+            </a:extLst>
+          </p:cNvPr>
+          <p:cNvCxnSpPr/>
+          <p:nvPr/>
+        </p:nvCxnSpPr>
+        <p:spPr>
+          <a:xfrm>
+            <a:off x="7104513" y="1077389"/>
+            <a:ext cx="334107" cy="0"/>
+          </a:xfrm>
+          <a:prstGeom prst="straightConnector1">
+            <a:avLst/>
+          </a:prstGeom>
+          <a:ln>
+            <a:solidFill>
+              <a:schemeClr val="tx1">
+                <a:lumMod val="40000"/>
+                <a:lumOff val="60000"/>
+              </a:schemeClr>
+            </a:solidFill>
+            <a:tailEnd type="triangle"/>
+          </a:ln>
+        </p:spPr>
+        <p:style>
+          <a:lnRef idx="1">
+            <a:schemeClr val="accent1"/>
+          </a:lnRef>
+          <a:fillRef idx="0">
+            <a:schemeClr val="accent1"/>
+          </a:fillRef>
+          <a:effectRef idx="0">
+            <a:schemeClr val="accent1"/>
+          </a:effectRef>
+          <a:fontRef idx="minor">
+            <a:schemeClr val="tx1"/>
+          </a:fontRef>
+        </p:style>
+      </p:cxnSp>
+      <p:cxnSp>
+        <p:nvCxnSpPr>
+          <p:cNvPr id="40" name="直線單箭頭接點 39">
+            <a:extLst>
+              <a:ext uri="{FF2B5EF4-FFF2-40B4-BE49-F238E27FC236}">
+                <a16:creationId xmlns:a16="http://schemas.microsoft.com/office/drawing/2014/main" id="{FD223B02-FB34-4E65-8EE4-B3FBE67C5EE9}"/>
+              </a:ext>
+            </a:extLst>
+          </p:cNvPr>
+          <p:cNvCxnSpPr>
+            <a:cxnSpLocks/>
+            <a:endCxn id="16" idx="2"/>
+          </p:cNvCxnSpPr>
+          <p:nvPr/>
+        </p:nvCxnSpPr>
+        <p:spPr>
+          <a:xfrm flipV="1">
+            <a:off x="8183000" y="1336589"/>
+            <a:ext cx="0" cy="659242"/>
+          </a:xfrm>
+          <a:prstGeom prst="straightConnector1">
+            <a:avLst/>
+          </a:prstGeom>
+          <a:ln>
+            <a:solidFill>
+              <a:schemeClr val="tx1">
+                <a:lumMod val="40000"/>
+                <a:lumOff val="60000"/>
+              </a:schemeClr>
+            </a:solidFill>
+            <a:tailEnd type="triangle"/>
+          </a:ln>
+        </p:spPr>
+        <p:style>
+          <a:lnRef idx="1">
+            <a:schemeClr val="accent1"/>
+          </a:lnRef>
+          <a:fillRef idx="0">
+            <a:schemeClr val="accent1"/>
+          </a:fillRef>
+          <a:effectRef idx="0">
+            <a:schemeClr val="accent1"/>
+          </a:effectRef>
+          <a:fontRef idx="minor">
+            <a:schemeClr val="tx1"/>
+          </a:fontRef>
+        </p:style>
+      </p:cxnSp>
+      <p:cxnSp>
+        <p:nvCxnSpPr>
+          <p:cNvPr id="43" name="直線單箭頭接點 42">
+            <a:extLst>
+              <a:ext uri="{FF2B5EF4-FFF2-40B4-BE49-F238E27FC236}">
+                <a16:creationId xmlns:a16="http://schemas.microsoft.com/office/drawing/2014/main" id="{CB367395-B4B9-4B77-AFF9-4965ADE32E3F}"/>
+              </a:ext>
+            </a:extLst>
+          </p:cNvPr>
+          <p:cNvCxnSpPr>
+            <a:cxnSpLocks/>
+          </p:cNvCxnSpPr>
+          <p:nvPr/>
+        </p:nvCxnSpPr>
+        <p:spPr>
+          <a:xfrm>
+            <a:off x="4518366" y="3538906"/>
+            <a:ext cx="0" cy="312219"/>
+          </a:xfrm>
+          <a:prstGeom prst="straightConnector1">
+            <a:avLst/>
+          </a:prstGeom>
+          <a:ln>
+            <a:solidFill>
+              <a:schemeClr val="tx1">
+                <a:lumMod val="40000"/>
+                <a:lumOff val="60000"/>
+              </a:schemeClr>
+            </a:solidFill>
+            <a:tailEnd type="triangle"/>
+          </a:ln>
+        </p:spPr>
+        <p:style>
+          <a:lnRef idx="1">
+            <a:schemeClr val="accent1"/>
+          </a:lnRef>
+          <a:fillRef idx="0">
+            <a:schemeClr val="accent1"/>
+          </a:fillRef>
+          <a:effectRef idx="0">
+            <a:schemeClr val="accent1"/>
+          </a:effectRef>
+          <a:fontRef idx="minor">
+            <a:schemeClr val="tx1"/>
+          </a:fontRef>
+        </p:style>
+      </p:cxnSp>
+      <p:sp>
+        <p:nvSpPr>
+          <p:cNvPr id="44" name="矩形: 圓角 43">
+            <a:extLst>
+              <a:ext uri="{FF2B5EF4-FFF2-40B4-BE49-F238E27FC236}">
+                <a16:creationId xmlns:a16="http://schemas.microsoft.com/office/drawing/2014/main" id="{5C4D501A-9112-4D73-A092-A2699AF77771}"/>
+              </a:ext>
+            </a:extLst>
+          </p:cNvPr>
+          <p:cNvSpPr/>
+          <p:nvPr/>
+        </p:nvSpPr>
+        <p:spPr>
+          <a:xfrm>
+            <a:off x="3758712" y="3839441"/>
+            <a:ext cx="1448972" cy="518400"/>
+          </a:xfrm>
+          <a:prstGeom prst="roundRect">
+            <a:avLst/>
+          </a:prstGeom>
+        </p:spPr>
+        <p:style>
+          <a:lnRef idx="2">
+            <a:schemeClr val="accent1">
+              <a:shade val="50000"/>
+            </a:schemeClr>
+          </a:lnRef>
+          <a:fillRef idx="1">
+            <a:schemeClr val="accent1"/>
+          </a:fillRef>
+          <a:effectRef idx="0">
+            <a:schemeClr val="accent1"/>
+          </a:effectRef>
+          <a:fontRef idx="minor">
+            <a:schemeClr val="lt1"/>
+          </a:fontRef>
+        </p:style>
+        <p:txBody>
+          <a:bodyPr rtlCol="0" anchor="ctr"/>
+          <a:lstStyle/>
+          <a:p>
+            <a:pPr algn="ctr"/>
+            <a:r>
+              <a:rPr lang="en-US" altLang="zh-TW" dirty="0"/>
+              <a:t>Performance Turning</a:t>
+            </a:r>
+            <a:endParaRPr lang="en-US" dirty="0"/>
+          </a:p>
+        </p:txBody>
+      </p:sp>
+      <p:cxnSp>
+        <p:nvCxnSpPr>
+          <p:cNvPr id="45" name="直線單箭頭接點 44">
+            <a:extLst>
+              <a:ext uri="{FF2B5EF4-FFF2-40B4-BE49-F238E27FC236}">
+                <a16:creationId xmlns:a16="http://schemas.microsoft.com/office/drawing/2014/main" id="{8C080C09-7EB0-4814-8637-F6E1AE9E2BEF}"/>
+              </a:ext>
+            </a:extLst>
+          </p:cNvPr>
+          <p:cNvCxnSpPr>
+            <a:cxnSpLocks/>
+          </p:cNvCxnSpPr>
+          <p:nvPr/>
+        </p:nvCxnSpPr>
+        <p:spPr>
+          <a:xfrm>
+            <a:off x="4518366" y="4357841"/>
+            <a:ext cx="0" cy="685427"/>
+          </a:xfrm>
+          <a:prstGeom prst="straightConnector1">
+            <a:avLst/>
+          </a:prstGeom>
+          <a:ln>
+            <a:solidFill>
+              <a:schemeClr val="tx1">
+                <a:lumMod val="40000"/>
+                <a:lumOff val="60000"/>
+              </a:schemeClr>
+            </a:solidFill>
+            <a:tailEnd type="triangle"/>
+          </a:ln>
+        </p:spPr>
+        <p:style>
+          <a:lnRef idx="1">
+            <a:schemeClr val="accent1"/>
+          </a:lnRef>
+          <a:fillRef idx="0">
+            <a:schemeClr val="accent1"/>
+          </a:fillRef>
+          <a:effectRef idx="0">
+            <a:schemeClr val="accent1"/>
+          </a:effectRef>
+          <a:fontRef idx="minor">
+            <a:schemeClr val="tx1"/>
+          </a:fontRef>
+        </p:style>
+      </p:cxnSp>
+    </p:spTree>
+    <p:extLst>
+      <p:ext uri="{BB962C8B-B14F-4D97-AF65-F5344CB8AC3E}">
+        <p14:creationId xmlns:p14="http://schemas.microsoft.com/office/powerpoint/2010/main" val="1374974996"/>
+      </p:ext>
+    </p:extLst>
+  </p:cSld>
+  <p:clrMapOvr>
+    <a:masterClrMapping/>
+  </p:clrMapOvr>
+</p:sld>
+</file>
+
+<file path=ppt/slides/slide17.xml><?xml version="1.0" encoding="utf-8"?>
+<p:sld xmlns:a="http://schemas.openxmlformats.org/drawingml/2006/main" xmlns:r="http://schemas.openxmlformats.org/officeDocument/2006/relationships" xmlns:p="http://schemas.openxmlformats.org/presentationml/2006/main">
+  <p:cSld>
+    <p:spTree>
+      <p:nvGrpSpPr>
+        <p:cNvPr id="1" name=""/>
+        <p:cNvGrpSpPr/>
+        <p:nvPr/>
+      </p:nvGrpSpPr>
+      <p:grpSpPr>
+        <a:xfrm>
+          <a:off x="0" y="0"/>
+          <a:ext cx="0" cy="0"/>
+          <a:chOff x="0" y="0"/>
+          <a:chExt cx="0" cy="0"/>
+        </a:xfrm>
+      </p:grpSpPr>
+      <p:sp>
+        <p:nvSpPr>
+          <p:cNvPr id="2" name="標題 1">
+            <a:extLst>
+              <a:ext uri="{FF2B5EF4-FFF2-40B4-BE49-F238E27FC236}">
+                <a16:creationId xmlns:a16="http://schemas.microsoft.com/office/drawing/2014/main" id="{C8FEBCE2-76BC-4FA4-A554-27A90A1D5DAE}"/>
+              </a:ext>
+            </a:extLst>
+          </p:cNvPr>
+          <p:cNvSpPr>
+            <a:spLocks noGrp="1"/>
+          </p:cNvSpPr>
+          <p:nvPr>
+            <p:ph type="title"/>
+          </p:nvPr>
+        </p:nvSpPr>
+        <p:spPr/>
+        <p:txBody>
+          <a:bodyPr/>
+          <a:lstStyle/>
+          <a:p>
+            <a:r>
+              <a:rPr lang="zh-TW" altLang="en-US" dirty="0"/>
+              <a:t>刻意練習</a:t>
             </a:r>
             <a:r>
               <a:rPr lang="en-US" altLang="zh-TW" dirty="0"/>
@@ -7382,11 +10472,19 @@
             </a:r>
             <a:r>
               <a:rPr lang="zh-TW" altLang="en-US" dirty="0"/>
-              <a:t>架構與價值的平衡</a:t>
+              <a:t>創造適合練習的環境 </a:t>
             </a:r>
             <a:r>
               <a:rPr lang="en-US" altLang="zh-TW" dirty="0"/>
-              <a:t>..</a:t>
+              <a:t>(</a:t>
+            </a:r>
+            <a:r>
+              <a:rPr lang="zh-TW" altLang="en-US" dirty="0"/>
+              <a:t>不要在正式環境練習</a:t>
+            </a:r>
+            <a:r>
+              <a:rPr lang="en-US" altLang="zh-TW" dirty="0"/>
+              <a:t>)</a:t>
             </a:r>
             <a:endParaRPr lang="en-US" dirty="0"/>
           </a:p>
@@ -7397,7 +10495,254 @@
           <p:cNvPr id="3" name="副標題 2">
             <a:extLst>
               <a:ext uri="{FF2B5EF4-FFF2-40B4-BE49-F238E27FC236}">
-                <a16:creationId xmlns:a16="http://schemas.microsoft.com/office/drawing/2014/main" id="{BBBF5B96-6581-40C9-A40E-99E4B52AB52A}"/>
+                <a16:creationId xmlns:a16="http://schemas.microsoft.com/office/drawing/2014/main" id="{698454ED-3269-4772-B17C-23C6A87055CB}"/>
+              </a:ext>
+            </a:extLst>
+          </p:cNvPr>
+          <p:cNvSpPr>
+            <a:spLocks noGrp="1"/>
+          </p:cNvSpPr>
+          <p:nvPr>
+            <p:ph type="subTitle" idx="1"/>
+          </p:nvPr>
+        </p:nvSpPr>
+        <p:spPr/>
+        <p:txBody>
+          <a:bodyPr/>
+          <a:lstStyle/>
+          <a:p>
+            <a:endParaRPr lang="en-US" dirty="0"/>
+          </a:p>
+          <a:p>
+            <a:pPr marL="342900" indent="-342900">
+              <a:buFont typeface="+mj-lt"/>
+              <a:buAutoNum type="arabicPeriod"/>
+            </a:pPr>
+            <a:r>
+              <a:rPr lang="zh-TW" altLang="en-US" dirty="0"/>
+              <a:t>用 </a:t>
+            </a:r>
+            <a:r>
+              <a:rPr lang="en-US" altLang="zh-TW" dirty="0"/>
+              <a:t>code </a:t>
+            </a:r>
+            <a:r>
+              <a:rPr lang="zh-TW" altLang="en-US" dirty="0"/>
+              <a:t>定義你的問題</a:t>
+            </a:r>
+            <a:br>
+              <a:rPr lang="en-US" altLang="zh-TW" dirty="0"/>
+            </a:br>
+            <a:endParaRPr lang="en-US" altLang="zh-TW" dirty="0"/>
+          </a:p>
+          <a:p>
+            <a:pPr marL="342900" indent="-342900">
+              <a:buFont typeface="+mj-lt"/>
+              <a:buAutoNum type="arabicPeriod"/>
+            </a:pPr>
+            <a:r>
+              <a:rPr lang="zh-TW" altLang="en-US" dirty="0"/>
+              <a:t>定義明確的評估指標</a:t>
+            </a:r>
+            <a:br>
+              <a:rPr lang="en-US" altLang="zh-TW" dirty="0"/>
+            </a:br>
+            <a:endParaRPr lang="en-US" altLang="zh-TW" dirty="0"/>
+          </a:p>
+          <a:p>
+            <a:pPr marL="342900" indent="-342900">
+              <a:buFont typeface="+mj-lt"/>
+              <a:buAutoNum type="arabicPeriod"/>
+            </a:pPr>
+            <a:r>
+              <a:rPr lang="zh-TW" altLang="en-US" dirty="0"/>
+              <a:t>將解決方案抽象化，先寫好主程式，跑完直接看指標</a:t>
+            </a:r>
+            <a:br>
+              <a:rPr lang="en-US" altLang="zh-TW" dirty="0"/>
+            </a:br>
+            <a:endParaRPr lang="en-US" altLang="zh-TW" dirty="0"/>
+          </a:p>
+          <a:p>
+            <a:pPr marL="342900" indent="-342900">
+              <a:buFont typeface="+mj-lt"/>
+              <a:buAutoNum type="arabicPeriod"/>
+            </a:pPr>
+            <a:r>
+              <a:rPr lang="zh-TW" altLang="en-US" dirty="0"/>
+              <a:t>開始寫第一個 </a:t>
+            </a:r>
+            <a:r>
+              <a:rPr lang="en-US" altLang="zh-TW" dirty="0"/>
+              <a:t>solution …</a:t>
+            </a:r>
+            <a:br>
+              <a:rPr lang="en-US" altLang="zh-TW" dirty="0"/>
+            </a:br>
+            <a:endParaRPr lang="en-US" altLang="zh-TW" dirty="0"/>
+          </a:p>
+          <a:p>
+            <a:pPr marL="342900" indent="-342900">
+              <a:buFont typeface="+mj-lt"/>
+              <a:buAutoNum type="arabicPeriod"/>
+            </a:pPr>
+            <a:r>
+              <a:rPr lang="zh-TW" altLang="en-US" dirty="0"/>
+              <a:t>不滿意</a:t>
+            </a:r>
+            <a:r>
+              <a:rPr lang="en-US" altLang="zh-TW" dirty="0"/>
+              <a:t>? </a:t>
+            </a:r>
+            <a:r>
+              <a:rPr lang="zh-TW" altLang="en-US" dirty="0"/>
+              <a:t>繼續寫第二個 </a:t>
+            </a:r>
+            <a:r>
+              <a:rPr lang="en-US" altLang="zh-TW" dirty="0"/>
+              <a:t>solution …</a:t>
+            </a:r>
+            <a:br>
+              <a:rPr lang="en-US" altLang="zh-TW" dirty="0"/>
+            </a:br>
+            <a:endParaRPr lang="en-US" altLang="zh-TW" dirty="0"/>
+          </a:p>
+          <a:p>
+            <a:pPr marL="342900" indent="-342900">
+              <a:buFont typeface="+mj-lt"/>
+              <a:buAutoNum type="arabicPeriod"/>
+            </a:pPr>
+            <a:r>
+              <a:rPr lang="en-US" dirty="0"/>
+              <a:t>…</a:t>
+            </a:r>
+            <a:br>
+              <a:rPr lang="en-US" dirty="0"/>
+            </a:br>
+            <a:endParaRPr lang="en-US" dirty="0"/>
+          </a:p>
+          <a:p>
+            <a:pPr marL="342900" indent="-342900">
+              <a:buFont typeface="+mj-lt"/>
+              <a:buAutoNum type="arabicPeriod"/>
+            </a:pPr>
+            <a:r>
+              <a:rPr lang="zh-TW" altLang="en-US" dirty="0"/>
+              <a:t>試著思考理想值 </a:t>
+            </a:r>
+            <a:r>
+              <a:rPr lang="en-US" altLang="zh-TW" dirty="0"/>
+              <a:t>(</a:t>
+            </a:r>
+            <a:r>
+              <a:rPr lang="zh-TW" altLang="en-US" dirty="0"/>
+              <a:t>天花板</a:t>
+            </a:r>
+            <a:r>
+              <a:rPr lang="en-US" altLang="zh-TW" dirty="0"/>
+              <a:t>) </a:t>
+            </a:r>
+            <a:r>
+              <a:rPr lang="zh-TW" altLang="en-US" dirty="0"/>
+              <a:t>還有多遠</a:t>
+            </a:r>
+            <a:r>
+              <a:rPr lang="en-US" altLang="zh-TW" dirty="0"/>
+              <a:t>?</a:t>
+            </a:r>
+            <a:br>
+              <a:rPr lang="en-US" altLang="zh-TW" dirty="0"/>
+            </a:br>
+            <a:endParaRPr lang="en-US" altLang="zh-TW" dirty="0"/>
+          </a:p>
+          <a:p>
+            <a:pPr marL="342900" indent="-342900">
+              <a:buFont typeface="+mj-lt"/>
+              <a:buAutoNum type="arabicPeriod"/>
+            </a:pPr>
+            <a:r>
+              <a:rPr lang="zh-TW" altLang="en-US" dirty="0"/>
+              <a:t>找志同道合的人一起練習</a:t>
+            </a:r>
+            <a:br>
+              <a:rPr lang="en-US" altLang="zh-TW" dirty="0"/>
+            </a:br>
+            <a:endParaRPr lang="en-US" altLang="zh-TW" dirty="0"/>
+          </a:p>
+          <a:p>
+            <a:pPr marL="342900" indent="-342900">
+              <a:buFont typeface="+mj-lt"/>
+              <a:buAutoNum type="arabicPeriod"/>
+            </a:pPr>
+            <a:r>
+              <a:rPr lang="zh-TW" altLang="en-US" dirty="0"/>
+              <a:t>整理、歸納、收斂</a:t>
+            </a:r>
+            <a:endParaRPr lang="en-US" dirty="0"/>
+          </a:p>
+        </p:txBody>
+      </p:sp>
+    </p:spTree>
+    <p:extLst>
+      <p:ext uri="{BB962C8B-B14F-4D97-AF65-F5344CB8AC3E}">
+        <p14:creationId xmlns:p14="http://schemas.microsoft.com/office/powerpoint/2010/main" val="1722633995"/>
+      </p:ext>
+    </p:extLst>
+  </p:cSld>
+  <p:clrMapOvr>
+    <a:masterClrMapping/>
+  </p:clrMapOvr>
+</p:sld>
+</file>
+
+<file path=ppt/slides/slide18.xml><?xml version="1.0" encoding="utf-8"?>
+<p:sld xmlns:a="http://schemas.openxmlformats.org/drawingml/2006/main" xmlns:r="http://schemas.openxmlformats.org/officeDocument/2006/relationships" xmlns:p="http://schemas.openxmlformats.org/presentationml/2006/main">
+  <p:cSld>
+    <p:spTree>
+      <p:nvGrpSpPr>
+        <p:cNvPr id="1" name=""/>
+        <p:cNvGrpSpPr/>
+        <p:nvPr/>
+      </p:nvGrpSpPr>
+      <p:grpSpPr>
+        <a:xfrm>
+          <a:off x="0" y="0"/>
+          <a:ext cx="0" cy="0"/>
+          <a:chOff x="0" y="0"/>
+          <a:chExt cx="0" cy="0"/>
+        </a:xfrm>
+      </p:grpSpPr>
+      <p:sp>
+        <p:nvSpPr>
+          <p:cNvPr id="2" name="標題 1">
+            <a:extLst>
+              <a:ext uri="{FF2B5EF4-FFF2-40B4-BE49-F238E27FC236}">
+                <a16:creationId xmlns:a16="http://schemas.microsoft.com/office/drawing/2014/main" id="{CF503B69-4981-47DF-8A48-C06BFC0518AE}"/>
+              </a:ext>
+            </a:extLst>
+          </p:cNvPr>
+          <p:cNvSpPr>
+            <a:spLocks noGrp="1"/>
+          </p:cNvSpPr>
+          <p:nvPr>
+            <p:ph type="title"/>
+          </p:nvPr>
+        </p:nvSpPr>
+        <p:spPr/>
+        <p:txBody>
+          <a:bodyPr/>
+          <a:lstStyle/>
+          <a:p>
+            <a:endParaRPr lang="en-US"/>
+          </a:p>
+        </p:txBody>
+      </p:sp>
+      <p:sp>
+        <p:nvSpPr>
+          <p:cNvPr id="3" name="副標題 2">
+            <a:extLst>
+              <a:ext uri="{FF2B5EF4-FFF2-40B4-BE49-F238E27FC236}">
+                <a16:creationId xmlns:a16="http://schemas.microsoft.com/office/drawing/2014/main" id="{66CFFB00-6E23-4AC9-BDA1-79F096DB799B}"/>
               </a:ext>
             </a:extLst>
           </p:cNvPr>
@@ -7417,10 +10762,95 @@
           </a:p>
         </p:txBody>
       </p:sp>
+      <p:sp>
+        <p:nvSpPr>
+          <p:cNvPr id="4" name="文字方塊 3">
+            <a:extLst>
+              <a:ext uri="{FF2B5EF4-FFF2-40B4-BE49-F238E27FC236}">
+                <a16:creationId xmlns:a16="http://schemas.microsoft.com/office/drawing/2014/main" id="{8B0071A9-559E-484C-B44A-75D78955939E}"/>
+              </a:ext>
+            </a:extLst>
+          </p:cNvPr>
+          <p:cNvSpPr txBox="1"/>
+          <p:nvPr/>
+        </p:nvSpPr>
+        <p:spPr>
+          <a:xfrm>
+            <a:off x="2039815" y="4754880"/>
+            <a:ext cx="5327099" cy="307777"/>
+          </a:xfrm>
+          <a:prstGeom prst="rect">
+            <a:avLst/>
+          </a:prstGeom>
+          <a:noFill/>
+        </p:spPr>
+        <p:txBody>
+          <a:bodyPr wrap="none" rtlCol="0">
+            <a:spAutoFit/>
+          </a:bodyPr>
+          <a:lstStyle/>
+          <a:p>
+            <a:r>
+              <a:rPr lang="en-US" dirty="0">
+                <a:solidFill>
+                  <a:schemeClr val="tx2">
+                    <a:lumMod val="65000"/>
+                  </a:schemeClr>
+                </a:solidFill>
+                <a:hlinkClick r:id="rId2">
+                  <a:extLst>
+                    <a:ext uri="{A12FA001-AC4F-418D-AE19-62706E023703}">
+                      <ahyp:hlinkClr xmlns:ahyp="http://schemas.microsoft.com/office/drawing/2018/hyperlinkcolor" val="tx"/>
+                    </a:ext>
+                  </a:extLst>
+                </a:hlinkClick>
+              </a:rPr>
+              <a:t>https://columns.chicken-house.net/2019/07/06/pipeline-practices/</a:t>
+            </a:r>
+            <a:endParaRPr lang="en-US" dirty="0">
+              <a:solidFill>
+                <a:schemeClr val="tx2">
+                  <a:lumMod val="65000"/>
+                </a:schemeClr>
+              </a:solidFill>
+            </a:endParaRPr>
+          </a:p>
+        </p:txBody>
+      </p:sp>
+      <p:pic>
+        <p:nvPicPr>
+          <p:cNvPr id="5" name="圖片 4">
+            <a:extLst>
+              <a:ext uri="{FF2B5EF4-FFF2-40B4-BE49-F238E27FC236}">
+                <a16:creationId xmlns:a16="http://schemas.microsoft.com/office/drawing/2014/main" id="{FA78CD81-16DB-42D1-8102-67FDDA0EB10D}"/>
+              </a:ext>
+            </a:extLst>
+          </p:cNvPr>
+          <p:cNvPicPr>
+            <a:picLocks noChangeAspect="1"/>
+          </p:cNvPicPr>
+          <p:nvPr/>
+        </p:nvPicPr>
+        <p:blipFill>
+          <a:blip r:embed="rId3"/>
+          <a:stretch>
+            <a:fillRect/>
+          </a:stretch>
+        </p:blipFill>
+        <p:spPr>
+          <a:xfrm>
+            <a:off x="879231" y="478728"/>
+            <a:ext cx="7385538" cy="4186044"/>
+          </a:xfrm>
+          <a:prstGeom prst="rect">
+            <a:avLst/>
+          </a:prstGeom>
+        </p:spPr>
+      </p:pic>
     </p:spTree>
     <p:extLst>
       <p:ext uri="{BB962C8B-B14F-4D97-AF65-F5344CB8AC3E}">
-        <p14:creationId xmlns:p14="http://schemas.microsoft.com/office/powerpoint/2010/main" val="3976612965"/>
+        <p14:creationId xmlns:p14="http://schemas.microsoft.com/office/powerpoint/2010/main" val="2608871479"/>
       </p:ext>
     </p:extLst>
   </p:cSld>
@@ -7430,7 +10860,7 @@
 </p:sld>
 </file>
 
-<file path=ppt/slides/slide17.xml><?xml version="1.0" encoding="utf-8"?>
+<file path=ppt/slides/slide19.xml><?xml version="1.0" encoding="utf-8"?>
 <p:sld xmlns:a="http://schemas.openxmlformats.org/drawingml/2006/main" xmlns:r="http://schemas.openxmlformats.org/officeDocument/2006/relationships" xmlns:p="http://schemas.openxmlformats.org/presentationml/2006/main">
   <p:cSld>
     <p:spTree>
@@ -7752,204 +11182,6 @@
   <p:cSld>
     <p:spTree>
       <p:nvGrpSpPr>
-        <p:cNvPr id="1" name="Shape 59"/>
-        <p:cNvGrpSpPr/>
-        <p:nvPr/>
-      </p:nvGrpSpPr>
-      <p:grpSpPr>
-        <a:xfrm>
-          <a:off x="0" y="0"/>
-          <a:ext cx="0" cy="0"/>
-          <a:chOff x="0" y="0"/>
-          <a:chExt cx="0" cy="0"/>
-        </a:xfrm>
-      </p:grpSpPr>
-      <p:sp>
-        <p:nvSpPr>
-          <p:cNvPr id="60" name="Google Shape;60;p3"/>
-          <p:cNvSpPr txBox="1">
-            <a:spLocks noGrp="1"/>
-          </p:cNvSpPr>
-          <p:nvPr>
-            <p:ph type="title"/>
-          </p:nvPr>
-        </p:nvSpPr>
-        <p:spPr>
-          <a:xfrm>
-            <a:off x="120125" y="109875"/>
-            <a:ext cx="7747800" cy="518400"/>
-          </a:xfrm>
-          <a:prstGeom prst="rect">
-            <a:avLst/>
-          </a:prstGeom>
-          <a:noFill/>
-          <a:ln>
-            <a:noFill/>
-          </a:ln>
-        </p:spPr>
-        <p:txBody>
-          <a:bodyPr spcFirstLastPara="1" wrap="square" lIns="91425" tIns="91425" rIns="91425" bIns="91425" anchor="t" anchorCtr="0">
-            <a:noAutofit/>
-          </a:bodyPr>
-          <a:lstStyle/>
-          <a:p>
-            <a:pPr marL="0" lvl="0" indent="0" algn="l" rtl="0">
-              <a:lnSpc>
-                <a:spcPct val="100000"/>
-              </a:lnSpc>
-              <a:spcBef>
-                <a:spcPts val="0"/>
-              </a:spcBef>
-              <a:spcAft>
-                <a:spcPts val="0"/>
-              </a:spcAft>
-              <a:buSzPts val="2000"/>
-              <a:buNone/>
-            </a:pPr>
-            <a:r>
-              <a:rPr lang="zh-TW" altLang="en-US" dirty="0">
-                <a:latin typeface="微軟正黑體" panose="020B0604030504040204" pitchFamily="34" charset="-120"/>
-                <a:ea typeface="微軟正黑體" panose="020B0604030504040204" pitchFamily="34" charset="-120"/>
-              </a:rPr>
-              <a:t>安德魯是誰</a:t>
-            </a:r>
-            <a:r>
-              <a:rPr lang="en-US" altLang="zh-TW" dirty="0">
-                <a:latin typeface="微軟正黑體" panose="020B0604030504040204" pitchFamily="34" charset="-120"/>
-                <a:ea typeface="微軟正黑體" panose="020B0604030504040204" pitchFamily="34" charset="-120"/>
-              </a:rPr>
-              <a:t>?</a:t>
-            </a:r>
-            <a:endParaRPr dirty="0">
-              <a:latin typeface="微軟正黑體" panose="020B0604030504040204" pitchFamily="34" charset="-120"/>
-              <a:ea typeface="微軟正黑體" panose="020B0604030504040204" pitchFamily="34" charset="-120"/>
-            </a:endParaRPr>
-          </a:p>
-        </p:txBody>
-      </p:sp>
-      <p:sp>
-        <p:nvSpPr>
-          <p:cNvPr id="61" name="Google Shape;61;p3"/>
-          <p:cNvSpPr txBox="1">
-            <a:spLocks noGrp="1"/>
-          </p:cNvSpPr>
-          <p:nvPr>
-            <p:ph type="subTitle" idx="1"/>
-          </p:nvPr>
-        </p:nvSpPr>
-        <p:spPr>
-          <a:xfrm>
-            <a:off x="120125" y="631700"/>
-            <a:ext cx="8864400" cy="3486300"/>
-          </a:xfrm>
-          <a:prstGeom prst="rect">
-            <a:avLst/>
-          </a:prstGeom>
-          <a:noFill/>
-          <a:ln>
-            <a:noFill/>
-          </a:ln>
-        </p:spPr>
-        <p:txBody>
-          <a:bodyPr spcFirstLastPara="1" wrap="square" lIns="91425" tIns="91425" rIns="91425" bIns="91425" anchor="t" anchorCtr="0">
-            <a:noAutofit/>
-          </a:bodyPr>
-          <a:lstStyle/>
-          <a:p>
-            <a:pPr marL="0" lvl="0" indent="0" algn="l" rtl="0">
-              <a:lnSpc>
-                <a:spcPct val="100000"/>
-              </a:lnSpc>
-              <a:spcBef>
-                <a:spcPts val="0"/>
-              </a:spcBef>
-              <a:spcAft>
-                <a:spcPts val="0"/>
-              </a:spcAft>
-              <a:buSzPts val="1000"/>
-              <a:buNone/>
-            </a:pPr>
-            <a:endParaRPr sz="1600" dirty="0">
-              <a:latin typeface="Microsoft JhengHei"/>
-              <a:ea typeface="Microsoft JhengHei"/>
-              <a:cs typeface="Microsoft JhengHei"/>
-              <a:sym typeface="Microsoft JhengHei"/>
-            </a:endParaRPr>
-          </a:p>
-        </p:txBody>
-      </p:sp>
-      <p:sp>
-        <p:nvSpPr>
-          <p:cNvPr id="2" name="文字方塊 1">
-            <a:extLst>
-              <a:ext uri="{FF2B5EF4-FFF2-40B4-BE49-F238E27FC236}">
-                <a16:creationId xmlns:a16="http://schemas.microsoft.com/office/drawing/2014/main" id="{1BC84B3C-4521-495D-B053-605816663F5E}"/>
-              </a:ext>
-            </a:extLst>
-          </p:cNvPr>
-          <p:cNvSpPr txBox="1"/>
-          <p:nvPr/>
-        </p:nvSpPr>
-        <p:spPr>
-          <a:xfrm>
-            <a:off x="5706841" y="4835723"/>
-            <a:ext cx="3437159" cy="307777"/>
-          </a:xfrm>
-          <a:prstGeom prst="rect">
-            <a:avLst/>
-          </a:prstGeom>
-          <a:noFill/>
-        </p:spPr>
-        <p:txBody>
-          <a:bodyPr wrap="none" rtlCol="0">
-            <a:spAutoFit/>
-          </a:bodyPr>
-          <a:lstStyle/>
-          <a:p>
-            <a:r>
-              <a:rPr lang="en-US" dirty="0">
-                <a:solidFill>
-                  <a:schemeClr val="tx2">
-                    <a:lumMod val="50000"/>
-                  </a:schemeClr>
-                </a:solidFill>
-                <a:latin typeface="Arial" panose="020B0604020202020204" pitchFamily="34" charset="0"/>
-                <a:cs typeface="Arial" panose="020B0604020202020204" pitchFamily="34" charset="0"/>
-                <a:hlinkClick r:id="rId3">
-                  <a:extLst>
-                    <a:ext uri="{A12FA001-AC4F-418D-AE19-62706E023703}">
-                      <ahyp:hlinkClr xmlns:ahyp="http://schemas.microsoft.com/office/drawing/2018/hyperlinkcolor" val="tx"/>
-                    </a:ext>
-                  </a:extLst>
-                </a:hlinkClick>
-              </a:rPr>
-              <a:t>https://columns.chicken-house.net/about/</a:t>
-            </a:r>
-            <a:endParaRPr lang="en-US" dirty="0">
-              <a:solidFill>
-                <a:schemeClr val="tx2">
-                  <a:lumMod val="50000"/>
-                </a:schemeClr>
-              </a:solidFill>
-              <a:latin typeface="Arial" panose="020B0604020202020204" pitchFamily="34" charset="0"/>
-              <a:cs typeface="Arial" panose="020B0604020202020204" pitchFamily="34" charset="0"/>
-            </a:endParaRPr>
-          </a:p>
-        </p:txBody>
-      </p:sp>
-    </p:spTree>
-  </p:cSld>
-  <p:clrMapOvr>
-    <a:masterClrMapping/>
-  </p:clrMapOvr>
-</p:sld>
-</file>
-
-<file path=ppt/slides/slide4.xml><?xml version="1.0" encoding="utf-8"?>
-<p:sld xmlns:a="http://schemas.openxmlformats.org/drawingml/2006/main" xmlns:r="http://schemas.openxmlformats.org/officeDocument/2006/relationships" xmlns:p="http://schemas.openxmlformats.org/presentationml/2006/main">
-  <p:cSld>
-    <p:spTree>
-      <p:nvGrpSpPr>
         <p:cNvPr id="1" name="Shape 54"/>
         <p:cNvGrpSpPr/>
         <p:nvPr/>
@@ -8040,7 +11272,7 @@
 </p:sld>
 </file>
 
-<file path=ppt/slides/slide5.xml><?xml version="1.0" encoding="utf-8"?>
+<file path=ppt/slides/slide4.xml><?xml version="1.0" encoding="utf-8"?>
 <p:sld xmlns:a="http://schemas.openxmlformats.org/drawingml/2006/main" xmlns:r="http://schemas.openxmlformats.org/officeDocument/2006/relationships" xmlns:p="http://schemas.openxmlformats.org/presentationml/2006/main">
   <p:cSld>
     <p:spTree>
@@ -8167,7 +11399,7 @@
 </p:sld>
 </file>
 
-<file path=ppt/slides/slide6.xml><?xml version="1.0" encoding="utf-8"?>
+<file path=ppt/slides/slide5.xml><?xml version="1.0" encoding="utf-8"?>
 <p:sld xmlns:a="http://schemas.openxmlformats.org/drawingml/2006/main" xmlns:r="http://schemas.openxmlformats.org/officeDocument/2006/relationships" xmlns:p="http://schemas.openxmlformats.org/presentationml/2006/main">
   <p:cSld>
     <p:spTree>
@@ -8205,7 +11437,66 @@
           <a:bodyPr/>
           <a:lstStyle/>
           <a:p>
-            <a:endParaRPr lang="en-US"/>
+            <a:r>
+              <a:rPr lang="zh-TW" altLang="en-US" b="1" dirty="0">
+                <a:solidFill>
+                  <a:srgbClr val="212121"/>
+                </a:solidFill>
+                <a:effectLst/>
+                <a:latin typeface="Playfair Display"/>
+              </a:rPr>
+              <a:t>教你成為 </a:t>
+            </a:r>
+            <a:r>
+              <a:rPr lang="en-US" b="1" dirty="0">
+                <a:solidFill>
+                  <a:srgbClr val="212121"/>
+                </a:solidFill>
+                <a:effectLst/>
+                <a:latin typeface="Playfair Display"/>
+              </a:rPr>
+              <a:t>IT </a:t>
+            </a:r>
+            <a:r>
+              <a:rPr lang="zh-TW" altLang="en-US" b="1" dirty="0">
+                <a:solidFill>
+                  <a:srgbClr val="212121"/>
+                </a:solidFill>
+                <a:effectLst/>
+                <a:latin typeface="Playfair Display"/>
+              </a:rPr>
+              <a:t>界的德魯伊</a:t>
+            </a:r>
+            <a:r>
+              <a:rPr lang="en-US" altLang="zh-TW" b="1" dirty="0">
+                <a:solidFill>
+                  <a:srgbClr val="212121"/>
+                </a:solidFill>
+                <a:effectLst/>
+                <a:latin typeface="Playfair Display"/>
+              </a:rPr>
+              <a:t>: </a:t>
+            </a:r>
+            <a:r>
+              <a:rPr lang="zh-TW" altLang="en-US" b="1" dirty="0">
+                <a:solidFill>
+                  <a:srgbClr val="212121"/>
+                </a:solidFill>
+                <a:effectLst/>
+                <a:latin typeface="Playfair Display"/>
+              </a:rPr>
+              <a:t>曹祖聖</a:t>
+            </a:r>
+            <a:br>
+              <a:rPr lang="zh-TW" altLang="en-US" b="1" dirty="0">
+                <a:solidFill>
+                  <a:srgbClr val="212121"/>
+                </a:solidFill>
+                <a:effectLst/>
+                <a:latin typeface="Playfair Display"/>
+              </a:rPr>
+            </a:br>
+            <a:endParaRPr lang="en-US" dirty="0"/>
           </a:p>
         </p:txBody>
       </p:sp>
@@ -8341,7 +11632,7 @@
 </p:sld>
 </file>
 
-<file path=ppt/slides/slide7.xml><?xml version="1.0" encoding="utf-8"?>
+<file path=ppt/slides/slide6.xml><?xml version="1.0" encoding="utf-8"?>
 <p:sld xmlns:a="http://schemas.openxmlformats.org/drawingml/2006/main" xmlns:r="http://schemas.openxmlformats.org/officeDocument/2006/relationships" xmlns:p="http://schemas.openxmlformats.org/presentationml/2006/main">
   <p:cSld>
     <p:spTree>
@@ -8631,7 +11922,337 @@
 </p:sld>
 </file>
 
+<file path=ppt/slides/slide7.xml><?xml version="1.0" encoding="utf-8"?>
+<p:sld xmlns:a="http://schemas.openxmlformats.org/drawingml/2006/main" xmlns:r="http://schemas.openxmlformats.org/officeDocument/2006/relationships" xmlns:p="http://schemas.openxmlformats.org/presentationml/2006/main">
+  <p:cSld>
+    <p:spTree>
+      <p:nvGrpSpPr>
+        <p:cNvPr id="1" name=""/>
+        <p:cNvGrpSpPr/>
+        <p:nvPr/>
+      </p:nvGrpSpPr>
+      <p:grpSpPr>
+        <a:xfrm>
+          <a:off x="0" y="0"/>
+          <a:ext cx="0" cy="0"/>
+          <a:chOff x="0" y="0"/>
+          <a:chExt cx="0" cy="0"/>
+        </a:xfrm>
+      </p:grpSpPr>
+      <p:sp>
+        <p:nvSpPr>
+          <p:cNvPr id="2" name="標題 1">
+            <a:extLst>
+              <a:ext uri="{FF2B5EF4-FFF2-40B4-BE49-F238E27FC236}">
+                <a16:creationId xmlns:a16="http://schemas.microsoft.com/office/drawing/2014/main" id="{98A254AE-C97D-4EE9-8F73-082AF7B9A941}"/>
+              </a:ext>
+            </a:extLst>
+          </p:cNvPr>
+          <p:cNvSpPr>
+            <a:spLocks noGrp="1"/>
+          </p:cNvSpPr>
+          <p:nvPr>
+            <p:ph type="title"/>
+          </p:nvPr>
+        </p:nvSpPr>
+        <p:spPr/>
+        <p:txBody>
+          <a:bodyPr/>
+          <a:lstStyle/>
+          <a:p>
+            <a:r>
+              <a:rPr lang="zh-TW" altLang="en-US" dirty="0"/>
+              <a:t>怎麼做才能把你的知識串聯起來</a:t>
+            </a:r>
+            <a:r>
+              <a:rPr lang="en-US" altLang="zh-TW" dirty="0"/>
+              <a:t>?</a:t>
+            </a:r>
+            <a:endParaRPr lang="en-US" dirty="0"/>
+          </a:p>
+        </p:txBody>
+      </p:sp>
+      <p:sp>
+        <p:nvSpPr>
+          <p:cNvPr id="3" name="副標題 2">
+            <a:extLst>
+              <a:ext uri="{FF2B5EF4-FFF2-40B4-BE49-F238E27FC236}">
+                <a16:creationId xmlns:a16="http://schemas.microsoft.com/office/drawing/2014/main" id="{37E6D151-A39E-4F19-9BE9-3E2229459802}"/>
+              </a:ext>
+            </a:extLst>
+          </p:cNvPr>
+          <p:cNvSpPr>
+            <a:spLocks noGrp="1"/>
+          </p:cNvSpPr>
+          <p:nvPr>
+            <p:ph type="subTitle" idx="1"/>
+          </p:nvPr>
+        </p:nvSpPr>
+        <p:spPr>
+          <a:xfrm>
+            <a:off x="120130" y="631700"/>
+            <a:ext cx="8864400" cy="3602370"/>
+          </a:xfrm>
+        </p:spPr>
+        <p:txBody>
+          <a:bodyPr/>
+          <a:lstStyle/>
+          <a:p>
+            <a:endParaRPr lang="en-US" altLang="zh-TW" sz="1400" dirty="0"/>
+          </a:p>
+          <a:p>
+            <a:pPr marL="342900" indent="-342900">
+              <a:buAutoNum type="arabicPeriod"/>
+            </a:pPr>
+            <a:r>
+              <a:rPr lang="zh-TW" altLang="en-US" sz="1400" dirty="0"/>
+              <a:t>打好基礎 </a:t>
+            </a:r>
+            <a:br>
+              <a:rPr lang="en-US" altLang="zh-TW" sz="1400" dirty="0"/>
+            </a:br>
+            <a:endParaRPr lang="en-US" altLang="zh-TW" sz="1400" dirty="0"/>
+          </a:p>
+          <a:p>
+            <a:pPr marL="342900" indent="-342900">
+              <a:buAutoNum type="arabicPeriod"/>
+            </a:pPr>
+            <a:r>
+              <a:rPr lang="zh-TW" altLang="en-US" sz="1400" dirty="0"/>
+              <a:t>至少熟悉一套語言或是開發工具</a:t>
+            </a:r>
+            <a:br>
+              <a:rPr lang="en-US" altLang="zh-TW" sz="1400" dirty="0"/>
+            </a:br>
+            <a:endParaRPr lang="en-US" altLang="zh-TW" sz="1400" dirty="0"/>
+          </a:p>
+          <a:p>
+            <a:pPr marL="342900" indent="-342900">
+              <a:buAutoNum type="arabicPeriod"/>
+            </a:pPr>
+            <a:r>
+              <a:rPr lang="zh-TW" altLang="en-US" sz="1400" dirty="0"/>
+              <a:t>別不求甚解</a:t>
+            </a:r>
+            <a:r>
+              <a:rPr lang="zh-TW" altLang="en-US" dirty="0"/>
+              <a:t>，刻意發現；刻意練習</a:t>
+            </a:r>
+            <a:br>
+              <a:rPr lang="en-US" altLang="zh-TW" dirty="0"/>
+            </a:br>
+            <a:endParaRPr lang="en-US" altLang="zh-TW" dirty="0"/>
+          </a:p>
+        </p:txBody>
+      </p:sp>
+    </p:spTree>
+    <p:extLst>
+      <p:ext uri="{BB962C8B-B14F-4D97-AF65-F5344CB8AC3E}">
+        <p14:creationId xmlns:p14="http://schemas.microsoft.com/office/powerpoint/2010/main" val="2772303128"/>
+      </p:ext>
+    </p:extLst>
+  </p:cSld>
+  <p:clrMapOvr>
+    <a:masterClrMapping/>
+  </p:clrMapOvr>
+</p:sld>
+</file>
+
 <file path=ppt/slides/slide8.xml><?xml version="1.0" encoding="utf-8"?>
+<p:sld xmlns:a="http://schemas.openxmlformats.org/drawingml/2006/main" xmlns:r="http://schemas.openxmlformats.org/officeDocument/2006/relationships" xmlns:p="http://schemas.openxmlformats.org/presentationml/2006/main">
+  <p:cSld>
+    <p:spTree>
+      <p:nvGrpSpPr>
+        <p:cNvPr id="1" name=""/>
+        <p:cNvGrpSpPr/>
+        <p:nvPr/>
+      </p:nvGrpSpPr>
+      <p:grpSpPr>
+        <a:xfrm>
+          <a:off x="0" y="0"/>
+          <a:ext cx="0" cy="0"/>
+          <a:chOff x="0" y="0"/>
+          <a:chExt cx="0" cy="0"/>
+        </a:xfrm>
+      </p:grpSpPr>
+      <p:sp>
+        <p:nvSpPr>
+          <p:cNvPr id="2" name="標題 1">
+            <a:extLst>
+              <a:ext uri="{FF2B5EF4-FFF2-40B4-BE49-F238E27FC236}">
+                <a16:creationId xmlns:a16="http://schemas.microsoft.com/office/drawing/2014/main" id="{760A7087-6A5B-45DA-829F-59D49C7B9A43}"/>
+              </a:ext>
+            </a:extLst>
+          </p:cNvPr>
+          <p:cNvSpPr>
+            <a:spLocks noGrp="1"/>
+          </p:cNvSpPr>
+          <p:nvPr>
+            <p:ph type="title"/>
+          </p:nvPr>
+        </p:nvSpPr>
+        <p:spPr/>
+        <p:txBody>
+          <a:bodyPr/>
+          <a:lstStyle/>
+          <a:p>
+            <a:r>
+              <a:rPr lang="zh-TW" altLang="en-US" dirty="0"/>
+              <a:t>刻意發現 </a:t>
+            </a:r>
+            <a:r>
+              <a:rPr lang="en-US" dirty="0"/>
+              <a:t>Deliberate Discovery – </a:t>
+            </a:r>
+            <a:r>
+              <a:rPr lang="en-US" altLang="zh-TW" dirty="0"/>
+              <a:t>Ruddy Lee</a:t>
+            </a:r>
+            <a:endParaRPr lang="en-US" dirty="0"/>
+          </a:p>
+        </p:txBody>
+      </p:sp>
+      <p:sp>
+        <p:nvSpPr>
+          <p:cNvPr id="3" name="副標題 2">
+            <a:extLst>
+              <a:ext uri="{FF2B5EF4-FFF2-40B4-BE49-F238E27FC236}">
+                <a16:creationId xmlns:a16="http://schemas.microsoft.com/office/drawing/2014/main" id="{4F3FECBA-C422-4C0A-B2BD-F57862D07943}"/>
+              </a:ext>
+            </a:extLst>
+          </p:cNvPr>
+          <p:cNvSpPr>
+            <a:spLocks noGrp="1"/>
+          </p:cNvSpPr>
+          <p:nvPr>
+            <p:ph type="subTitle" idx="1"/>
+          </p:nvPr>
+        </p:nvSpPr>
+        <p:spPr/>
+        <p:txBody>
+          <a:bodyPr/>
+          <a:lstStyle/>
+          <a:p>
+            <a:endParaRPr lang="en-US"/>
+          </a:p>
+        </p:txBody>
+      </p:sp>
+      <p:sp>
+        <p:nvSpPr>
+          <p:cNvPr id="4" name="文字方塊 3">
+            <a:extLst>
+              <a:ext uri="{FF2B5EF4-FFF2-40B4-BE49-F238E27FC236}">
+                <a16:creationId xmlns:a16="http://schemas.microsoft.com/office/drawing/2014/main" id="{9023B448-AFB5-4A03-8267-1BDAEEA0E391}"/>
+              </a:ext>
+            </a:extLst>
+          </p:cNvPr>
+          <p:cNvSpPr txBox="1"/>
+          <p:nvPr/>
+        </p:nvSpPr>
+        <p:spPr>
+          <a:xfrm>
+            <a:off x="0" y="4651512"/>
+            <a:ext cx="9674443" cy="307777"/>
+          </a:xfrm>
+          <a:prstGeom prst="rect">
+            <a:avLst/>
+          </a:prstGeom>
+          <a:noFill/>
+        </p:spPr>
+        <p:txBody>
+          <a:bodyPr wrap="none" rtlCol="0">
+            <a:spAutoFit/>
+          </a:bodyPr>
+          <a:lstStyle/>
+          <a:p>
+            <a:r>
+              <a:rPr lang="en-US" dirty="0">
+                <a:solidFill>
+                  <a:schemeClr val="tx2">
+                    <a:lumMod val="65000"/>
+                  </a:schemeClr>
+                </a:solidFill>
+                <a:hlinkClick r:id="rId2">
+                  <a:extLst>
+                    <a:ext uri="{A12FA001-AC4F-418D-AE19-62706E023703}">
+                      <ahyp:hlinkClr xmlns:ahyp="http://schemas.microsoft.com/office/drawing/2018/hyperlinkcolor" val="tx"/>
+                    </a:ext>
+                  </a:extLst>
+                </a:hlinkClick>
+              </a:rPr>
+              <a:t>https://ruddyblog.wordpress.com/2020/08/04/%e5%88%bb%e6%84%8f%e7%99%bc%e7%8f%be-deliberate-discovery/</a:t>
+            </a:r>
+            <a:endParaRPr lang="en-US" dirty="0">
+              <a:solidFill>
+                <a:schemeClr val="tx2">
+                  <a:lumMod val="65000"/>
+                </a:schemeClr>
+              </a:solidFill>
+            </a:endParaRPr>
+          </a:p>
+        </p:txBody>
+      </p:sp>
+      <p:pic>
+        <p:nvPicPr>
+          <p:cNvPr id="1026" name="Picture 2" descr="0022">
+            <a:extLst>
+              <a:ext uri="{FF2B5EF4-FFF2-40B4-BE49-F238E27FC236}">
+                <a16:creationId xmlns:a16="http://schemas.microsoft.com/office/drawing/2014/main" id="{B3DC6291-560B-430B-B44F-D2FDEC2F9E77}"/>
+              </a:ext>
+            </a:extLst>
+          </p:cNvPr>
+          <p:cNvPicPr>
+            <a:picLocks noChangeAspect="1" noChangeArrowheads="1"/>
+          </p:cNvPicPr>
+          <p:nvPr/>
+        </p:nvPicPr>
+        <p:blipFill>
+          <a:blip r:embed="rId3">
+            <a:extLst>
+              <a:ext uri="{28A0092B-C50C-407E-A947-70E740481C1C}">
+                <a14:useLocalDpi xmlns:a14="http://schemas.microsoft.com/office/drawing/2010/main" val="0"/>
+              </a:ext>
+            </a:extLst>
+          </a:blip>
+          <a:srcRect/>
+          <a:stretch>
+            <a:fillRect/>
+          </a:stretch>
+        </p:blipFill>
+        <p:spPr bwMode="auto">
+          <a:xfrm>
+            <a:off x="1123665" y="631701"/>
+            <a:ext cx="6896672" cy="3880100"/>
+          </a:xfrm>
+          <a:prstGeom prst="rect">
+            <a:avLst/>
+          </a:prstGeom>
+          <a:noFill/>
+          <a:extLst>
+            <a:ext uri="{909E8E84-426E-40DD-AFC4-6F175D3DCCD1}">
+              <a14:hiddenFill xmlns:a14="http://schemas.microsoft.com/office/drawing/2010/main">
+                <a:solidFill>
+                  <a:srgbClr val="FFFFFF"/>
+                </a:solidFill>
+              </a14:hiddenFill>
+            </a:ext>
+          </a:extLst>
+        </p:spPr>
+      </p:pic>
+    </p:spTree>
+    <p:extLst>
+      <p:ext uri="{BB962C8B-B14F-4D97-AF65-F5344CB8AC3E}">
+        <p14:creationId xmlns:p14="http://schemas.microsoft.com/office/powerpoint/2010/main" val="3387723908"/>
+      </p:ext>
+    </p:extLst>
+  </p:cSld>
+  <p:clrMapOvr>
+    <a:masterClrMapping/>
+  </p:clrMapOvr>
+</p:sld>
+</file>
+
+<file path=ppt/slides/slide9.xml><?xml version="1.0" encoding="utf-8"?>
 <p:sld xmlns:a="http://schemas.openxmlformats.org/drawingml/2006/main" xmlns:r="http://schemas.openxmlformats.org/officeDocument/2006/relationships" xmlns:p="http://schemas.openxmlformats.org/presentationml/2006/main">
   <p:cSld>
     <p:spTree>
@@ -8740,94 +12361,6 @@
     <p:extLst>
       <p:ext uri="{BB962C8B-B14F-4D97-AF65-F5344CB8AC3E}">
         <p14:creationId xmlns:p14="http://schemas.microsoft.com/office/powerpoint/2010/main" val="2642451573"/>
-      </p:ext>
-    </p:extLst>
-  </p:cSld>
-  <p:clrMapOvr>
-    <a:masterClrMapping/>
-  </p:clrMapOvr>
-</p:sld>
-</file>
-
-<file path=ppt/slides/slide9.xml><?xml version="1.0" encoding="utf-8"?>
-<p:sld xmlns:a="http://schemas.openxmlformats.org/drawingml/2006/main" xmlns:r="http://schemas.openxmlformats.org/officeDocument/2006/relationships" xmlns:p="http://schemas.openxmlformats.org/presentationml/2006/main">
-  <p:cSld>
-    <p:spTree>
-      <p:nvGrpSpPr>
-        <p:cNvPr id="1" name=""/>
-        <p:cNvGrpSpPr/>
-        <p:nvPr/>
-      </p:nvGrpSpPr>
-      <p:grpSpPr>
-        <a:xfrm>
-          <a:off x="0" y="0"/>
-          <a:ext cx="0" cy="0"/>
-          <a:chOff x="0" y="0"/>
-          <a:chExt cx="0" cy="0"/>
-        </a:xfrm>
-      </p:grpSpPr>
-      <p:sp>
-        <p:nvSpPr>
-          <p:cNvPr id="2" name="標題 1">
-            <a:extLst>
-              <a:ext uri="{FF2B5EF4-FFF2-40B4-BE49-F238E27FC236}">
-                <a16:creationId xmlns:a16="http://schemas.microsoft.com/office/drawing/2014/main" id="{BB53C688-ED99-4745-B719-686802B8A0D4}"/>
-              </a:ext>
-            </a:extLst>
-          </p:cNvPr>
-          <p:cNvSpPr>
-            <a:spLocks noGrp="1"/>
-          </p:cNvSpPr>
-          <p:nvPr>
-            <p:ph type="title"/>
-          </p:nvPr>
-        </p:nvSpPr>
-        <p:spPr/>
-        <p:txBody>
-          <a:bodyPr/>
-          <a:lstStyle/>
-          <a:p>
-            <a:r>
-              <a:rPr lang="zh-TW" altLang="en-US" dirty="0"/>
-              <a:t>有甚麼問題是一定要後端工程師來解決的</a:t>
-            </a:r>
-            <a:r>
-              <a:rPr lang="en-US" altLang="zh-TW"/>
-              <a:t>?</a:t>
-            </a:r>
-            <a:endParaRPr lang="en-US" dirty="0"/>
-          </a:p>
-        </p:txBody>
-      </p:sp>
-      <p:sp>
-        <p:nvSpPr>
-          <p:cNvPr id="3" name="副標題 2">
-            <a:extLst>
-              <a:ext uri="{FF2B5EF4-FFF2-40B4-BE49-F238E27FC236}">
-                <a16:creationId xmlns:a16="http://schemas.microsoft.com/office/drawing/2014/main" id="{1DD7CB08-CE96-4A31-B191-ED590EA22AA3}"/>
-              </a:ext>
-            </a:extLst>
-          </p:cNvPr>
-          <p:cNvSpPr>
-            <a:spLocks noGrp="1"/>
-          </p:cNvSpPr>
-          <p:nvPr>
-            <p:ph type="subTitle" idx="1"/>
-          </p:nvPr>
-        </p:nvSpPr>
-        <p:spPr/>
-        <p:txBody>
-          <a:bodyPr/>
-          <a:lstStyle/>
-          <a:p>
-            <a:endParaRPr lang="en-US"/>
-          </a:p>
-        </p:txBody>
-      </p:sp>
-    </p:spTree>
-    <p:extLst>
-      <p:ext uri="{BB962C8B-B14F-4D97-AF65-F5344CB8AC3E}">
-        <p14:creationId xmlns:p14="http://schemas.microsoft.com/office/powerpoint/2010/main" val="1862485990"/>
       </p:ext>
     </p:extLst>
   </p:cSld>
